--- a/Results.pptx
+++ b/Results.pptx
@@ -5,7 +5,25 @@
     <p:sldMasterId id="2147483648" r:id="rId1"/>
   </p:sldMasterIdLst>
   <p:sldIdLst>
-    <p:sldId id="256" r:id="rId2"/>
+    <p:sldId id="275" r:id="rId2"/>
+    <p:sldId id="256" r:id="rId3"/>
+    <p:sldId id="257" r:id="rId4"/>
+    <p:sldId id="258" r:id="rId5"/>
+    <p:sldId id="259" r:id="rId6"/>
+    <p:sldId id="260" r:id="rId7"/>
+    <p:sldId id="261" r:id="rId8"/>
+    <p:sldId id="262" r:id="rId9"/>
+    <p:sldId id="263" r:id="rId10"/>
+    <p:sldId id="264" r:id="rId11"/>
+    <p:sldId id="265" r:id="rId12"/>
+    <p:sldId id="266" r:id="rId13"/>
+    <p:sldId id="267" r:id="rId14"/>
+    <p:sldId id="268" r:id="rId15"/>
+    <p:sldId id="269" r:id="rId16"/>
+    <p:sldId id="270" r:id="rId17"/>
+    <p:sldId id="271" r:id="rId18"/>
+    <p:sldId id="272" r:id="rId19"/>
+    <p:sldId id="273" r:id="rId20"/>
   </p:sldIdLst>
   <p:sldSz cx="12192000" cy="6858000"/>
   <p:notesSz cx="6858000" cy="9144000"/>
@@ -104,6 +122,11 @@
       </a:defRPr>
     </a:lvl9pPr>
   </p:defaultTextStyle>
+  <p:extLst>
+    <p:ext uri="{EFAFB233-063F-42B5-8137-9DF3F51BA10A}">
+      <p15:sldGuideLst xmlns:p15="http://schemas.microsoft.com/office/powerpoint/2012/main"/>
+    </p:ext>
+  </p:extLst>
 </p:presentation>
 </file>
 
@@ -250,7 +273,7 @@
           <a:p>
             <a:fld id="{8C4928E7-25E9-4A35-8DE4-756C3B164F1F}" type="datetimeFigureOut">
               <a:rPr lang="en-US" smtClean="0"/>
-              <a:t>6/29/2023</a:t>
+              <a:t>7/3/2023</a:t>
             </a:fld>
             <a:endParaRPr lang="en-US"/>
           </a:p>
@@ -420,7 +443,7 @@
           <a:p>
             <a:fld id="{8C4928E7-25E9-4A35-8DE4-756C3B164F1F}" type="datetimeFigureOut">
               <a:rPr lang="en-US" smtClean="0"/>
-              <a:t>6/29/2023</a:t>
+              <a:t>7/3/2023</a:t>
             </a:fld>
             <a:endParaRPr lang="en-US"/>
           </a:p>
@@ -600,7 +623,7 @@
           <a:p>
             <a:fld id="{8C4928E7-25E9-4A35-8DE4-756C3B164F1F}" type="datetimeFigureOut">
               <a:rPr lang="en-US" smtClean="0"/>
-              <a:t>6/29/2023</a:t>
+              <a:t>7/3/2023</a:t>
             </a:fld>
             <a:endParaRPr lang="en-US"/>
           </a:p>
@@ -770,7 +793,7 @@
           <a:p>
             <a:fld id="{8C4928E7-25E9-4A35-8DE4-756C3B164F1F}" type="datetimeFigureOut">
               <a:rPr lang="en-US" smtClean="0"/>
-              <a:t>6/29/2023</a:t>
+              <a:t>7/3/2023</a:t>
             </a:fld>
             <a:endParaRPr lang="en-US"/>
           </a:p>
@@ -1016,7 +1039,7 @@
           <a:p>
             <a:fld id="{8C4928E7-25E9-4A35-8DE4-756C3B164F1F}" type="datetimeFigureOut">
               <a:rPr lang="en-US" smtClean="0"/>
-              <a:t>6/29/2023</a:t>
+              <a:t>7/3/2023</a:t>
             </a:fld>
             <a:endParaRPr lang="en-US"/>
           </a:p>
@@ -1248,7 +1271,7 @@
           <a:p>
             <a:fld id="{8C4928E7-25E9-4A35-8DE4-756C3B164F1F}" type="datetimeFigureOut">
               <a:rPr lang="en-US" smtClean="0"/>
-              <a:t>6/29/2023</a:t>
+              <a:t>7/3/2023</a:t>
             </a:fld>
             <a:endParaRPr lang="en-US"/>
           </a:p>
@@ -1615,7 +1638,7 @@
           <a:p>
             <a:fld id="{8C4928E7-25E9-4A35-8DE4-756C3B164F1F}" type="datetimeFigureOut">
               <a:rPr lang="en-US" smtClean="0"/>
-              <a:t>6/29/2023</a:t>
+              <a:t>7/3/2023</a:t>
             </a:fld>
             <a:endParaRPr lang="en-US"/>
           </a:p>
@@ -1733,7 +1756,7 @@
           <a:p>
             <a:fld id="{8C4928E7-25E9-4A35-8DE4-756C3B164F1F}" type="datetimeFigureOut">
               <a:rPr lang="en-US" smtClean="0"/>
-              <a:t>6/29/2023</a:t>
+              <a:t>7/3/2023</a:t>
             </a:fld>
             <a:endParaRPr lang="en-US"/>
           </a:p>
@@ -1828,7 +1851,7 @@
           <a:p>
             <a:fld id="{8C4928E7-25E9-4A35-8DE4-756C3B164F1F}" type="datetimeFigureOut">
               <a:rPr lang="en-US" smtClean="0"/>
-              <a:t>6/29/2023</a:t>
+              <a:t>7/3/2023</a:t>
             </a:fld>
             <a:endParaRPr lang="en-US"/>
           </a:p>
@@ -2105,7 +2128,7 @@
           <a:p>
             <a:fld id="{8C4928E7-25E9-4A35-8DE4-756C3B164F1F}" type="datetimeFigureOut">
               <a:rPr lang="en-US" smtClean="0"/>
-              <a:t>6/29/2023</a:t>
+              <a:t>7/3/2023</a:t>
             </a:fld>
             <a:endParaRPr lang="en-US"/>
           </a:p>
@@ -2358,7 +2381,7 @@
           <a:p>
             <a:fld id="{8C4928E7-25E9-4A35-8DE4-756C3B164F1F}" type="datetimeFigureOut">
               <a:rPr lang="en-US" smtClean="0"/>
-              <a:t>6/29/2023</a:t>
+              <a:t>7/3/2023</a:t>
             </a:fld>
             <a:endParaRPr lang="en-US"/>
           </a:p>
@@ -2571,7 +2594,7 @@
           <a:p>
             <a:fld id="{8C4928E7-25E9-4A35-8DE4-756C3B164F1F}" type="datetimeFigureOut">
               <a:rPr lang="en-US" smtClean="0"/>
-              <a:t>6/29/2023</a:t>
+              <a:t>7/3/2023</a:t>
             </a:fld>
             <a:endParaRPr lang="en-US"/>
           </a:p>
@@ -2976,6 +2999,704 @@
           <a:chExt cx="0" cy="0"/>
         </a:xfrm>
       </p:grpSpPr>
+      <p:sp>
+        <p:nvSpPr>
+          <p:cNvPr id="2" name="Titel 1"/>
+          <p:cNvSpPr>
+            <a:spLocks noGrp="1"/>
+          </p:cNvSpPr>
+          <p:nvPr>
+            <p:ph type="ctrTitle"/>
+          </p:nvPr>
+        </p:nvSpPr>
+        <p:spPr/>
+        <p:txBody>
+          <a:bodyPr>
+            <a:normAutofit fontScale="90000"/>
+          </a:bodyPr>
+          <a:lstStyle/>
+          <a:p>
+            <a:r>
+              <a:rPr lang="en-US" dirty="0" smtClean="0"/>
+              <a:t>Extra-P GPR Measurement Point Selection Strategy Evaluation Results</a:t>
+            </a:r>
+            <a:endParaRPr lang="en-US" dirty="0"/>
+          </a:p>
+        </p:txBody>
+      </p:sp>
+      <p:sp>
+        <p:nvSpPr>
+          <p:cNvPr id="3" name="Untertitel 2"/>
+          <p:cNvSpPr>
+            <a:spLocks noGrp="1"/>
+          </p:cNvSpPr>
+          <p:nvPr>
+            <p:ph type="subTitle" idx="1"/>
+          </p:nvPr>
+        </p:nvSpPr>
+        <p:spPr/>
+        <p:txBody>
+          <a:bodyPr/>
+          <a:lstStyle/>
+          <a:p>
+            <a:r>
+              <a:rPr lang="en-US" dirty="0" smtClean="0"/>
+              <a:t>Case-Studies: Relearn, </a:t>
+            </a:r>
+            <a:r>
+              <a:rPr lang="en-US" dirty="0" err="1" smtClean="0"/>
+              <a:t>Lulesh</a:t>
+            </a:r>
+            <a:r>
+              <a:rPr lang="en-US" dirty="0" smtClean="0"/>
+              <a:t>, </a:t>
+            </a:r>
+            <a:r>
+              <a:rPr lang="en-US" dirty="0" err="1" smtClean="0"/>
+              <a:t>MiniFE</a:t>
+            </a:r>
+            <a:r>
+              <a:rPr lang="en-US" dirty="0" smtClean="0"/>
+              <a:t>, Kripke, FASTEST, Quicksilver</a:t>
+            </a:r>
+            <a:endParaRPr lang="en-US" dirty="0"/>
+          </a:p>
+        </p:txBody>
+      </p:sp>
+    </p:spTree>
+    <p:extLst>
+      <p:ext uri="{BB962C8B-B14F-4D97-AF65-F5344CB8AC3E}">
+        <p14:creationId xmlns:p14="http://schemas.microsoft.com/office/powerpoint/2010/main" val="1296870135"/>
+      </p:ext>
+    </p:extLst>
+  </p:cSld>
+  <p:clrMapOvr>
+    <a:masterClrMapping/>
+  </p:clrMapOvr>
+</p:sld>
+</file>
+
+<file path=ppt/slides/slide10.xml><?xml version="1.0" encoding="utf-8"?>
+<p:sld xmlns:a="http://schemas.openxmlformats.org/drawingml/2006/main" xmlns:r="http://schemas.openxmlformats.org/officeDocument/2006/relationships" xmlns:p="http://schemas.openxmlformats.org/presentationml/2006/main">
+  <p:cSld>
+    <p:spTree>
+      <p:nvGrpSpPr>
+        <p:cNvPr id="1" name=""/>
+        <p:cNvGrpSpPr/>
+        <p:nvPr/>
+      </p:nvGrpSpPr>
+      <p:grpSpPr>
+        <a:xfrm>
+          <a:off x="0" y="0"/>
+          <a:ext cx="0" cy="0"/>
+          <a:chOff x="0" y="0"/>
+          <a:chExt cx="0" cy="0"/>
+        </a:xfrm>
+      </p:grpSpPr>
+      <p:sp>
+        <p:nvSpPr>
+          <p:cNvPr id="14" name="Textfeld 13"/>
+          <p:cNvSpPr txBox="1"/>
+          <p:nvPr/>
+        </p:nvSpPr>
+        <p:spPr>
+          <a:xfrm>
+            <a:off x="1128889" y="485422"/>
+            <a:ext cx="4323644" cy="461665"/>
+          </a:xfrm>
+          <a:prstGeom prst="rect">
+            <a:avLst/>
+          </a:prstGeom>
+          <a:noFill/>
+        </p:spPr>
+        <p:txBody>
+          <a:bodyPr wrap="square" rtlCol="0">
+            <a:spAutoFit/>
+          </a:bodyPr>
+          <a:lstStyle/>
+          <a:p>
+            <a:r>
+              <a:rPr lang="en-US" sz="2400" b="1" dirty="0" err="1" smtClean="0"/>
+              <a:t>MiniFE</a:t>
+            </a:r>
+            <a:r>
+              <a:rPr lang="en-US" sz="2400" b="1" dirty="0" smtClean="0"/>
+              <a:t> results</a:t>
+            </a:r>
+            <a:endParaRPr lang="en-US" sz="2400" b="1" dirty="0"/>
+          </a:p>
+        </p:txBody>
+      </p:sp>
+    </p:spTree>
+    <p:extLst>
+      <p:ext uri="{BB962C8B-B14F-4D97-AF65-F5344CB8AC3E}">
+        <p14:creationId xmlns:p14="http://schemas.microsoft.com/office/powerpoint/2010/main" val="1225703755"/>
+      </p:ext>
+    </p:extLst>
+  </p:cSld>
+  <p:clrMapOvr>
+    <a:masterClrMapping/>
+  </p:clrMapOvr>
+</p:sld>
+</file>
+
+<file path=ppt/slides/slide11.xml><?xml version="1.0" encoding="utf-8"?>
+<p:sld xmlns:a="http://schemas.openxmlformats.org/drawingml/2006/main" xmlns:r="http://schemas.openxmlformats.org/officeDocument/2006/relationships" xmlns:p="http://schemas.openxmlformats.org/presentationml/2006/main">
+  <p:cSld>
+    <p:spTree>
+      <p:nvGrpSpPr>
+        <p:cNvPr id="1" name=""/>
+        <p:cNvGrpSpPr/>
+        <p:nvPr/>
+      </p:nvGrpSpPr>
+      <p:grpSpPr>
+        <a:xfrm>
+          <a:off x="0" y="0"/>
+          <a:ext cx="0" cy="0"/>
+          <a:chOff x="0" y="0"/>
+          <a:chExt cx="0" cy="0"/>
+        </a:xfrm>
+      </p:grpSpPr>
+      <p:sp>
+        <p:nvSpPr>
+          <p:cNvPr id="14" name="Textfeld 13"/>
+          <p:cNvSpPr txBox="1"/>
+          <p:nvPr/>
+        </p:nvSpPr>
+        <p:spPr>
+          <a:xfrm>
+            <a:off x="1128889" y="485422"/>
+            <a:ext cx="4323644" cy="461665"/>
+          </a:xfrm>
+          <a:prstGeom prst="rect">
+            <a:avLst/>
+          </a:prstGeom>
+          <a:noFill/>
+        </p:spPr>
+        <p:txBody>
+          <a:bodyPr wrap="square" rtlCol="0">
+            <a:spAutoFit/>
+          </a:bodyPr>
+          <a:lstStyle/>
+          <a:p>
+            <a:r>
+              <a:rPr lang="en-US" sz="2400" b="1" dirty="0" smtClean="0"/>
+              <a:t>Kripke results</a:t>
+            </a:r>
+            <a:endParaRPr lang="en-US" sz="2400" b="1" dirty="0"/>
+          </a:p>
+        </p:txBody>
+      </p:sp>
+    </p:spTree>
+    <p:extLst>
+      <p:ext uri="{BB962C8B-B14F-4D97-AF65-F5344CB8AC3E}">
+        <p14:creationId xmlns:p14="http://schemas.microsoft.com/office/powerpoint/2010/main" val="3659605943"/>
+      </p:ext>
+    </p:extLst>
+  </p:cSld>
+  <p:clrMapOvr>
+    <a:masterClrMapping/>
+  </p:clrMapOvr>
+</p:sld>
+</file>
+
+<file path=ppt/slides/slide12.xml><?xml version="1.0" encoding="utf-8"?>
+<p:sld xmlns:a="http://schemas.openxmlformats.org/drawingml/2006/main" xmlns:r="http://schemas.openxmlformats.org/officeDocument/2006/relationships" xmlns:p="http://schemas.openxmlformats.org/presentationml/2006/main">
+  <p:cSld>
+    <p:spTree>
+      <p:nvGrpSpPr>
+        <p:cNvPr id="1" name=""/>
+        <p:cNvGrpSpPr/>
+        <p:nvPr/>
+      </p:nvGrpSpPr>
+      <p:grpSpPr>
+        <a:xfrm>
+          <a:off x="0" y="0"/>
+          <a:ext cx="0" cy="0"/>
+          <a:chOff x="0" y="0"/>
+          <a:chExt cx="0" cy="0"/>
+        </a:xfrm>
+      </p:grpSpPr>
+      <p:sp>
+        <p:nvSpPr>
+          <p:cNvPr id="14" name="Textfeld 13"/>
+          <p:cNvSpPr txBox="1"/>
+          <p:nvPr/>
+        </p:nvSpPr>
+        <p:spPr>
+          <a:xfrm>
+            <a:off x="1128889" y="485422"/>
+            <a:ext cx="4323644" cy="461665"/>
+          </a:xfrm>
+          <a:prstGeom prst="rect">
+            <a:avLst/>
+          </a:prstGeom>
+          <a:noFill/>
+        </p:spPr>
+        <p:txBody>
+          <a:bodyPr wrap="square" rtlCol="0">
+            <a:spAutoFit/>
+          </a:bodyPr>
+          <a:lstStyle/>
+          <a:p>
+            <a:r>
+              <a:rPr lang="en-US" sz="2400" b="1" dirty="0" smtClean="0"/>
+              <a:t>Kripke results</a:t>
+            </a:r>
+            <a:endParaRPr lang="en-US" sz="2400" b="1" dirty="0"/>
+          </a:p>
+        </p:txBody>
+      </p:sp>
+    </p:spTree>
+    <p:extLst>
+      <p:ext uri="{BB962C8B-B14F-4D97-AF65-F5344CB8AC3E}">
+        <p14:creationId xmlns:p14="http://schemas.microsoft.com/office/powerpoint/2010/main" val="2176036657"/>
+      </p:ext>
+    </p:extLst>
+  </p:cSld>
+  <p:clrMapOvr>
+    <a:masterClrMapping/>
+  </p:clrMapOvr>
+</p:sld>
+</file>
+
+<file path=ppt/slides/slide13.xml><?xml version="1.0" encoding="utf-8"?>
+<p:sld xmlns:a="http://schemas.openxmlformats.org/drawingml/2006/main" xmlns:r="http://schemas.openxmlformats.org/officeDocument/2006/relationships" xmlns:p="http://schemas.openxmlformats.org/presentationml/2006/main">
+  <p:cSld>
+    <p:spTree>
+      <p:nvGrpSpPr>
+        <p:cNvPr id="1" name=""/>
+        <p:cNvGrpSpPr/>
+        <p:nvPr/>
+      </p:nvGrpSpPr>
+      <p:grpSpPr>
+        <a:xfrm>
+          <a:off x="0" y="0"/>
+          <a:ext cx="0" cy="0"/>
+          <a:chOff x="0" y="0"/>
+          <a:chExt cx="0" cy="0"/>
+        </a:xfrm>
+      </p:grpSpPr>
+      <p:sp>
+        <p:nvSpPr>
+          <p:cNvPr id="14" name="Textfeld 13"/>
+          <p:cNvSpPr txBox="1"/>
+          <p:nvPr/>
+        </p:nvSpPr>
+        <p:spPr>
+          <a:xfrm>
+            <a:off x="1128889" y="485422"/>
+            <a:ext cx="4323644" cy="461665"/>
+          </a:xfrm>
+          <a:prstGeom prst="rect">
+            <a:avLst/>
+          </a:prstGeom>
+          <a:noFill/>
+        </p:spPr>
+        <p:txBody>
+          <a:bodyPr wrap="square" rtlCol="0">
+            <a:spAutoFit/>
+          </a:bodyPr>
+          <a:lstStyle/>
+          <a:p>
+            <a:r>
+              <a:rPr lang="en-US" sz="2400" b="1" dirty="0" smtClean="0"/>
+              <a:t>Kripke results</a:t>
+            </a:r>
+            <a:endParaRPr lang="en-US" sz="2400" b="1" dirty="0"/>
+          </a:p>
+        </p:txBody>
+      </p:sp>
+    </p:spTree>
+    <p:extLst>
+      <p:ext uri="{BB962C8B-B14F-4D97-AF65-F5344CB8AC3E}">
+        <p14:creationId xmlns:p14="http://schemas.microsoft.com/office/powerpoint/2010/main" val="3830810872"/>
+      </p:ext>
+    </p:extLst>
+  </p:cSld>
+  <p:clrMapOvr>
+    <a:masterClrMapping/>
+  </p:clrMapOvr>
+</p:sld>
+</file>
+
+<file path=ppt/slides/slide14.xml><?xml version="1.0" encoding="utf-8"?>
+<p:sld xmlns:a="http://schemas.openxmlformats.org/drawingml/2006/main" xmlns:r="http://schemas.openxmlformats.org/officeDocument/2006/relationships" xmlns:p="http://schemas.openxmlformats.org/presentationml/2006/main">
+  <p:cSld>
+    <p:spTree>
+      <p:nvGrpSpPr>
+        <p:cNvPr id="1" name=""/>
+        <p:cNvGrpSpPr/>
+        <p:nvPr/>
+      </p:nvGrpSpPr>
+      <p:grpSpPr>
+        <a:xfrm>
+          <a:off x="0" y="0"/>
+          <a:ext cx="0" cy="0"/>
+          <a:chOff x="0" y="0"/>
+          <a:chExt cx="0" cy="0"/>
+        </a:xfrm>
+      </p:grpSpPr>
+      <p:sp>
+        <p:nvSpPr>
+          <p:cNvPr id="14" name="Textfeld 13"/>
+          <p:cNvSpPr txBox="1"/>
+          <p:nvPr/>
+        </p:nvSpPr>
+        <p:spPr>
+          <a:xfrm>
+            <a:off x="1128889" y="485422"/>
+            <a:ext cx="4323644" cy="461665"/>
+          </a:xfrm>
+          <a:prstGeom prst="rect">
+            <a:avLst/>
+          </a:prstGeom>
+          <a:noFill/>
+        </p:spPr>
+        <p:txBody>
+          <a:bodyPr wrap="square" rtlCol="0">
+            <a:spAutoFit/>
+          </a:bodyPr>
+          <a:lstStyle/>
+          <a:p>
+            <a:r>
+              <a:rPr lang="en-US" sz="2400" b="1" dirty="0" smtClean="0"/>
+              <a:t>FASTEST results</a:t>
+            </a:r>
+            <a:endParaRPr lang="en-US" sz="2400" b="1" dirty="0"/>
+          </a:p>
+        </p:txBody>
+      </p:sp>
+    </p:spTree>
+    <p:extLst>
+      <p:ext uri="{BB962C8B-B14F-4D97-AF65-F5344CB8AC3E}">
+        <p14:creationId xmlns:p14="http://schemas.microsoft.com/office/powerpoint/2010/main" val="754757463"/>
+      </p:ext>
+    </p:extLst>
+  </p:cSld>
+  <p:clrMapOvr>
+    <a:masterClrMapping/>
+  </p:clrMapOvr>
+</p:sld>
+</file>
+
+<file path=ppt/slides/slide15.xml><?xml version="1.0" encoding="utf-8"?>
+<p:sld xmlns:a="http://schemas.openxmlformats.org/drawingml/2006/main" xmlns:r="http://schemas.openxmlformats.org/officeDocument/2006/relationships" xmlns:p="http://schemas.openxmlformats.org/presentationml/2006/main">
+  <p:cSld>
+    <p:spTree>
+      <p:nvGrpSpPr>
+        <p:cNvPr id="1" name=""/>
+        <p:cNvGrpSpPr/>
+        <p:nvPr/>
+      </p:nvGrpSpPr>
+      <p:grpSpPr>
+        <a:xfrm>
+          <a:off x="0" y="0"/>
+          <a:ext cx="0" cy="0"/>
+          <a:chOff x="0" y="0"/>
+          <a:chExt cx="0" cy="0"/>
+        </a:xfrm>
+      </p:grpSpPr>
+      <p:sp>
+        <p:nvSpPr>
+          <p:cNvPr id="14" name="Textfeld 13"/>
+          <p:cNvSpPr txBox="1"/>
+          <p:nvPr/>
+        </p:nvSpPr>
+        <p:spPr>
+          <a:xfrm>
+            <a:off x="1128889" y="485422"/>
+            <a:ext cx="4323644" cy="461665"/>
+          </a:xfrm>
+          <a:prstGeom prst="rect">
+            <a:avLst/>
+          </a:prstGeom>
+          <a:noFill/>
+        </p:spPr>
+        <p:txBody>
+          <a:bodyPr wrap="square" rtlCol="0">
+            <a:spAutoFit/>
+          </a:bodyPr>
+          <a:lstStyle/>
+          <a:p>
+            <a:r>
+              <a:rPr lang="en-US" sz="2400" b="1" dirty="0" smtClean="0"/>
+              <a:t>FASTEST results</a:t>
+            </a:r>
+            <a:endParaRPr lang="en-US" sz="2400" b="1" dirty="0"/>
+          </a:p>
+        </p:txBody>
+      </p:sp>
+    </p:spTree>
+    <p:extLst>
+      <p:ext uri="{BB962C8B-B14F-4D97-AF65-F5344CB8AC3E}">
+        <p14:creationId xmlns:p14="http://schemas.microsoft.com/office/powerpoint/2010/main" val="1981088456"/>
+      </p:ext>
+    </p:extLst>
+  </p:cSld>
+  <p:clrMapOvr>
+    <a:masterClrMapping/>
+  </p:clrMapOvr>
+</p:sld>
+</file>
+
+<file path=ppt/slides/slide16.xml><?xml version="1.0" encoding="utf-8"?>
+<p:sld xmlns:a="http://schemas.openxmlformats.org/drawingml/2006/main" xmlns:r="http://schemas.openxmlformats.org/officeDocument/2006/relationships" xmlns:p="http://schemas.openxmlformats.org/presentationml/2006/main">
+  <p:cSld>
+    <p:spTree>
+      <p:nvGrpSpPr>
+        <p:cNvPr id="1" name=""/>
+        <p:cNvGrpSpPr/>
+        <p:nvPr/>
+      </p:nvGrpSpPr>
+      <p:grpSpPr>
+        <a:xfrm>
+          <a:off x="0" y="0"/>
+          <a:ext cx="0" cy="0"/>
+          <a:chOff x="0" y="0"/>
+          <a:chExt cx="0" cy="0"/>
+        </a:xfrm>
+      </p:grpSpPr>
+      <p:sp>
+        <p:nvSpPr>
+          <p:cNvPr id="14" name="Textfeld 13"/>
+          <p:cNvSpPr txBox="1"/>
+          <p:nvPr/>
+        </p:nvSpPr>
+        <p:spPr>
+          <a:xfrm>
+            <a:off x="1128889" y="485422"/>
+            <a:ext cx="4323644" cy="461665"/>
+          </a:xfrm>
+          <a:prstGeom prst="rect">
+            <a:avLst/>
+          </a:prstGeom>
+          <a:noFill/>
+        </p:spPr>
+        <p:txBody>
+          <a:bodyPr wrap="square" rtlCol="0">
+            <a:spAutoFit/>
+          </a:bodyPr>
+          <a:lstStyle/>
+          <a:p>
+            <a:r>
+              <a:rPr lang="en-US" sz="2400" b="1" dirty="0" smtClean="0"/>
+              <a:t>FASTEST results</a:t>
+            </a:r>
+            <a:endParaRPr lang="en-US" sz="2400" b="1" dirty="0"/>
+          </a:p>
+        </p:txBody>
+      </p:sp>
+    </p:spTree>
+    <p:extLst>
+      <p:ext uri="{BB962C8B-B14F-4D97-AF65-F5344CB8AC3E}">
+        <p14:creationId xmlns:p14="http://schemas.microsoft.com/office/powerpoint/2010/main" val="2744005304"/>
+      </p:ext>
+    </p:extLst>
+  </p:cSld>
+  <p:clrMapOvr>
+    <a:masterClrMapping/>
+  </p:clrMapOvr>
+</p:sld>
+</file>
+
+<file path=ppt/slides/slide17.xml><?xml version="1.0" encoding="utf-8"?>
+<p:sld xmlns:a="http://schemas.openxmlformats.org/drawingml/2006/main" xmlns:r="http://schemas.openxmlformats.org/officeDocument/2006/relationships" xmlns:p="http://schemas.openxmlformats.org/presentationml/2006/main">
+  <p:cSld>
+    <p:spTree>
+      <p:nvGrpSpPr>
+        <p:cNvPr id="1" name=""/>
+        <p:cNvGrpSpPr/>
+        <p:nvPr/>
+      </p:nvGrpSpPr>
+      <p:grpSpPr>
+        <a:xfrm>
+          <a:off x="0" y="0"/>
+          <a:ext cx="0" cy="0"/>
+          <a:chOff x="0" y="0"/>
+          <a:chExt cx="0" cy="0"/>
+        </a:xfrm>
+      </p:grpSpPr>
+      <p:sp>
+        <p:nvSpPr>
+          <p:cNvPr id="14" name="Textfeld 13"/>
+          <p:cNvSpPr txBox="1"/>
+          <p:nvPr/>
+        </p:nvSpPr>
+        <p:spPr>
+          <a:xfrm>
+            <a:off x="1128889" y="485422"/>
+            <a:ext cx="4323644" cy="461665"/>
+          </a:xfrm>
+          <a:prstGeom prst="rect">
+            <a:avLst/>
+          </a:prstGeom>
+          <a:noFill/>
+        </p:spPr>
+        <p:txBody>
+          <a:bodyPr wrap="square" rtlCol="0">
+            <a:spAutoFit/>
+          </a:bodyPr>
+          <a:lstStyle/>
+          <a:p>
+            <a:r>
+              <a:rPr lang="en-US" sz="2400" b="1" dirty="0" smtClean="0"/>
+              <a:t>Quicksilver results</a:t>
+            </a:r>
+            <a:endParaRPr lang="en-US" sz="2400" b="1" dirty="0"/>
+          </a:p>
+        </p:txBody>
+      </p:sp>
+    </p:spTree>
+    <p:extLst>
+      <p:ext uri="{BB962C8B-B14F-4D97-AF65-F5344CB8AC3E}">
+        <p14:creationId xmlns:p14="http://schemas.microsoft.com/office/powerpoint/2010/main" val="760213402"/>
+      </p:ext>
+    </p:extLst>
+  </p:cSld>
+  <p:clrMapOvr>
+    <a:masterClrMapping/>
+  </p:clrMapOvr>
+</p:sld>
+</file>
+
+<file path=ppt/slides/slide18.xml><?xml version="1.0" encoding="utf-8"?>
+<p:sld xmlns:a="http://schemas.openxmlformats.org/drawingml/2006/main" xmlns:r="http://schemas.openxmlformats.org/officeDocument/2006/relationships" xmlns:p="http://schemas.openxmlformats.org/presentationml/2006/main">
+  <p:cSld>
+    <p:spTree>
+      <p:nvGrpSpPr>
+        <p:cNvPr id="1" name=""/>
+        <p:cNvGrpSpPr/>
+        <p:nvPr/>
+      </p:nvGrpSpPr>
+      <p:grpSpPr>
+        <a:xfrm>
+          <a:off x="0" y="0"/>
+          <a:ext cx="0" cy="0"/>
+          <a:chOff x="0" y="0"/>
+          <a:chExt cx="0" cy="0"/>
+        </a:xfrm>
+      </p:grpSpPr>
+      <p:sp>
+        <p:nvSpPr>
+          <p:cNvPr id="14" name="Textfeld 13"/>
+          <p:cNvSpPr txBox="1"/>
+          <p:nvPr/>
+        </p:nvSpPr>
+        <p:spPr>
+          <a:xfrm>
+            <a:off x="1128889" y="485422"/>
+            <a:ext cx="4323644" cy="461665"/>
+          </a:xfrm>
+          <a:prstGeom prst="rect">
+            <a:avLst/>
+          </a:prstGeom>
+          <a:noFill/>
+        </p:spPr>
+        <p:txBody>
+          <a:bodyPr wrap="square" rtlCol="0">
+            <a:spAutoFit/>
+          </a:bodyPr>
+          <a:lstStyle/>
+          <a:p>
+            <a:r>
+              <a:rPr lang="en-US" sz="2400" b="1" dirty="0" smtClean="0"/>
+              <a:t>Quicksilver results</a:t>
+            </a:r>
+            <a:endParaRPr lang="en-US" sz="2400" b="1" dirty="0"/>
+          </a:p>
+        </p:txBody>
+      </p:sp>
+    </p:spTree>
+    <p:extLst>
+      <p:ext uri="{BB962C8B-B14F-4D97-AF65-F5344CB8AC3E}">
+        <p14:creationId xmlns:p14="http://schemas.microsoft.com/office/powerpoint/2010/main" val="4067684214"/>
+      </p:ext>
+    </p:extLst>
+  </p:cSld>
+  <p:clrMapOvr>
+    <a:masterClrMapping/>
+  </p:clrMapOvr>
+</p:sld>
+</file>
+
+<file path=ppt/slides/slide19.xml><?xml version="1.0" encoding="utf-8"?>
+<p:sld xmlns:a="http://schemas.openxmlformats.org/drawingml/2006/main" xmlns:r="http://schemas.openxmlformats.org/officeDocument/2006/relationships" xmlns:p="http://schemas.openxmlformats.org/presentationml/2006/main">
+  <p:cSld>
+    <p:spTree>
+      <p:nvGrpSpPr>
+        <p:cNvPr id="1" name=""/>
+        <p:cNvGrpSpPr/>
+        <p:nvPr/>
+      </p:nvGrpSpPr>
+      <p:grpSpPr>
+        <a:xfrm>
+          <a:off x="0" y="0"/>
+          <a:ext cx="0" cy="0"/>
+          <a:chOff x="0" y="0"/>
+          <a:chExt cx="0" cy="0"/>
+        </a:xfrm>
+      </p:grpSpPr>
+      <p:sp>
+        <p:nvSpPr>
+          <p:cNvPr id="14" name="Textfeld 13"/>
+          <p:cNvSpPr txBox="1"/>
+          <p:nvPr/>
+        </p:nvSpPr>
+        <p:spPr>
+          <a:xfrm>
+            <a:off x="1128889" y="485422"/>
+            <a:ext cx="4323644" cy="461665"/>
+          </a:xfrm>
+          <a:prstGeom prst="rect">
+            <a:avLst/>
+          </a:prstGeom>
+          <a:noFill/>
+        </p:spPr>
+        <p:txBody>
+          <a:bodyPr wrap="square" rtlCol="0">
+            <a:spAutoFit/>
+          </a:bodyPr>
+          <a:lstStyle/>
+          <a:p>
+            <a:r>
+              <a:rPr lang="en-US" sz="2400" b="1" dirty="0" smtClean="0"/>
+              <a:t>Quicksilver results</a:t>
+            </a:r>
+            <a:endParaRPr lang="en-US" sz="2400" b="1" dirty="0"/>
+          </a:p>
+        </p:txBody>
+      </p:sp>
+    </p:spTree>
+    <p:extLst>
+      <p:ext uri="{BB962C8B-B14F-4D97-AF65-F5344CB8AC3E}">
+        <p14:creationId xmlns:p14="http://schemas.microsoft.com/office/powerpoint/2010/main" val="1777456869"/>
+      </p:ext>
+    </p:extLst>
+  </p:cSld>
+  <p:clrMapOvr>
+    <a:masterClrMapping/>
+  </p:clrMapOvr>
+</p:sld>
+</file>
+
+<file path=ppt/slides/slide2.xml><?xml version="1.0" encoding="utf-8"?>
+<p:sld xmlns:a="http://schemas.openxmlformats.org/drawingml/2006/main" xmlns:r="http://schemas.openxmlformats.org/officeDocument/2006/relationships" xmlns:p="http://schemas.openxmlformats.org/presentationml/2006/main">
+  <p:cSld>
+    <p:spTree>
+      <p:nvGrpSpPr>
+        <p:cNvPr id="1" name=""/>
+        <p:cNvGrpSpPr/>
+        <p:nvPr/>
+      </p:nvGrpSpPr>
+      <p:grpSpPr>
+        <a:xfrm>
+          <a:off x="0" y="0"/>
+          <a:ext cx="0" cy="0"/>
+          <a:chOff x="0" y="0"/>
+          <a:chExt cx="0" cy="0"/>
+        </a:xfrm>
+      </p:grpSpPr>
       <p:pic>
         <p:nvPicPr>
           <p:cNvPr id="4" name="Grafik 3"/>
@@ -4084,6 +4805,854 @@
     <p:extLst>
       <p:ext uri="{BB962C8B-B14F-4D97-AF65-F5344CB8AC3E}">
         <p14:creationId xmlns:p14="http://schemas.microsoft.com/office/powerpoint/2010/main" val="3728962216"/>
+      </p:ext>
+    </p:extLst>
+  </p:cSld>
+  <p:clrMapOvr>
+    <a:masterClrMapping/>
+  </p:clrMapOvr>
+</p:sld>
+</file>
+
+<file path=ppt/slides/slide3.xml><?xml version="1.0" encoding="utf-8"?>
+<p:sld xmlns:a="http://schemas.openxmlformats.org/drawingml/2006/main" xmlns:r="http://schemas.openxmlformats.org/officeDocument/2006/relationships" xmlns:p="http://schemas.openxmlformats.org/presentationml/2006/main">
+  <p:cSld>
+    <p:spTree>
+      <p:nvGrpSpPr>
+        <p:cNvPr id="1" name=""/>
+        <p:cNvGrpSpPr/>
+        <p:nvPr/>
+      </p:nvGrpSpPr>
+      <p:grpSpPr>
+        <a:xfrm>
+          <a:off x="0" y="0"/>
+          <a:ext cx="0" cy="0"/>
+          <a:chOff x="0" y="0"/>
+          <a:chExt cx="0" cy="0"/>
+        </a:xfrm>
+      </p:grpSpPr>
+      <p:sp>
+        <p:nvSpPr>
+          <p:cNvPr id="14" name="Textfeld 13"/>
+          <p:cNvSpPr txBox="1"/>
+          <p:nvPr/>
+        </p:nvSpPr>
+        <p:spPr>
+          <a:xfrm>
+            <a:off x="1128889" y="485422"/>
+            <a:ext cx="4323644" cy="461665"/>
+          </a:xfrm>
+          <a:prstGeom prst="rect">
+            <a:avLst/>
+          </a:prstGeom>
+          <a:noFill/>
+        </p:spPr>
+        <p:txBody>
+          <a:bodyPr wrap="square" rtlCol="0">
+            <a:spAutoFit/>
+          </a:bodyPr>
+          <a:lstStyle/>
+          <a:p>
+            <a:r>
+              <a:rPr lang="en-US" sz="2400" b="1" dirty="0" smtClean="0"/>
+              <a:t>Relearn results</a:t>
+            </a:r>
+            <a:endParaRPr lang="en-US" sz="2400" b="1" dirty="0"/>
+          </a:p>
+        </p:txBody>
+      </p:sp>
+      <p:pic>
+        <p:nvPicPr>
+          <p:cNvPr id="2" name="Grafik 1"/>
+          <p:cNvPicPr>
+            <a:picLocks noChangeAspect="1"/>
+          </p:cNvPicPr>
+          <p:nvPr/>
+        </p:nvPicPr>
+        <p:blipFill>
+          <a:blip r:embed="rId2">
+            <a:extLst>
+              <a:ext uri="{28A0092B-C50C-407E-A947-70E740481C1C}">
+                <a14:useLocalDpi xmlns:a14="http://schemas.microsoft.com/office/drawing/2010/main" val="0"/>
+              </a:ext>
+            </a:extLst>
+          </a:blip>
+          <a:stretch>
+            <a:fillRect/>
+          </a:stretch>
+        </p:blipFill>
+        <p:spPr>
+          <a:xfrm>
+            <a:off x="3145851" y="1583351"/>
+            <a:ext cx="5852172" cy="4389129"/>
+          </a:xfrm>
+          <a:prstGeom prst="rect">
+            <a:avLst/>
+          </a:prstGeom>
+        </p:spPr>
+      </p:pic>
+    </p:spTree>
+    <p:extLst>
+      <p:ext uri="{BB962C8B-B14F-4D97-AF65-F5344CB8AC3E}">
+        <p14:creationId xmlns:p14="http://schemas.microsoft.com/office/powerpoint/2010/main" val="1686849208"/>
+      </p:ext>
+    </p:extLst>
+  </p:cSld>
+  <p:clrMapOvr>
+    <a:masterClrMapping/>
+  </p:clrMapOvr>
+</p:sld>
+</file>
+
+<file path=ppt/slides/slide4.xml><?xml version="1.0" encoding="utf-8"?>
+<p:sld xmlns:a="http://schemas.openxmlformats.org/drawingml/2006/main" xmlns:r="http://schemas.openxmlformats.org/officeDocument/2006/relationships" xmlns:p="http://schemas.openxmlformats.org/presentationml/2006/main">
+  <p:cSld>
+    <p:spTree>
+      <p:nvGrpSpPr>
+        <p:cNvPr id="1" name=""/>
+        <p:cNvGrpSpPr/>
+        <p:nvPr/>
+      </p:nvGrpSpPr>
+      <p:grpSpPr>
+        <a:xfrm>
+          <a:off x="0" y="0"/>
+          <a:ext cx="0" cy="0"/>
+          <a:chOff x="0" y="0"/>
+          <a:chExt cx="0" cy="0"/>
+        </a:xfrm>
+      </p:grpSpPr>
+      <p:sp>
+        <p:nvSpPr>
+          <p:cNvPr id="14" name="Textfeld 13"/>
+          <p:cNvSpPr txBox="1"/>
+          <p:nvPr/>
+        </p:nvSpPr>
+        <p:spPr>
+          <a:xfrm>
+            <a:off x="1128889" y="485422"/>
+            <a:ext cx="4323644" cy="461665"/>
+          </a:xfrm>
+          <a:prstGeom prst="rect">
+            <a:avLst/>
+          </a:prstGeom>
+          <a:noFill/>
+        </p:spPr>
+        <p:txBody>
+          <a:bodyPr wrap="square" rtlCol="0">
+            <a:spAutoFit/>
+          </a:bodyPr>
+          <a:lstStyle/>
+          <a:p>
+            <a:r>
+              <a:rPr lang="en-US" sz="2400" b="1" dirty="0" smtClean="0"/>
+              <a:t>Relearn results</a:t>
+            </a:r>
+            <a:endParaRPr lang="en-US" sz="2400" b="1" dirty="0"/>
+          </a:p>
+        </p:txBody>
+      </p:sp>
+      <p:pic>
+        <p:nvPicPr>
+          <p:cNvPr id="2" name="Grafik 1"/>
+          <p:cNvPicPr>
+            <a:picLocks noChangeAspect="1"/>
+          </p:cNvPicPr>
+          <p:nvPr/>
+        </p:nvPicPr>
+        <p:blipFill>
+          <a:blip r:embed="rId2">
+            <a:extLst>
+              <a:ext uri="{28A0092B-C50C-407E-A947-70E740481C1C}">
+                <a14:useLocalDpi xmlns:a14="http://schemas.microsoft.com/office/drawing/2010/main" val="0"/>
+              </a:ext>
+            </a:extLst>
+          </a:blip>
+          <a:stretch>
+            <a:fillRect/>
+          </a:stretch>
+        </p:blipFill>
+        <p:spPr>
+          <a:xfrm>
+            <a:off x="3169914" y="1234435"/>
+            <a:ext cx="5852172" cy="4389129"/>
+          </a:xfrm>
+          <a:prstGeom prst="rect">
+            <a:avLst/>
+          </a:prstGeom>
+        </p:spPr>
+      </p:pic>
+    </p:spTree>
+    <p:extLst>
+      <p:ext uri="{BB962C8B-B14F-4D97-AF65-F5344CB8AC3E}">
+        <p14:creationId xmlns:p14="http://schemas.microsoft.com/office/powerpoint/2010/main" val="3196979004"/>
+      </p:ext>
+    </p:extLst>
+  </p:cSld>
+  <p:clrMapOvr>
+    <a:masterClrMapping/>
+  </p:clrMapOvr>
+</p:sld>
+</file>
+
+<file path=ppt/slides/slide5.xml><?xml version="1.0" encoding="utf-8"?>
+<p:sld xmlns:a="http://schemas.openxmlformats.org/drawingml/2006/main" xmlns:r="http://schemas.openxmlformats.org/officeDocument/2006/relationships" xmlns:p="http://schemas.openxmlformats.org/presentationml/2006/main">
+  <p:cSld>
+    <p:spTree>
+      <p:nvGrpSpPr>
+        <p:cNvPr id="1" name=""/>
+        <p:cNvGrpSpPr/>
+        <p:nvPr/>
+      </p:nvGrpSpPr>
+      <p:grpSpPr>
+        <a:xfrm>
+          <a:off x="0" y="0"/>
+          <a:ext cx="0" cy="0"/>
+          <a:chOff x="0" y="0"/>
+          <a:chExt cx="0" cy="0"/>
+        </a:xfrm>
+      </p:grpSpPr>
+      <p:sp>
+        <p:nvSpPr>
+          <p:cNvPr id="14" name="Textfeld 13"/>
+          <p:cNvSpPr txBox="1"/>
+          <p:nvPr/>
+        </p:nvSpPr>
+        <p:spPr>
+          <a:xfrm>
+            <a:off x="1128889" y="485422"/>
+            <a:ext cx="4323644" cy="461665"/>
+          </a:xfrm>
+          <a:prstGeom prst="rect">
+            <a:avLst/>
+          </a:prstGeom>
+          <a:noFill/>
+        </p:spPr>
+        <p:txBody>
+          <a:bodyPr wrap="square" rtlCol="0">
+            <a:spAutoFit/>
+          </a:bodyPr>
+          <a:lstStyle/>
+          <a:p>
+            <a:r>
+              <a:rPr lang="en-US" sz="2400" b="1" dirty="0" smtClean="0"/>
+              <a:t>LULESH results - accuracy</a:t>
+            </a:r>
+            <a:endParaRPr lang="en-US" sz="2400" b="1" dirty="0"/>
+          </a:p>
+        </p:txBody>
+      </p:sp>
+      <p:pic>
+        <p:nvPicPr>
+          <p:cNvPr id="2" name="Grafik 1"/>
+          <p:cNvPicPr>
+            <a:picLocks noChangeAspect="1"/>
+          </p:cNvPicPr>
+          <p:nvPr/>
+        </p:nvPicPr>
+        <p:blipFill>
+          <a:blip r:embed="rId2">
+            <a:extLst>
+              <a:ext uri="{28A0092B-C50C-407E-A947-70E740481C1C}">
+                <a14:useLocalDpi xmlns:a14="http://schemas.microsoft.com/office/drawing/2010/main" val="0"/>
+              </a:ext>
+            </a:extLst>
+          </a:blip>
+          <a:stretch>
+            <a:fillRect/>
+          </a:stretch>
+        </p:blipFill>
+        <p:spPr>
+          <a:xfrm>
+            <a:off x="243834" y="716254"/>
+            <a:ext cx="5852172" cy="4389129"/>
+          </a:xfrm>
+          <a:prstGeom prst="rect">
+            <a:avLst/>
+          </a:prstGeom>
+        </p:spPr>
+      </p:pic>
+      <p:pic>
+        <p:nvPicPr>
+          <p:cNvPr id="3" name="Grafik 2"/>
+          <p:cNvPicPr>
+            <a:picLocks noChangeAspect="1"/>
+          </p:cNvPicPr>
+          <p:nvPr/>
+        </p:nvPicPr>
+        <p:blipFill>
+          <a:blip r:embed="rId3">
+            <a:extLst>
+              <a:ext uri="{28A0092B-C50C-407E-A947-70E740481C1C}">
+                <a14:useLocalDpi xmlns:a14="http://schemas.microsoft.com/office/drawing/2010/main" val="0"/>
+              </a:ext>
+            </a:extLst>
+          </a:blip>
+          <a:stretch>
+            <a:fillRect/>
+          </a:stretch>
+        </p:blipFill>
+        <p:spPr>
+          <a:xfrm>
+            <a:off x="6096006" y="0"/>
+            <a:ext cx="5852172" cy="4389129"/>
+          </a:xfrm>
+          <a:prstGeom prst="rect">
+            <a:avLst/>
+          </a:prstGeom>
+        </p:spPr>
+      </p:pic>
+      <p:pic>
+        <p:nvPicPr>
+          <p:cNvPr id="6" name="Grafik 5"/>
+          <p:cNvPicPr>
+            <a:picLocks noChangeAspect="1"/>
+          </p:cNvPicPr>
+          <p:nvPr/>
+        </p:nvPicPr>
+        <p:blipFill>
+          <a:blip r:embed="rId4">
+            <a:extLst>
+              <a:ext uri="{28A0092B-C50C-407E-A947-70E740481C1C}">
+                <a14:useLocalDpi xmlns:a14="http://schemas.microsoft.com/office/drawing/2010/main" val="0"/>
+              </a:ext>
+            </a:extLst>
+          </a:blip>
+          <a:stretch>
+            <a:fillRect/>
+          </a:stretch>
+        </p:blipFill>
+        <p:spPr>
+          <a:xfrm>
+            <a:off x="493216" y="3977635"/>
+            <a:ext cx="5852172" cy="4389129"/>
+          </a:xfrm>
+          <a:prstGeom prst="rect">
+            <a:avLst/>
+          </a:prstGeom>
+        </p:spPr>
+      </p:pic>
+      <p:pic>
+        <p:nvPicPr>
+          <p:cNvPr id="10" name="Grafik 9"/>
+          <p:cNvPicPr>
+            <a:picLocks noChangeAspect="1"/>
+          </p:cNvPicPr>
+          <p:nvPr/>
+        </p:nvPicPr>
+        <p:blipFill>
+          <a:blip r:embed="rId5">
+            <a:extLst>
+              <a:ext uri="{28A0092B-C50C-407E-A947-70E740481C1C}">
+                <a14:useLocalDpi xmlns:a14="http://schemas.microsoft.com/office/drawing/2010/main" val="0"/>
+              </a:ext>
+            </a:extLst>
+          </a:blip>
+          <a:stretch>
+            <a:fillRect/>
+          </a:stretch>
+        </p:blipFill>
+        <p:spPr>
+          <a:xfrm>
+            <a:off x="6339828" y="3977634"/>
+            <a:ext cx="5852172" cy="4389129"/>
+          </a:xfrm>
+          <a:prstGeom prst="rect">
+            <a:avLst/>
+          </a:prstGeom>
+        </p:spPr>
+      </p:pic>
+    </p:spTree>
+    <p:extLst>
+      <p:ext uri="{BB962C8B-B14F-4D97-AF65-F5344CB8AC3E}">
+        <p14:creationId xmlns:p14="http://schemas.microsoft.com/office/powerpoint/2010/main" val="1411974968"/>
+      </p:ext>
+    </p:extLst>
+  </p:cSld>
+  <p:clrMapOvr>
+    <a:masterClrMapping/>
+  </p:clrMapOvr>
+</p:sld>
+</file>
+
+<file path=ppt/slides/slide6.xml><?xml version="1.0" encoding="utf-8"?>
+<p:sld xmlns:a="http://schemas.openxmlformats.org/drawingml/2006/main" xmlns:r="http://schemas.openxmlformats.org/officeDocument/2006/relationships" xmlns:p="http://schemas.openxmlformats.org/presentationml/2006/main">
+  <p:cSld>
+    <p:spTree>
+      <p:nvGrpSpPr>
+        <p:cNvPr id="1" name=""/>
+        <p:cNvGrpSpPr/>
+        <p:nvPr/>
+      </p:nvGrpSpPr>
+      <p:grpSpPr>
+        <a:xfrm>
+          <a:off x="0" y="0"/>
+          <a:ext cx="0" cy="0"/>
+          <a:chOff x="0" y="0"/>
+          <a:chExt cx="0" cy="0"/>
+        </a:xfrm>
+      </p:grpSpPr>
+      <p:sp>
+        <p:nvSpPr>
+          <p:cNvPr id="14" name="Textfeld 13"/>
+          <p:cNvSpPr txBox="1"/>
+          <p:nvPr/>
+        </p:nvSpPr>
+        <p:spPr>
+          <a:xfrm>
+            <a:off x="1128889" y="485422"/>
+            <a:ext cx="4323644" cy="461665"/>
+          </a:xfrm>
+          <a:prstGeom prst="rect">
+            <a:avLst/>
+          </a:prstGeom>
+          <a:noFill/>
+        </p:spPr>
+        <p:txBody>
+          <a:bodyPr wrap="square" rtlCol="0">
+            <a:spAutoFit/>
+          </a:bodyPr>
+          <a:lstStyle/>
+          <a:p>
+            <a:r>
+              <a:rPr lang="en-US" sz="2400" b="1" dirty="0" smtClean="0"/>
+              <a:t>LULESH results - cost</a:t>
+            </a:r>
+            <a:endParaRPr lang="en-US" sz="2400" b="1" dirty="0"/>
+          </a:p>
+        </p:txBody>
+      </p:sp>
+      <p:pic>
+        <p:nvPicPr>
+          <p:cNvPr id="2" name="Grafik 1"/>
+          <p:cNvPicPr>
+            <a:picLocks noChangeAspect="1"/>
+          </p:cNvPicPr>
+          <p:nvPr/>
+        </p:nvPicPr>
+        <p:blipFill>
+          <a:blip r:embed="rId2">
+            <a:extLst>
+              <a:ext uri="{28A0092B-C50C-407E-A947-70E740481C1C}">
+                <a14:useLocalDpi xmlns:a14="http://schemas.microsoft.com/office/drawing/2010/main" val="0"/>
+              </a:ext>
+            </a:extLst>
+          </a:blip>
+          <a:stretch>
+            <a:fillRect/>
+          </a:stretch>
+        </p:blipFill>
+        <p:spPr>
+          <a:xfrm>
+            <a:off x="44009" y="0"/>
+            <a:ext cx="5852172" cy="4389129"/>
+          </a:xfrm>
+          <a:prstGeom prst="rect">
+            <a:avLst/>
+          </a:prstGeom>
+        </p:spPr>
+      </p:pic>
+      <p:pic>
+        <p:nvPicPr>
+          <p:cNvPr id="3" name="Grafik 2"/>
+          <p:cNvPicPr>
+            <a:picLocks noChangeAspect="1"/>
+          </p:cNvPicPr>
+          <p:nvPr/>
+        </p:nvPicPr>
+        <p:blipFill>
+          <a:blip r:embed="rId2">
+            <a:extLst>
+              <a:ext uri="{28A0092B-C50C-407E-A947-70E740481C1C}">
+                <a14:useLocalDpi xmlns:a14="http://schemas.microsoft.com/office/drawing/2010/main" val="0"/>
+              </a:ext>
+            </a:extLst>
+          </a:blip>
+          <a:stretch>
+            <a:fillRect/>
+          </a:stretch>
+        </p:blipFill>
+        <p:spPr>
+          <a:xfrm>
+            <a:off x="6173573" y="-216695"/>
+            <a:ext cx="5852172" cy="4389129"/>
+          </a:xfrm>
+          <a:prstGeom prst="rect">
+            <a:avLst/>
+          </a:prstGeom>
+        </p:spPr>
+      </p:pic>
+      <p:pic>
+        <p:nvPicPr>
+          <p:cNvPr id="4" name="Grafik 3"/>
+          <p:cNvPicPr>
+            <a:picLocks noChangeAspect="1"/>
+          </p:cNvPicPr>
+          <p:nvPr/>
+        </p:nvPicPr>
+        <p:blipFill>
+          <a:blip r:embed="rId2">
+            <a:extLst>
+              <a:ext uri="{28A0092B-C50C-407E-A947-70E740481C1C}">
+                <a14:useLocalDpi xmlns:a14="http://schemas.microsoft.com/office/drawing/2010/main" val="0"/>
+              </a:ext>
+            </a:extLst>
+          </a:blip>
+          <a:stretch>
+            <a:fillRect/>
+          </a:stretch>
+        </p:blipFill>
+        <p:spPr>
+          <a:xfrm>
+            <a:off x="493216" y="2679986"/>
+            <a:ext cx="5852172" cy="4389129"/>
+          </a:xfrm>
+          <a:prstGeom prst="rect">
+            <a:avLst/>
+          </a:prstGeom>
+        </p:spPr>
+      </p:pic>
+      <p:pic>
+        <p:nvPicPr>
+          <p:cNvPr id="5" name="Grafik 4"/>
+          <p:cNvPicPr>
+            <a:picLocks noChangeAspect="1"/>
+          </p:cNvPicPr>
+          <p:nvPr/>
+        </p:nvPicPr>
+        <p:blipFill>
+          <a:blip r:embed="rId2">
+            <a:extLst>
+              <a:ext uri="{28A0092B-C50C-407E-A947-70E740481C1C}">
+                <a14:useLocalDpi xmlns:a14="http://schemas.microsoft.com/office/drawing/2010/main" val="0"/>
+              </a:ext>
+            </a:extLst>
+          </a:blip>
+          <a:stretch>
+            <a:fillRect/>
+          </a:stretch>
+        </p:blipFill>
+        <p:spPr>
+          <a:xfrm>
+            <a:off x="5164969" y="3079006"/>
+            <a:ext cx="5852172" cy="4389129"/>
+          </a:xfrm>
+          <a:prstGeom prst="rect">
+            <a:avLst/>
+          </a:prstGeom>
+        </p:spPr>
+      </p:pic>
+    </p:spTree>
+    <p:extLst>
+      <p:ext uri="{BB962C8B-B14F-4D97-AF65-F5344CB8AC3E}">
+        <p14:creationId xmlns:p14="http://schemas.microsoft.com/office/powerpoint/2010/main" val="3148833393"/>
+      </p:ext>
+    </p:extLst>
+  </p:cSld>
+  <p:clrMapOvr>
+    <a:masterClrMapping/>
+  </p:clrMapOvr>
+</p:sld>
+</file>
+
+<file path=ppt/slides/slide7.xml><?xml version="1.0" encoding="utf-8"?>
+<p:sld xmlns:a="http://schemas.openxmlformats.org/drawingml/2006/main" xmlns:r="http://schemas.openxmlformats.org/officeDocument/2006/relationships" xmlns:p="http://schemas.openxmlformats.org/presentationml/2006/main">
+  <p:cSld>
+    <p:spTree>
+      <p:nvGrpSpPr>
+        <p:cNvPr id="1" name=""/>
+        <p:cNvGrpSpPr/>
+        <p:nvPr/>
+      </p:nvGrpSpPr>
+      <p:grpSpPr>
+        <a:xfrm>
+          <a:off x="0" y="0"/>
+          <a:ext cx="0" cy="0"/>
+          <a:chOff x="0" y="0"/>
+          <a:chExt cx="0" cy="0"/>
+        </a:xfrm>
+      </p:grpSpPr>
+      <p:sp>
+        <p:nvSpPr>
+          <p:cNvPr id="14" name="Textfeld 13"/>
+          <p:cNvSpPr txBox="1"/>
+          <p:nvPr/>
+        </p:nvSpPr>
+        <p:spPr>
+          <a:xfrm>
+            <a:off x="1128888" y="485422"/>
+            <a:ext cx="6784827" cy="461665"/>
+          </a:xfrm>
+          <a:prstGeom prst="rect">
+            <a:avLst/>
+          </a:prstGeom>
+          <a:noFill/>
+        </p:spPr>
+        <p:txBody>
+          <a:bodyPr wrap="square" rtlCol="0">
+            <a:spAutoFit/>
+          </a:bodyPr>
+          <a:lstStyle/>
+          <a:p>
+            <a:r>
+              <a:rPr lang="en-US" sz="2400" b="1" dirty="0" smtClean="0"/>
+              <a:t>LULESH results – additional points</a:t>
+            </a:r>
+            <a:endParaRPr lang="en-US" sz="2400" b="1" dirty="0"/>
+          </a:p>
+        </p:txBody>
+      </p:sp>
+      <p:pic>
+        <p:nvPicPr>
+          <p:cNvPr id="2" name="Grafik 1"/>
+          <p:cNvPicPr>
+            <a:picLocks noChangeAspect="1"/>
+          </p:cNvPicPr>
+          <p:nvPr/>
+        </p:nvPicPr>
+        <p:blipFill>
+          <a:blip r:embed="rId2">
+            <a:extLst>
+              <a:ext uri="{28A0092B-C50C-407E-A947-70E740481C1C}">
+                <a14:useLocalDpi xmlns:a14="http://schemas.microsoft.com/office/drawing/2010/main" val="0"/>
+              </a:ext>
+            </a:extLst>
+          </a:blip>
+          <a:stretch>
+            <a:fillRect/>
+          </a:stretch>
+        </p:blipFill>
+        <p:spPr>
+          <a:xfrm>
+            <a:off x="0" y="-477987"/>
+            <a:ext cx="5852172" cy="4389129"/>
+          </a:xfrm>
+          <a:prstGeom prst="rect">
+            <a:avLst/>
+          </a:prstGeom>
+        </p:spPr>
+      </p:pic>
+      <p:pic>
+        <p:nvPicPr>
+          <p:cNvPr id="3" name="Grafik 2"/>
+          <p:cNvPicPr>
+            <a:picLocks noChangeAspect="1"/>
+          </p:cNvPicPr>
+          <p:nvPr/>
+        </p:nvPicPr>
+        <p:blipFill>
+          <a:blip r:embed="rId2">
+            <a:extLst>
+              <a:ext uri="{28A0092B-C50C-407E-A947-70E740481C1C}">
+                <a14:useLocalDpi xmlns:a14="http://schemas.microsoft.com/office/drawing/2010/main" val="0"/>
+              </a:ext>
+            </a:extLst>
+          </a:blip>
+          <a:stretch>
+            <a:fillRect/>
+          </a:stretch>
+        </p:blipFill>
+        <p:spPr>
+          <a:xfrm>
+            <a:off x="5896507" y="-943499"/>
+            <a:ext cx="5852172" cy="4389129"/>
+          </a:xfrm>
+          <a:prstGeom prst="rect">
+            <a:avLst/>
+          </a:prstGeom>
+        </p:spPr>
+      </p:pic>
+      <p:pic>
+        <p:nvPicPr>
+          <p:cNvPr id="4" name="Grafik 3"/>
+          <p:cNvPicPr>
+            <a:picLocks noChangeAspect="1"/>
+          </p:cNvPicPr>
+          <p:nvPr/>
+        </p:nvPicPr>
+        <p:blipFill>
+          <a:blip r:embed="rId2">
+            <a:extLst>
+              <a:ext uri="{28A0092B-C50C-407E-A947-70E740481C1C}">
+                <a14:useLocalDpi xmlns:a14="http://schemas.microsoft.com/office/drawing/2010/main" val="0"/>
+              </a:ext>
+            </a:extLst>
+          </a:blip>
+          <a:stretch>
+            <a:fillRect/>
+          </a:stretch>
+        </p:blipFill>
+        <p:spPr>
+          <a:xfrm>
+            <a:off x="44335" y="3198605"/>
+            <a:ext cx="5852172" cy="4389129"/>
+          </a:xfrm>
+          <a:prstGeom prst="rect">
+            <a:avLst/>
+          </a:prstGeom>
+        </p:spPr>
+      </p:pic>
+      <p:pic>
+        <p:nvPicPr>
+          <p:cNvPr id="5" name="Grafik 4"/>
+          <p:cNvPicPr>
+            <a:picLocks noChangeAspect="1"/>
+          </p:cNvPicPr>
+          <p:nvPr/>
+        </p:nvPicPr>
+        <p:blipFill>
+          <a:blip r:embed="rId2">
+            <a:extLst>
+              <a:ext uri="{28A0092B-C50C-407E-A947-70E740481C1C}">
+                <a14:useLocalDpi xmlns:a14="http://schemas.microsoft.com/office/drawing/2010/main" val="0"/>
+              </a:ext>
+            </a:extLst>
+          </a:blip>
+          <a:stretch>
+            <a:fillRect/>
+          </a:stretch>
+        </p:blipFill>
+        <p:spPr>
+          <a:xfrm>
+            <a:off x="5447601" y="3198605"/>
+            <a:ext cx="5852172" cy="4389129"/>
+          </a:xfrm>
+          <a:prstGeom prst="rect">
+            <a:avLst/>
+          </a:prstGeom>
+        </p:spPr>
+      </p:pic>
+    </p:spTree>
+    <p:extLst>
+      <p:ext uri="{BB962C8B-B14F-4D97-AF65-F5344CB8AC3E}">
+        <p14:creationId xmlns:p14="http://schemas.microsoft.com/office/powerpoint/2010/main" val="813284526"/>
+      </p:ext>
+    </p:extLst>
+  </p:cSld>
+  <p:clrMapOvr>
+    <a:masterClrMapping/>
+  </p:clrMapOvr>
+</p:sld>
+</file>
+
+<file path=ppt/slides/slide8.xml><?xml version="1.0" encoding="utf-8"?>
+<p:sld xmlns:a="http://schemas.openxmlformats.org/drawingml/2006/main" xmlns:r="http://schemas.openxmlformats.org/officeDocument/2006/relationships" xmlns:p="http://schemas.openxmlformats.org/presentationml/2006/main">
+  <p:cSld>
+    <p:spTree>
+      <p:nvGrpSpPr>
+        <p:cNvPr id="1" name=""/>
+        <p:cNvGrpSpPr/>
+        <p:nvPr/>
+      </p:nvGrpSpPr>
+      <p:grpSpPr>
+        <a:xfrm>
+          <a:off x="0" y="0"/>
+          <a:ext cx="0" cy="0"/>
+          <a:chOff x="0" y="0"/>
+          <a:chExt cx="0" cy="0"/>
+        </a:xfrm>
+      </p:grpSpPr>
+      <p:sp>
+        <p:nvSpPr>
+          <p:cNvPr id="14" name="Textfeld 13"/>
+          <p:cNvSpPr txBox="1"/>
+          <p:nvPr/>
+        </p:nvSpPr>
+        <p:spPr>
+          <a:xfrm>
+            <a:off x="1128889" y="485422"/>
+            <a:ext cx="4323644" cy="461665"/>
+          </a:xfrm>
+          <a:prstGeom prst="rect">
+            <a:avLst/>
+          </a:prstGeom>
+          <a:noFill/>
+        </p:spPr>
+        <p:txBody>
+          <a:bodyPr wrap="square" rtlCol="0">
+            <a:spAutoFit/>
+          </a:bodyPr>
+          <a:lstStyle/>
+          <a:p>
+            <a:r>
+              <a:rPr lang="en-US" sz="2400" b="1" dirty="0" err="1" smtClean="0"/>
+              <a:t>MiniFE</a:t>
+            </a:r>
+            <a:r>
+              <a:rPr lang="en-US" sz="2400" b="1" dirty="0" smtClean="0"/>
+              <a:t> results</a:t>
+            </a:r>
+            <a:endParaRPr lang="en-US" sz="2400" b="1" dirty="0"/>
+          </a:p>
+        </p:txBody>
+      </p:sp>
+    </p:spTree>
+    <p:extLst>
+      <p:ext uri="{BB962C8B-B14F-4D97-AF65-F5344CB8AC3E}">
+        <p14:creationId xmlns:p14="http://schemas.microsoft.com/office/powerpoint/2010/main" val="3761832199"/>
+      </p:ext>
+    </p:extLst>
+  </p:cSld>
+  <p:clrMapOvr>
+    <a:masterClrMapping/>
+  </p:clrMapOvr>
+</p:sld>
+</file>
+
+<file path=ppt/slides/slide9.xml><?xml version="1.0" encoding="utf-8"?>
+<p:sld xmlns:a="http://schemas.openxmlformats.org/drawingml/2006/main" xmlns:r="http://schemas.openxmlformats.org/officeDocument/2006/relationships" xmlns:p="http://schemas.openxmlformats.org/presentationml/2006/main">
+  <p:cSld>
+    <p:spTree>
+      <p:nvGrpSpPr>
+        <p:cNvPr id="1" name=""/>
+        <p:cNvGrpSpPr/>
+        <p:nvPr/>
+      </p:nvGrpSpPr>
+      <p:grpSpPr>
+        <a:xfrm>
+          <a:off x="0" y="0"/>
+          <a:ext cx="0" cy="0"/>
+          <a:chOff x="0" y="0"/>
+          <a:chExt cx="0" cy="0"/>
+        </a:xfrm>
+      </p:grpSpPr>
+      <p:sp>
+        <p:nvSpPr>
+          <p:cNvPr id="14" name="Textfeld 13"/>
+          <p:cNvSpPr txBox="1"/>
+          <p:nvPr/>
+        </p:nvSpPr>
+        <p:spPr>
+          <a:xfrm>
+            <a:off x="1128889" y="485422"/>
+            <a:ext cx="4323644" cy="461665"/>
+          </a:xfrm>
+          <a:prstGeom prst="rect">
+            <a:avLst/>
+          </a:prstGeom>
+          <a:noFill/>
+        </p:spPr>
+        <p:txBody>
+          <a:bodyPr wrap="square" rtlCol="0">
+            <a:spAutoFit/>
+          </a:bodyPr>
+          <a:lstStyle/>
+          <a:p>
+            <a:r>
+              <a:rPr lang="en-US" sz="2400" b="1" dirty="0" err="1" smtClean="0"/>
+              <a:t>MiniFE</a:t>
+            </a:r>
+            <a:r>
+              <a:rPr lang="en-US" sz="2400" b="1" dirty="0" smtClean="0"/>
+              <a:t> results</a:t>
+            </a:r>
+            <a:endParaRPr lang="en-US" sz="2400" b="1" dirty="0"/>
+          </a:p>
+        </p:txBody>
+      </p:sp>
+    </p:spTree>
+    <p:extLst>
+      <p:ext uri="{BB962C8B-B14F-4D97-AF65-F5344CB8AC3E}">
+        <p14:creationId xmlns:p14="http://schemas.microsoft.com/office/powerpoint/2010/main" val="4115146552"/>
       </p:ext>
     </p:extLst>
   </p:cSld>

--- a/Results.pptx
+++ b/Results.pptx
@@ -7,8 +7,8 @@
   <p:sldIdLst>
     <p:sldId id="275" r:id="rId2"/>
     <p:sldId id="256" r:id="rId3"/>
-    <p:sldId id="257" r:id="rId4"/>
-    <p:sldId id="258" r:id="rId5"/>
+    <p:sldId id="258" r:id="rId4"/>
+    <p:sldId id="257" r:id="rId5"/>
     <p:sldId id="259" r:id="rId6"/>
     <p:sldId id="260" r:id="rId7"/>
     <p:sldId id="261" r:id="rId8"/>
@@ -273,7 +273,7 @@
           <a:p>
             <a:fld id="{8C4928E7-25E9-4A35-8DE4-756C3B164F1F}" type="datetimeFigureOut">
               <a:rPr lang="en-US" smtClean="0"/>
-              <a:t>7/3/2023</a:t>
+              <a:t>7/6/2023</a:t>
             </a:fld>
             <a:endParaRPr lang="en-US"/>
           </a:p>
@@ -443,7 +443,7 @@
           <a:p>
             <a:fld id="{8C4928E7-25E9-4A35-8DE4-756C3B164F1F}" type="datetimeFigureOut">
               <a:rPr lang="en-US" smtClean="0"/>
-              <a:t>7/3/2023</a:t>
+              <a:t>7/6/2023</a:t>
             </a:fld>
             <a:endParaRPr lang="en-US"/>
           </a:p>
@@ -623,7 +623,7 @@
           <a:p>
             <a:fld id="{8C4928E7-25E9-4A35-8DE4-756C3B164F1F}" type="datetimeFigureOut">
               <a:rPr lang="en-US" smtClean="0"/>
-              <a:t>7/3/2023</a:t>
+              <a:t>7/6/2023</a:t>
             </a:fld>
             <a:endParaRPr lang="en-US"/>
           </a:p>
@@ -793,7 +793,7 @@
           <a:p>
             <a:fld id="{8C4928E7-25E9-4A35-8DE4-756C3B164F1F}" type="datetimeFigureOut">
               <a:rPr lang="en-US" smtClean="0"/>
-              <a:t>7/3/2023</a:t>
+              <a:t>7/6/2023</a:t>
             </a:fld>
             <a:endParaRPr lang="en-US"/>
           </a:p>
@@ -1039,7 +1039,7 @@
           <a:p>
             <a:fld id="{8C4928E7-25E9-4A35-8DE4-756C3B164F1F}" type="datetimeFigureOut">
               <a:rPr lang="en-US" smtClean="0"/>
-              <a:t>7/3/2023</a:t>
+              <a:t>7/6/2023</a:t>
             </a:fld>
             <a:endParaRPr lang="en-US"/>
           </a:p>
@@ -1271,7 +1271,7 @@
           <a:p>
             <a:fld id="{8C4928E7-25E9-4A35-8DE4-756C3B164F1F}" type="datetimeFigureOut">
               <a:rPr lang="en-US" smtClean="0"/>
-              <a:t>7/3/2023</a:t>
+              <a:t>7/6/2023</a:t>
             </a:fld>
             <a:endParaRPr lang="en-US"/>
           </a:p>
@@ -1638,7 +1638,7 @@
           <a:p>
             <a:fld id="{8C4928E7-25E9-4A35-8DE4-756C3B164F1F}" type="datetimeFigureOut">
               <a:rPr lang="en-US" smtClean="0"/>
-              <a:t>7/3/2023</a:t>
+              <a:t>7/6/2023</a:t>
             </a:fld>
             <a:endParaRPr lang="en-US"/>
           </a:p>
@@ -1756,7 +1756,7 @@
           <a:p>
             <a:fld id="{8C4928E7-25E9-4A35-8DE4-756C3B164F1F}" type="datetimeFigureOut">
               <a:rPr lang="en-US" smtClean="0"/>
-              <a:t>7/3/2023</a:t>
+              <a:t>7/6/2023</a:t>
             </a:fld>
             <a:endParaRPr lang="en-US"/>
           </a:p>
@@ -1851,7 +1851,7 @@
           <a:p>
             <a:fld id="{8C4928E7-25E9-4A35-8DE4-756C3B164F1F}" type="datetimeFigureOut">
               <a:rPr lang="en-US" smtClean="0"/>
-              <a:t>7/3/2023</a:t>
+              <a:t>7/6/2023</a:t>
             </a:fld>
             <a:endParaRPr lang="en-US"/>
           </a:p>
@@ -2128,7 +2128,7 @@
           <a:p>
             <a:fld id="{8C4928E7-25E9-4A35-8DE4-756C3B164F1F}" type="datetimeFigureOut">
               <a:rPr lang="en-US" smtClean="0"/>
-              <a:t>7/3/2023</a:t>
+              <a:t>7/6/2023</a:t>
             </a:fld>
             <a:endParaRPr lang="en-US"/>
           </a:p>
@@ -2381,7 +2381,7 @@
           <a:p>
             <a:fld id="{8C4928E7-25E9-4A35-8DE4-756C3B164F1F}" type="datetimeFigureOut">
               <a:rPr lang="en-US" smtClean="0"/>
-              <a:t>7/3/2023</a:t>
+              <a:t>7/6/2023</a:t>
             </a:fld>
             <a:endParaRPr lang="en-US"/>
           </a:p>
@@ -2594,7 +2594,7 @@
           <a:p>
             <a:fld id="{8C4928E7-25E9-4A35-8DE4-756C3B164F1F}" type="datetimeFigureOut">
               <a:rPr lang="en-US" smtClean="0"/>
-              <a:t>7/3/2023</a:t>
+              <a:t>7/6/2023</a:t>
             </a:fld>
             <a:endParaRPr lang="en-US"/>
           </a:p>
@@ -4883,7 +4883,7 @@
         </p:blipFill>
         <p:spPr>
           <a:xfrm>
-            <a:off x="3145851" y="1583351"/>
+            <a:off x="3169914" y="1234435"/>
             <a:ext cx="5852172" cy="4389129"/>
           </a:xfrm>
           <a:prstGeom prst="rect">
@@ -4891,10 +4891,108 @@
           </a:prstGeom>
         </p:spPr>
       </p:pic>
+      <p:sp>
+        <p:nvSpPr>
+          <p:cNvPr id="4" name="Abgerundetes Rechteck 3"/>
+          <p:cNvSpPr/>
+          <p:nvPr/>
+        </p:nvSpPr>
+        <p:spPr>
+          <a:xfrm>
+            <a:off x="278360" y="3855452"/>
+            <a:ext cx="2822222" cy="1557867"/>
+          </a:xfrm>
+          <a:prstGeom prst="roundRect">
+            <a:avLst/>
+          </a:prstGeom>
+        </p:spPr>
+        <p:style>
+          <a:lnRef idx="2">
+            <a:schemeClr val="accent1">
+              <a:shade val="50000"/>
+            </a:schemeClr>
+          </a:lnRef>
+          <a:fillRef idx="1">
+            <a:schemeClr val="accent1"/>
+          </a:fillRef>
+          <a:effectRef idx="0">
+            <a:schemeClr val="accent1"/>
+          </a:effectRef>
+          <a:fontRef idx="minor">
+            <a:schemeClr val="lt1"/>
+          </a:fontRef>
+        </p:style>
+        <p:txBody>
+          <a:bodyPr rtlCol="0" anchor="ctr"/>
+          <a:lstStyle/>
+          <a:p>
+            <a:pPr algn="ctr"/>
+            <a:r>
+              <a:rPr lang="en-US" sz="1400" dirty="0" smtClean="0"/>
+              <a:t>This plot basically shows how well the different strategies use the available modeling budget</a:t>
+            </a:r>
+            <a:endParaRPr lang="en-US" sz="1400" dirty="0"/>
+          </a:p>
+        </p:txBody>
+      </p:sp>
+      <p:sp>
+        <p:nvSpPr>
+          <p:cNvPr id="7" name="Abgerundetes Rechteck 6"/>
+          <p:cNvSpPr/>
+          <p:nvPr/>
+        </p:nvSpPr>
+        <p:spPr>
+          <a:xfrm>
+            <a:off x="9091418" y="4376821"/>
+            <a:ext cx="2822222" cy="1557867"/>
+          </a:xfrm>
+          <a:prstGeom prst="roundRect">
+            <a:avLst/>
+          </a:prstGeom>
+          <a:solidFill>
+            <a:srgbClr val="FF0000"/>
+          </a:solidFill>
+        </p:spPr>
+        <p:style>
+          <a:lnRef idx="2">
+            <a:schemeClr val="accent1">
+              <a:shade val="50000"/>
+            </a:schemeClr>
+          </a:lnRef>
+          <a:fillRef idx="1">
+            <a:schemeClr val="accent1"/>
+          </a:fillRef>
+          <a:effectRef idx="0">
+            <a:schemeClr val="accent1"/>
+          </a:effectRef>
+          <a:fontRef idx="minor">
+            <a:schemeClr val="lt1"/>
+          </a:fontRef>
+        </p:style>
+        <p:txBody>
+          <a:bodyPr rtlCol="0" anchor="ctr"/>
+          <a:lstStyle/>
+          <a:p>
+            <a:pPr algn="ctr"/>
+            <a:r>
+              <a:rPr lang="en-US" sz="1400" dirty="0" smtClean="0"/>
+              <a:t>???</a:t>
+            </a:r>
+          </a:p>
+          <a:p>
+            <a:pPr algn="ctr"/>
+            <a:r>
+              <a:rPr lang="en-US" sz="1400" dirty="0" smtClean="0"/>
+              <a:t>Maybe I should change this plot to show the difference better…</a:t>
+            </a:r>
+            <a:endParaRPr lang="en-US" sz="1400" dirty="0"/>
+          </a:p>
+        </p:txBody>
+      </p:sp>
     </p:spTree>
     <p:extLst>
       <p:ext uri="{BB962C8B-B14F-4D97-AF65-F5344CB8AC3E}">
-        <p14:creationId xmlns:p14="http://schemas.microsoft.com/office/powerpoint/2010/main" val="1686849208"/>
+        <p14:creationId xmlns:p14="http://schemas.microsoft.com/office/powerpoint/2010/main" val="3196979004"/>
       </p:ext>
     </p:extLst>
   </p:cSld>
@@ -4973,7 +5071,7 @@
         </p:blipFill>
         <p:spPr>
           <a:xfrm>
-            <a:off x="3169914" y="1234435"/>
+            <a:off x="3145851" y="1583351"/>
             <a:ext cx="5852172" cy="4389129"/>
           </a:xfrm>
           <a:prstGeom prst="rect">
@@ -4981,10 +5079,89 @@
           </a:prstGeom>
         </p:spPr>
       </p:pic>
+      <p:sp>
+        <p:nvSpPr>
+          <p:cNvPr id="4" name="Abgerundetes Rechteck 3"/>
+          <p:cNvSpPr/>
+          <p:nvPr/>
+        </p:nvSpPr>
+        <p:spPr>
+          <a:xfrm>
+            <a:off x="310444" y="3911600"/>
+            <a:ext cx="2822222" cy="1557867"/>
+          </a:xfrm>
+          <a:prstGeom prst="roundRect">
+            <a:avLst/>
+          </a:prstGeom>
+        </p:spPr>
+        <p:style>
+          <a:lnRef idx="2">
+            <a:schemeClr val="accent1">
+              <a:shade val="50000"/>
+            </a:schemeClr>
+          </a:lnRef>
+          <a:fillRef idx="1">
+            <a:schemeClr val="accent1"/>
+          </a:fillRef>
+          <a:effectRef idx="0">
+            <a:schemeClr val="accent1"/>
+          </a:effectRef>
+          <a:fontRef idx="minor">
+            <a:schemeClr val="lt1"/>
+          </a:fontRef>
+        </p:style>
+        <p:txBody>
+          <a:bodyPr rtlCol="0" anchor="ctr"/>
+          <a:lstStyle/>
+          <a:p>
+            <a:pPr algn="ctr"/>
+            <a:r>
+              <a:rPr lang="en-US" sz="1400" dirty="0" smtClean="0"/>
+              <a:t>We can get the same accuracy for our models but need to measure less configurations with the GPR strategy…</a:t>
+            </a:r>
+            <a:endParaRPr lang="en-US" sz="1400" dirty="0"/>
+          </a:p>
+        </p:txBody>
+      </p:sp>
+      <p:cxnSp>
+        <p:nvCxnSpPr>
+          <p:cNvPr id="5" name="Gerade Verbindung mit Pfeil 4"/>
+          <p:cNvCxnSpPr>
+            <a:stCxn id="4" idx="3"/>
+          </p:cNvCxnSpPr>
+          <p:nvPr/>
+        </p:nvCxnSpPr>
+        <p:spPr>
+          <a:xfrm>
+            <a:off x="3132666" y="4690534"/>
+            <a:ext cx="1319018" cy="41887"/>
+          </a:xfrm>
+          <a:prstGeom prst="straightConnector1">
+            <a:avLst/>
+          </a:prstGeom>
+          <a:ln w="76200">
+            <a:tailEnd type="triangle"/>
+          </a:ln>
+        </p:spPr>
+        <p:style>
+          <a:lnRef idx="1">
+            <a:schemeClr val="accent1"/>
+          </a:lnRef>
+          <a:fillRef idx="0">
+            <a:schemeClr val="accent1"/>
+          </a:fillRef>
+          <a:effectRef idx="0">
+            <a:schemeClr val="accent1"/>
+          </a:effectRef>
+          <a:fontRef idx="minor">
+            <a:schemeClr val="tx1"/>
+          </a:fontRef>
+        </p:style>
+      </p:cxnSp>
     </p:spTree>
     <p:extLst>
       <p:ext uri="{BB962C8B-B14F-4D97-AF65-F5344CB8AC3E}">
-        <p14:creationId xmlns:p14="http://schemas.microsoft.com/office/powerpoint/2010/main" val="3196979004"/>
+        <p14:creationId xmlns:p14="http://schemas.microsoft.com/office/powerpoint/2010/main" val="1686849208"/>
       </p:ext>
     </p:extLst>
   </p:cSld>

--- a/Results.pptx
+++ b/Results.pptx
@@ -6,24 +6,27 @@
   </p:sldMasterIdLst>
   <p:sldIdLst>
     <p:sldId id="275" r:id="rId2"/>
-    <p:sldId id="256" r:id="rId3"/>
-    <p:sldId id="258" r:id="rId4"/>
-    <p:sldId id="257" r:id="rId5"/>
-    <p:sldId id="259" r:id="rId6"/>
-    <p:sldId id="260" r:id="rId7"/>
-    <p:sldId id="261" r:id="rId8"/>
-    <p:sldId id="262" r:id="rId9"/>
-    <p:sldId id="263" r:id="rId10"/>
-    <p:sldId id="264" r:id="rId11"/>
-    <p:sldId id="265" r:id="rId12"/>
-    <p:sldId id="266" r:id="rId13"/>
-    <p:sldId id="267" r:id="rId14"/>
-    <p:sldId id="268" r:id="rId15"/>
-    <p:sldId id="269" r:id="rId16"/>
-    <p:sldId id="270" r:id="rId17"/>
-    <p:sldId id="271" r:id="rId18"/>
-    <p:sldId id="272" r:id="rId19"/>
-    <p:sldId id="273" r:id="rId20"/>
+    <p:sldId id="276" r:id="rId3"/>
+    <p:sldId id="278" r:id="rId4"/>
+    <p:sldId id="277" r:id="rId5"/>
+    <p:sldId id="256" r:id="rId6"/>
+    <p:sldId id="258" r:id="rId7"/>
+    <p:sldId id="257" r:id="rId8"/>
+    <p:sldId id="259" r:id="rId9"/>
+    <p:sldId id="260" r:id="rId10"/>
+    <p:sldId id="261" r:id="rId11"/>
+    <p:sldId id="262" r:id="rId12"/>
+    <p:sldId id="263" r:id="rId13"/>
+    <p:sldId id="264" r:id="rId14"/>
+    <p:sldId id="265" r:id="rId15"/>
+    <p:sldId id="266" r:id="rId16"/>
+    <p:sldId id="267" r:id="rId17"/>
+    <p:sldId id="268" r:id="rId18"/>
+    <p:sldId id="269" r:id="rId19"/>
+    <p:sldId id="270" r:id="rId20"/>
+    <p:sldId id="271" r:id="rId21"/>
+    <p:sldId id="272" r:id="rId22"/>
+    <p:sldId id="273" r:id="rId23"/>
   </p:sldIdLst>
   <p:sldSz cx="12192000" cy="6858000"/>
   <p:notesSz cx="6858000" cy="9144000"/>
@@ -3024,45 +3027,6 @@
           </a:p>
         </p:txBody>
       </p:sp>
-      <p:sp>
-        <p:nvSpPr>
-          <p:cNvPr id="3" name="Untertitel 2"/>
-          <p:cNvSpPr>
-            <a:spLocks noGrp="1"/>
-          </p:cNvSpPr>
-          <p:nvPr>
-            <p:ph type="subTitle" idx="1"/>
-          </p:nvPr>
-        </p:nvSpPr>
-        <p:spPr/>
-        <p:txBody>
-          <a:bodyPr/>
-          <a:lstStyle/>
-          <a:p>
-            <a:r>
-              <a:rPr lang="en-US" dirty="0" smtClean="0"/>
-              <a:t>Case-Studies: Relearn, </a:t>
-            </a:r>
-            <a:r>
-              <a:rPr lang="en-US" dirty="0" err="1" smtClean="0"/>
-              <a:t>Lulesh</a:t>
-            </a:r>
-            <a:r>
-              <a:rPr lang="en-US" dirty="0" smtClean="0"/>
-              <a:t>, </a:t>
-            </a:r>
-            <a:r>
-              <a:rPr lang="en-US" dirty="0" err="1" smtClean="0"/>
-              <a:t>MiniFE</a:t>
-            </a:r>
-            <a:r>
-              <a:rPr lang="en-US" dirty="0" smtClean="0"/>
-              <a:t>, Kripke, FASTEST, Quicksilver</a:t>
-            </a:r>
-            <a:endParaRPr lang="en-US" dirty="0"/>
-          </a:p>
-        </p:txBody>
-      </p:sp>
     </p:spTree>
     <p:extLst>
       <p:ext uri="{BB962C8B-B14F-4D97-AF65-F5344CB8AC3E}">
@@ -3101,8 +3065,8 @@
         </p:nvSpPr>
         <p:spPr>
           <a:xfrm>
-            <a:off x="1128889" y="485422"/>
-            <a:ext cx="4323644" cy="461665"/>
+            <a:off x="1128888" y="485422"/>
+            <a:ext cx="6784827" cy="461665"/>
           </a:xfrm>
           <a:prstGeom prst="rect">
             <a:avLst/>
@@ -3116,21 +3080,137 @@
           <a:lstStyle/>
           <a:p>
             <a:r>
-              <a:rPr lang="en-US" sz="2400" b="1" dirty="0" err="1" smtClean="0"/>
-              <a:t>MiniFE</a:t>
-            </a:r>
-            <a:r>
               <a:rPr lang="en-US" sz="2400" b="1" dirty="0" smtClean="0"/>
-              <a:t> results</a:t>
+              <a:t>LULESH results – additional points</a:t>
             </a:r>
             <a:endParaRPr lang="en-US" sz="2400" b="1" dirty="0"/>
           </a:p>
         </p:txBody>
       </p:sp>
+      <p:pic>
+        <p:nvPicPr>
+          <p:cNvPr id="2" name="Grafik 1"/>
+          <p:cNvPicPr>
+            <a:picLocks noChangeAspect="1"/>
+          </p:cNvPicPr>
+          <p:nvPr/>
+        </p:nvPicPr>
+        <p:blipFill>
+          <a:blip r:embed="rId2">
+            <a:extLst>
+              <a:ext uri="{28A0092B-C50C-407E-A947-70E740481C1C}">
+                <a14:useLocalDpi xmlns:a14="http://schemas.microsoft.com/office/drawing/2010/main" val="0"/>
+              </a:ext>
+            </a:extLst>
+          </a:blip>
+          <a:stretch>
+            <a:fillRect/>
+          </a:stretch>
+        </p:blipFill>
+        <p:spPr>
+          <a:xfrm>
+            <a:off x="0" y="-477987"/>
+            <a:ext cx="5852172" cy="4389129"/>
+          </a:xfrm>
+          <a:prstGeom prst="rect">
+            <a:avLst/>
+          </a:prstGeom>
+        </p:spPr>
+      </p:pic>
+      <p:pic>
+        <p:nvPicPr>
+          <p:cNvPr id="3" name="Grafik 2"/>
+          <p:cNvPicPr>
+            <a:picLocks noChangeAspect="1"/>
+          </p:cNvPicPr>
+          <p:nvPr/>
+        </p:nvPicPr>
+        <p:blipFill>
+          <a:blip r:embed="rId2">
+            <a:extLst>
+              <a:ext uri="{28A0092B-C50C-407E-A947-70E740481C1C}">
+                <a14:useLocalDpi xmlns:a14="http://schemas.microsoft.com/office/drawing/2010/main" val="0"/>
+              </a:ext>
+            </a:extLst>
+          </a:blip>
+          <a:stretch>
+            <a:fillRect/>
+          </a:stretch>
+        </p:blipFill>
+        <p:spPr>
+          <a:xfrm>
+            <a:off x="5896507" y="-943499"/>
+            <a:ext cx="5852172" cy="4389129"/>
+          </a:xfrm>
+          <a:prstGeom prst="rect">
+            <a:avLst/>
+          </a:prstGeom>
+        </p:spPr>
+      </p:pic>
+      <p:pic>
+        <p:nvPicPr>
+          <p:cNvPr id="4" name="Grafik 3"/>
+          <p:cNvPicPr>
+            <a:picLocks noChangeAspect="1"/>
+          </p:cNvPicPr>
+          <p:nvPr/>
+        </p:nvPicPr>
+        <p:blipFill>
+          <a:blip r:embed="rId2">
+            <a:extLst>
+              <a:ext uri="{28A0092B-C50C-407E-A947-70E740481C1C}">
+                <a14:useLocalDpi xmlns:a14="http://schemas.microsoft.com/office/drawing/2010/main" val="0"/>
+              </a:ext>
+            </a:extLst>
+          </a:blip>
+          <a:stretch>
+            <a:fillRect/>
+          </a:stretch>
+        </p:blipFill>
+        <p:spPr>
+          <a:xfrm>
+            <a:off x="44335" y="3198605"/>
+            <a:ext cx="5852172" cy="4389129"/>
+          </a:xfrm>
+          <a:prstGeom prst="rect">
+            <a:avLst/>
+          </a:prstGeom>
+        </p:spPr>
+      </p:pic>
+      <p:pic>
+        <p:nvPicPr>
+          <p:cNvPr id="5" name="Grafik 4"/>
+          <p:cNvPicPr>
+            <a:picLocks noChangeAspect="1"/>
+          </p:cNvPicPr>
+          <p:nvPr/>
+        </p:nvPicPr>
+        <p:blipFill>
+          <a:blip r:embed="rId2">
+            <a:extLst>
+              <a:ext uri="{28A0092B-C50C-407E-A947-70E740481C1C}">
+                <a14:useLocalDpi xmlns:a14="http://schemas.microsoft.com/office/drawing/2010/main" val="0"/>
+              </a:ext>
+            </a:extLst>
+          </a:blip>
+          <a:stretch>
+            <a:fillRect/>
+          </a:stretch>
+        </p:blipFill>
+        <p:spPr>
+          <a:xfrm>
+            <a:off x="5447601" y="3198605"/>
+            <a:ext cx="5852172" cy="4389129"/>
+          </a:xfrm>
+          <a:prstGeom prst="rect">
+            <a:avLst/>
+          </a:prstGeom>
+        </p:spPr>
+      </p:pic>
     </p:spTree>
     <p:extLst>
       <p:ext uri="{BB962C8B-B14F-4D97-AF65-F5344CB8AC3E}">
-        <p14:creationId xmlns:p14="http://schemas.microsoft.com/office/powerpoint/2010/main" val="1225703755"/>
+        <p14:creationId xmlns:p14="http://schemas.microsoft.com/office/powerpoint/2010/main" val="813284526"/>
       </p:ext>
     </p:extLst>
   </p:cSld>
@@ -3180,8 +3260,12 @@
           <a:lstStyle/>
           <a:p>
             <a:r>
+              <a:rPr lang="en-US" sz="2400" b="1" dirty="0" err="1" smtClean="0"/>
+              <a:t>MiniFE</a:t>
+            </a:r>
+            <a:r>
               <a:rPr lang="en-US" sz="2400" b="1" dirty="0" smtClean="0"/>
-              <a:t>Kripke results</a:t>
+              <a:t> results</a:t>
             </a:r>
             <a:endParaRPr lang="en-US" sz="2400" b="1" dirty="0"/>
           </a:p>
@@ -3190,7 +3274,7 @@
     </p:spTree>
     <p:extLst>
       <p:ext uri="{BB962C8B-B14F-4D97-AF65-F5344CB8AC3E}">
-        <p14:creationId xmlns:p14="http://schemas.microsoft.com/office/powerpoint/2010/main" val="3659605943"/>
+        <p14:creationId xmlns:p14="http://schemas.microsoft.com/office/powerpoint/2010/main" val="3761832199"/>
       </p:ext>
     </p:extLst>
   </p:cSld>
@@ -3240,8 +3324,12 @@
           <a:lstStyle/>
           <a:p>
             <a:r>
+              <a:rPr lang="en-US" sz="2400" b="1" dirty="0" err="1" smtClean="0"/>
+              <a:t>MiniFE</a:t>
+            </a:r>
+            <a:r>
               <a:rPr lang="en-US" sz="2400" b="1" dirty="0" smtClean="0"/>
-              <a:t>Kripke results</a:t>
+              <a:t> results</a:t>
             </a:r>
             <a:endParaRPr lang="en-US" sz="2400" b="1" dirty="0"/>
           </a:p>
@@ -3250,7 +3338,7 @@
     </p:spTree>
     <p:extLst>
       <p:ext uri="{BB962C8B-B14F-4D97-AF65-F5344CB8AC3E}">
-        <p14:creationId xmlns:p14="http://schemas.microsoft.com/office/powerpoint/2010/main" val="2176036657"/>
+        <p14:creationId xmlns:p14="http://schemas.microsoft.com/office/powerpoint/2010/main" val="4115146552"/>
       </p:ext>
     </p:extLst>
   </p:cSld>
@@ -3300,8 +3388,12 @@
           <a:lstStyle/>
           <a:p>
             <a:r>
+              <a:rPr lang="en-US" sz="2400" b="1" dirty="0" err="1" smtClean="0"/>
+              <a:t>MiniFE</a:t>
+            </a:r>
+            <a:r>
               <a:rPr lang="en-US" sz="2400" b="1" dirty="0" smtClean="0"/>
-              <a:t>Kripke results</a:t>
+              <a:t> results</a:t>
             </a:r>
             <a:endParaRPr lang="en-US" sz="2400" b="1" dirty="0"/>
           </a:p>
@@ -3310,7 +3402,7 @@
     </p:spTree>
     <p:extLst>
       <p:ext uri="{BB962C8B-B14F-4D97-AF65-F5344CB8AC3E}">
-        <p14:creationId xmlns:p14="http://schemas.microsoft.com/office/powerpoint/2010/main" val="3830810872"/>
+        <p14:creationId xmlns:p14="http://schemas.microsoft.com/office/powerpoint/2010/main" val="1225703755"/>
       </p:ext>
     </p:extLst>
   </p:cSld>
@@ -3361,7 +3453,7 @@
           <a:p>
             <a:r>
               <a:rPr lang="en-US" sz="2400" b="1" dirty="0" smtClean="0"/>
-              <a:t>FASTEST results</a:t>
+              <a:t>Kripke results</a:t>
             </a:r>
             <a:endParaRPr lang="en-US" sz="2400" b="1" dirty="0"/>
           </a:p>
@@ -3370,7 +3462,7 @@
     </p:spTree>
     <p:extLst>
       <p:ext uri="{BB962C8B-B14F-4D97-AF65-F5344CB8AC3E}">
-        <p14:creationId xmlns:p14="http://schemas.microsoft.com/office/powerpoint/2010/main" val="754757463"/>
+        <p14:creationId xmlns:p14="http://schemas.microsoft.com/office/powerpoint/2010/main" val="3659605943"/>
       </p:ext>
     </p:extLst>
   </p:cSld>
@@ -3421,7 +3513,7 @@
           <a:p>
             <a:r>
               <a:rPr lang="en-US" sz="2400" b="1" dirty="0" smtClean="0"/>
-              <a:t>FASTEST results</a:t>
+              <a:t>Kripke results</a:t>
             </a:r>
             <a:endParaRPr lang="en-US" sz="2400" b="1" dirty="0"/>
           </a:p>
@@ -3430,7 +3522,7 @@
     </p:spTree>
     <p:extLst>
       <p:ext uri="{BB962C8B-B14F-4D97-AF65-F5344CB8AC3E}">
-        <p14:creationId xmlns:p14="http://schemas.microsoft.com/office/powerpoint/2010/main" val="1981088456"/>
+        <p14:creationId xmlns:p14="http://schemas.microsoft.com/office/powerpoint/2010/main" val="2176036657"/>
       </p:ext>
     </p:extLst>
   </p:cSld>
@@ -3481,7 +3573,7 @@
           <a:p>
             <a:r>
               <a:rPr lang="en-US" sz="2400" b="1" dirty="0" smtClean="0"/>
-              <a:t>FASTEST results</a:t>
+              <a:t>Kripke results</a:t>
             </a:r>
             <a:endParaRPr lang="en-US" sz="2400" b="1" dirty="0"/>
           </a:p>
@@ -3490,7 +3582,7 @@
     </p:spTree>
     <p:extLst>
       <p:ext uri="{BB962C8B-B14F-4D97-AF65-F5344CB8AC3E}">
-        <p14:creationId xmlns:p14="http://schemas.microsoft.com/office/powerpoint/2010/main" val="2744005304"/>
+        <p14:creationId xmlns:p14="http://schemas.microsoft.com/office/powerpoint/2010/main" val="3830810872"/>
       </p:ext>
     </p:extLst>
   </p:cSld>
@@ -3541,7 +3633,7 @@
           <a:p>
             <a:r>
               <a:rPr lang="en-US" sz="2400" b="1" dirty="0" smtClean="0"/>
-              <a:t>Quicksilver results</a:t>
+              <a:t>FASTEST results</a:t>
             </a:r>
             <a:endParaRPr lang="en-US" sz="2400" b="1" dirty="0"/>
           </a:p>
@@ -3550,7 +3642,7 @@
     </p:spTree>
     <p:extLst>
       <p:ext uri="{BB962C8B-B14F-4D97-AF65-F5344CB8AC3E}">
-        <p14:creationId xmlns:p14="http://schemas.microsoft.com/office/powerpoint/2010/main" val="760213402"/>
+        <p14:creationId xmlns:p14="http://schemas.microsoft.com/office/powerpoint/2010/main" val="754757463"/>
       </p:ext>
     </p:extLst>
   </p:cSld>
@@ -3601,7 +3693,7 @@
           <a:p>
             <a:r>
               <a:rPr lang="en-US" sz="2400" b="1" dirty="0" smtClean="0"/>
-              <a:t>Quicksilver results</a:t>
+              <a:t>FASTEST results</a:t>
             </a:r>
             <a:endParaRPr lang="en-US" sz="2400" b="1" dirty="0"/>
           </a:p>
@@ -3610,7 +3702,7 @@
     </p:spTree>
     <p:extLst>
       <p:ext uri="{BB962C8B-B14F-4D97-AF65-F5344CB8AC3E}">
-        <p14:creationId xmlns:p14="http://schemas.microsoft.com/office/powerpoint/2010/main" val="4067684214"/>
+        <p14:creationId xmlns:p14="http://schemas.microsoft.com/office/powerpoint/2010/main" val="1981088456"/>
       </p:ext>
     </p:extLst>
   </p:cSld>
@@ -3661,6 +3753,317 @@
           <a:p>
             <a:r>
               <a:rPr lang="en-US" sz="2400" b="1" dirty="0" smtClean="0"/>
+              <a:t>FASTEST results</a:t>
+            </a:r>
+            <a:endParaRPr lang="en-US" sz="2400" b="1" dirty="0"/>
+          </a:p>
+        </p:txBody>
+      </p:sp>
+    </p:spTree>
+    <p:extLst>
+      <p:ext uri="{BB962C8B-B14F-4D97-AF65-F5344CB8AC3E}">
+        <p14:creationId xmlns:p14="http://schemas.microsoft.com/office/powerpoint/2010/main" val="2744005304"/>
+      </p:ext>
+    </p:extLst>
+  </p:cSld>
+  <p:clrMapOvr>
+    <a:masterClrMapping/>
+  </p:clrMapOvr>
+</p:sld>
+</file>
+
+<file path=ppt/slides/slide2.xml><?xml version="1.0" encoding="utf-8"?>
+<p:sld xmlns:a="http://schemas.openxmlformats.org/drawingml/2006/main" xmlns:r="http://schemas.openxmlformats.org/officeDocument/2006/relationships" xmlns:p="http://schemas.openxmlformats.org/presentationml/2006/main">
+  <p:cSld>
+    <p:spTree>
+      <p:nvGrpSpPr>
+        <p:cNvPr id="1" name=""/>
+        <p:cNvGrpSpPr/>
+        <p:nvPr/>
+      </p:nvGrpSpPr>
+      <p:grpSpPr>
+        <a:xfrm>
+          <a:off x="0" y="0"/>
+          <a:ext cx="0" cy="0"/>
+          <a:chOff x="0" y="0"/>
+          <a:chExt cx="0" cy="0"/>
+        </a:xfrm>
+      </p:grpSpPr>
+      <p:sp>
+        <p:nvSpPr>
+          <p:cNvPr id="2" name="Titel 1"/>
+          <p:cNvSpPr>
+            <a:spLocks noGrp="1"/>
+          </p:cNvSpPr>
+          <p:nvPr>
+            <p:ph type="title"/>
+          </p:nvPr>
+        </p:nvSpPr>
+        <p:spPr/>
+        <p:txBody>
+          <a:bodyPr/>
+          <a:lstStyle/>
+          <a:p>
+            <a:r>
+              <a:rPr lang="en-US" dirty="0" smtClean="0"/>
+              <a:t>Questions</a:t>
+            </a:r>
+            <a:endParaRPr lang="en-US" dirty="0"/>
+          </a:p>
+        </p:txBody>
+      </p:sp>
+      <p:sp>
+        <p:nvSpPr>
+          <p:cNvPr id="3" name="Inhaltsplatzhalter 2"/>
+          <p:cNvSpPr>
+            <a:spLocks noGrp="1"/>
+          </p:cNvSpPr>
+          <p:nvPr>
+            <p:ph idx="1"/>
+          </p:nvPr>
+        </p:nvSpPr>
+        <p:spPr/>
+        <p:txBody>
+          <a:bodyPr/>
+          <a:lstStyle/>
+          <a:p>
+            <a:r>
+              <a:rPr lang="en-US" dirty="0" smtClean="0"/>
+              <a:t>Function generation</a:t>
+            </a:r>
+          </a:p>
+          <a:p>
+            <a:pPr lvl="1"/>
+            <a:r>
+              <a:rPr lang="en-US" dirty="0" smtClean="0"/>
+              <a:t>Which exponents and coefficients to use</a:t>
+            </a:r>
+          </a:p>
+          <a:p>
+            <a:pPr lvl="1"/>
+            <a:r>
+              <a:rPr lang="en-US" dirty="0" smtClean="0"/>
+              <a:t>Check term contribution or not? For 3+ parameters very time-consuming to find functions where all 3 terms &gt;1% contribution</a:t>
+            </a:r>
+          </a:p>
+          <a:p>
+            <a:pPr lvl="1"/>
+            <a:r>
+              <a:rPr lang="en-US" dirty="0" smtClean="0"/>
+              <a:t>Parameter values</a:t>
+            </a:r>
+          </a:p>
+          <a:p>
+            <a:pPr lvl="1"/>
+            <a:r>
+              <a:rPr lang="en-US" dirty="0" smtClean="0"/>
+              <a:t>Function types</a:t>
+            </a:r>
+          </a:p>
+          <a:p>
+            <a:r>
+              <a:rPr lang="en-US" dirty="0" smtClean="0"/>
+              <a:t>Modeler configuration</a:t>
+            </a:r>
+          </a:p>
+          <a:p>
+            <a:pPr lvl="2"/>
+            <a:r>
+              <a:rPr lang="en-US" dirty="0" smtClean="0"/>
+              <a:t>Number of terms per parameter</a:t>
+            </a:r>
+          </a:p>
+          <a:p>
+            <a:pPr lvl="2"/>
+            <a:r>
+              <a:rPr lang="en-US" dirty="0" smtClean="0"/>
+              <a:t>Exponents</a:t>
+            </a:r>
+          </a:p>
+          <a:p>
+            <a:pPr lvl="2"/>
+            <a:endParaRPr lang="en-US" dirty="0" smtClean="0"/>
+          </a:p>
+          <a:p>
+            <a:pPr lvl="1"/>
+            <a:endParaRPr lang="en-US" dirty="0"/>
+          </a:p>
+        </p:txBody>
+      </p:sp>
+    </p:spTree>
+    <p:extLst>
+      <p:ext uri="{BB962C8B-B14F-4D97-AF65-F5344CB8AC3E}">
+        <p14:creationId xmlns:p14="http://schemas.microsoft.com/office/powerpoint/2010/main" val="2667505098"/>
+      </p:ext>
+    </p:extLst>
+  </p:cSld>
+  <p:clrMapOvr>
+    <a:masterClrMapping/>
+  </p:clrMapOvr>
+</p:sld>
+</file>
+
+<file path=ppt/slides/slide20.xml><?xml version="1.0" encoding="utf-8"?>
+<p:sld xmlns:a="http://schemas.openxmlformats.org/drawingml/2006/main" xmlns:r="http://schemas.openxmlformats.org/officeDocument/2006/relationships" xmlns:p="http://schemas.openxmlformats.org/presentationml/2006/main">
+  <p:cSld>
+    <p:spTree>
+      <p:nvGrpSpPr>
+        <p:cNvPr id="1" name=""/>
+        <p:cNvGrpSpPr/>
+        <p:nvPr/>
+      </p:nvGrpSpPr>
+      <p:grpSpPr>
+        <a:xfrm>
+          <a:off x="0" y="0"/>
+          <a:ext cx="0" cy="0"/>
+          <a:chOff x="0" y="0"/>
+          <a:chExt cx="0" cy="0"/>
+        </a:xfrm>
+      </p:grpSpPr>
+      <p:sp>
+        <p:nvSpPr>
+          <p:cNvPr id="14" name="Textfeld 13"/>
+          <p:cNvSpPr txBox="1"/>
+          <p:nvPr/>
+        </p:nvSpPr>
+        <p:spPr>
+          <a:xfrm>
+            <a:off x="1128889" y="485422"/>
+            <a:ext cx="4323644" cy="461665"/>
+          </a:xfrm>
+          <a:prstGeom prst="rect">
+            <a:avLst/>
+          </a:prstGeom>
+          <a:noFill/>
+        </p:spPr>
+        <p:txBody>
+          <a:bodyPr wrap="square" rtlCol="0">
+            <a:spAutoFit/>
+          </a:bodyPr>
+          <a:lstStyle/>
+          <a:p>
+            <a:r>
+              <a:rPr lang="en-US" sz="2400" b="1" dirty="0" smtClean="0"/>
+              <a:t>Quicksilver results</a:t>
+            </a:r>
+            <a:endParaRPr lang="en-US" sz="2400" b="1" dirty="0"/>
+          </a:p>
+        </p:txBody>
+      </p:sp>
+    </p:spTree>
+    <p:extLst>
+      <p:ext uri="{BB962C8B-B14F-4D97-AF65-F5344CB8AC3E}">
+        <p14:creationId xmlns:p14="http://schemas.microsoft.com/office/powerpoint/2010/main" val="760213402"/>
+      </p:ext>
+    </p:extLst>
+  </p:cSld>
+  <p:clrMapOvr>
+    <a:masterClrMapping/>
+  </p:clrMapOvr>
+</p:sld>
+</file>
+
+<file path=ppt/slides/slide21.xml><?xml version="1.0" encoding="utf-8"?>
+<p:sld xmlns:a="http://schemas.openxmlformats.org/drawingml/2006/main" xmlns:r="http://schemas.openxmlformats.org/officeDocument/2006/relationships" xmlns:p="http://schemas.openxmlformats.org/presentationml/2006/main">
+  <p:cSld>
+    <p:spTree>
+      <p:nvGrpSpPr>
+        <p:cNvPr id="1" name=""/>
+        <p:cNvGrpSpPr/>
+        <p:nvPr/>
+      </p:nvGrpSpPr>
+      <p:grpSpPr>
+        <a:xfrm>
+          <a:off x="0" y="0"/>
+          <a:ext cx="0" cy="0"/>
+          <a:chOff x="0" y="0"/>
+          <a:chExt cx="0" cy="0"/>
+        </a:xfrm>
+      </p:grpSpPr>
+      <p:sp>
+        <p:nvSpPr>
+          <p:cNvPr id="14" name="Textfeld 13"/>
+          <p:cNvSpPr txBox="1"/>
+          <p:nvPr/>
+        </p:nvSpPr>
+        <p:spPr>
+          <a:xfrm>
+            <a:off x="1128889" y="485422"/>
+            <a:ext cx="4323644" cy="461665"/>
+          </a:xfrm>
+          <a:prstGeom prst="rect">
+            <a:avLst/>
+          </a:prstGeom>
+          <a:noFill/>
+        </p:spPr>
+        <p:txBody>
+          <a:bodyPr wrap="square" rtlCol="0">
+            <a:spAutoFit/>
+          </a:bodyPr>
+          <a:lstStyle/>
+          <a:p>
+            <a:r>
+              <a:rPr lang="en-US" sz="2400" b="1" dirty="0" smtClean="0"/>
+              <a:t>Quicksilver results</a:t>
+            </a:r>
+            <a:endParaRPr lang="en-US" sz="2400" b="1" dirty="0"/>
+          </a:p>
+        </p:txBody>
+      </p:sp>
+    </p:spTree>
+    <p:extLst>
+      <p:ext uri="{BB962C8B-B14F-4D97-AF65-F5344CB8AC3E}">
+        <p14:creationId xmlns:p14="http://schemas.microsoft.com/office/powerpoint/2010/main" val="4067684214"/>
+      </p:ext>
+    </p:extLst>
+  </p:cSld>
+  <p:clrMapOvr>
+    <a:masterClrMapping/>
+  </p:clrMapOvr>
+</p:sld>
+</file>
+
+<file path=ppt/slides/slide22.xml><?xml version="1.0" encoding="utf-8"?>
+<p:sld xmlns:a="http://schemas.openxmlformats.org/drawingml/2006/main" xmlns:r="http://schemas.openxmlformats.org/officeDocument/2006/relationships" xmlns:p="http://schemas.openxmlformats.org/presentationml/2006/main">
+  <p:cSld>
+    <p:spTree>
+      <p:nvGrpSpPr>
+        <p:cNvPr id="1" name=""/>
+        <p:cNvGrpSpPr/>
+        <p:nvPr/>
+      </p:nvGrpSpPr>
+      <p:grpSpPr>
+        <a:xfrm>
+          <a:off x="0" y="0"/>
+          <a:ext cx="0" cy="0"/>
+          <a:chOff x="0" y="0"/>
+          <a:chExt cx="0" cy="0"/>
+        </a:xfrm>
+      </p:grpSpPr>
+      <p:sp>
+        <p:nvSpPr>
+          <p:cNvPr id="14" name="Textfeld 13"/>
+          <p:cNvSpPr txBox="1"/>
+          <p:nvPr/>
+        </p:nvSpPr>
+        <p:spPr>
+          <a:xfrm>
+            <a:off x="1128889" y="485422"/>
+            <a:ext cx="4323644" cy="461665"/>
+          </a:xfrm>
+          <a:prstGeom prst="rect">
+            <a:avLst/>
+          </a:prstGeom>
+          <a:noFill/>
+        </p:spPr>
+        <p:txBody>
+          <a:bodyPr wrap="square" rtlCol="0">
+            <a:spAutoFit/>
+          </a:bodyPr>
+          <a:lstStyle/>
+          <a:p>
+            <a:r>
+              <a:rPr lang="en-US" sz="2400" b="1" dirty="0" smtClean="0"/>
               <a:t>Quicksilver results</a:t>
             </a:r>
             <a:endParaRPr lang="en-US" sz="2400" b="1" dirty="0"/>
@@ -3680,7 +4083,194 @@
 </p:sld>
 </file>
 
-<file path=ppt/slides/slide2.xml><?xml version="1.0" encoding="utf-8"?>
+<file path=ppt/slides/slide3.xml><?xml version="1.0" encoding="utf-8"?>
+<p:sld xmlns:a="http://schemas.openxmlformats.org/drawingml/2006/main" xmlns:r="http://schemas.openxmlformats.org/officeDocument/2006/relationships" xmlns:p="http://schemas.openxmlformats.org/presentationml/2006/main">
+  <p:cSld>
+    <p:spTree>
+      <p:nvGrpSpPr>
+        <p:cNvPr id="1" name=""/>
+        <p:cNvGrpSpPr/>
+        <p:nvPr/>
+      </p:nvGrpSpPr>
+      <p:grpSpPr>
+        <a:xfrm>
+          <a:off x="0" y="0"/>
+          <a:ext cx="0" cy="0"/>
+          <a:chOff x="0" y="0"/>
+          <a:chExt cx="0" cy="0"/>
+        </a:xfrm>
+      </p:grpSpPr>
+      <p:sp>
+        <p:nvSpPr>
+          <p:cNvPr id="2" name="Titel 1"/>
+          <p:cNvSpPr>
+            <a:spLocks noGrp="1"/>
+          </p:cNvSpPr>
+          <p:nvPr>
+            <p:ph type="title"/>
+          </p:nvPr>
+        </p:nvSpPr>
+        <p:spPr/>
+        <p:txBody>
+          <a:bodyPr/>
+          <a:lstStyle/>
+          <a:p>
+            <a:r>
+              <a:rPr lang="en-US" dirty="0" smtClean="0"/>
+              <a:t>Synthetic Evaluation</a:t>
+            </a:r>
+            <a:endParaRPr lang="en-US" dirty="0"/>
+          </a:p>
+        </p:txBody>
+      </p:sp>
+      <p:sp>
+        <p:nvSpPr>
+          <p:cNvPr id="3" name="Inhaltsplatzhalter 2"/>
+          <p:cNvSpPr>
+            <a:spLocks noGrp="1"/>
+          </p:cNvSpPr>
+          <p:nvPr>
+            <p:ph idx="1"/>
+          </p:nvPr>
+        </p:nvSpPr>
+        <p:spPr/>
+        <p:txBody>
+          <a:bodyPr/>
+          <a:lstStyle/>
+          <a:p>
+            <a:r>
+              <a:rPr lang="en-US" dirty="0" smtClean="0"/>
+              <a:t>Text</a:t>
+            </a:r>
+            <a:endParaRPr lang="en-US" dirty="0"/>
+          </a:p>
+        </p:txBody>
+      </p:sp>
+    </p:spTree>
+    <p:extLst>
+      <p:ext uri="{BB962C8B-B14F-4D97-AF65-F5344CB8AC3E}">
+        <p14:creationId xmlns:p14="http://schemas.microsoft.com/office/powerpoint/2010/main" val="2214273185"/>
+      </p:ext>
+    </p:extLst>
+  </p:cSld>
+  <p:clrMapOvr>
+    <a:masterClrMapping/>
+  </p:clrMapOvr>
+</p:sld>
+</file>
+
+<file path=ppt/slides/slide4.xml><?xml version="1.0" encoding="utf-8"?>
+<p:sld xmlns:a="http://schemas.openxmlformats.org/drawingml/2006/main" xmlns:r="http://schemas.openxmlformats.org/officeDocument/2006/relationships" xmlns:p="http://schemas.openxmlformats.org/presentationml/2006/main">
+  <p:cSld>
+    <p:spTree>
+      <p:nvGrpSpPr>
+        <p:cNvPr id="1" name=""/>
+        <p:cNvGrpSpPr/>
+        <p:nvPr/>
+      </p:nvGrpSpPr>
+      <p:grpSpPr>
+        <a:xfrm>
+          <a:off x="0" y="0"/>
+          <a:ext cx="0" cy="0"/>
+          <a:chOff x="0" y="0"/>
+          <a:chExt cx="0" cy="0"/>
+        </a:xfrm>
+      </p:grpSpPr>
+      <p:sp>
+        <p:nvSpPr>
+          <p:cNvPr id="2" name="Titel 1"/>
+          <p:cNvSpPr>
+            <a:spLocks noGrp="1"/>
+          </p:cNvSpPr>
+          <p:nvPr>
+            <p:ph type="title"/>
+          </p:nvPr>
+        </p:nvSpPr>
+        <p:spPr/>
+        <p:txBody>
+          <a:bodyPr/>
+          <a:lstStyle/>
+          <a:p>
+            <a:r>
+              <a:rPr lang="en-US" dirty="0" smtClean="0"/>
+              <a:t>Case Studies</a:t>
+            </a:r>
+            <a:endParaRPr lang="en-US" dirty="0"/>
+          </a:p>
+        </p:txBody>
+      </p:sp>
+      <p:sp>
+        <p:nvSpPr>
+          <p:cNvPr id="3" name="Inhaltsplatzhalter 2"/>
+          <p:cNvSpPr>
+            <a:spLocks noGrp="1"/>
+          </p:cNvSpPr>
+          <p:nvPr>
+            <p:ph idx="1"/>
+          </p:nvPr>
+        </p:nvSpPr>
+        <p:spPr/>
+        <p:txBody>
+          <a:bodyPr/>
+          <a:lstStyle/>
+          <a:p>
+            <a:r>
+              <a:rPr lang="en-US" dirty="0" smtClean="0"/>
+              <a:t>Relearn</a:t>
+            </a:r>
+          </a:p>
+          <a:p>
+            <a:r>
+              <a:rPr lang="en-US" dirty="0" err="1" smtClean="0"/>
+              <a:t>Lulesh</a:t>
+            </a:r>
+            <a:endParaRPr lang="en-US" dirty="0" smtClean="0"/>
+          </a:p>
+          <a:p>
+            <a:r>
+              <a:rPr lang="en-US" dirty="0" err="1" smtClean="0"/>
+              <a:t>MiniFE</a:t>
+            </a:r>
+            <a:endParaRPr lang="en-US" dirty="0" smtClean="0"/>
+          </a:p>
+          <a:p>
+            <a:r>
+              <a:rPr lang="en-US" dirty="0" smtClean="0"/>
+              <a:t>Kripke</a:t>
+            </a:r>
+          </a:p>
+          <a:p>
+            <a:r>
+              <a:rPr lang="en-US" dirty="0" smtClean="0"/>
+              <a:t>FASTEST</a:t>
+            </a:r>
+          </a:p>
+          <a:p>
+            <a:r>
+              <a:rPr lang="en-US" dirty="0" smtClean="0"/>
+              <a:t>Quicksilver</a:t>
+            </a:r>
+            <a:endParaRPr lang="en-US" dirty="0"/>
+          </a:p>
+          <a:p>
+            <a:endParaRPr lang="en-US" dirty="0"/>
+          </a:p>
+        </p:txBody>
+      </p:sp>
+    </p:spTree>
+    <p:extLst>
+      <p:ext uri="{BB962C8B-B14F-4D97-AF65-F5344CB8AC3E}">
+        <p14:creationId xmlns:p14="http://schemas.microsoft.com/office/powerpoint/2010/main" val="1278817527"/>
+      </p:ext>
+    </p:extLst>
+  </p:cSld>
+  <p:clrMapOvr>
+    <a:masterClrMapping/>
+  </p:clrMapOvr>
+</p:sld>
+</file>
+
+<file path=ppt/slides/slide5.xml><?xml version="1.0" encoding="utf-8"?>
 <p:sld xmlns:a="http://schemas.openxmlformats.org/drawingml/2006/main" xmlns:r="http://schemas.openxmlformats.org/officeDocument/2006/relationships" xmlns:p="http://schemas.openxmlformats.org/presentationml/2006/main">
   <p:cSld>
     <p:spTree>
@@ -4814,7 +5404,7 @@
 </p:sld>
 </file>
 
-<file path=ppt/slides/slide3.xml><?xml version="1.0" encoding="utf-8"?>
+<file path=ppt/slides/slide6.xml><?xml version="1.0" encoding="utf-8"?>
 <p:sld xmlns:a="http://schemas.openxmlformats.org/drawingml/2006/main" xmlns:r="http://schemas.openxmlformats.org/officeDocument/2006/relationships" xmlns:p="http://schemas.openxmlformats.org/presentationml/2006/main">
   <p:cSld>
     <p:spTree>
@@ -5002,7 +5592,7 @@
 </p:sld>
 </file>
 
-<file path=ppt/slides/slide4.xml><?xml version="1.0" encoding="utf-8"?>
+<file path=ppt/slides/slide7.xml><?xml version="1.0" encoding="utf-8"?>
 <p:sld xmlns:a="http://schemas.openxmlformats.org/drawingml/2006/main" xmlns:r="http://schemas.openxmlformats.org/officeDocument/2006/relationships" xmlns:p="http://schemas.openxmlformats.org/presentationml/2006/main">
   <p:cSld>
     <p:spTree>
@@ -5171,7 +5761,7 @@
 </p:sld>
 </file>
 
-<file path=ppt/slides/slide5.xml><?xml version="1.0" encoding="utf-8"?>
+<file path=ppt/slides/slide8.xml><?xml version="1.0" encoding="utf-8"?>
 <p:sld xmlns:a="http://schemas.openxmlformats.org/drawingml/2006/main" xmlns:r="http://schemas.openxmlformats.org/officeDocument/2006/relationships" xmlns:p="http://schemas.openxmlformats.org/presentationml/2006/main">
   <p:cSld>
     <p:spTree>
@@ -5342,430 +5932,6 @@
     <p:extLst>
       <p:ext uri="{BB962C8B-B14F-4D97-AF65-F5344CB8AC3E}">
         <p14:creationId xmlns:p14="http://schemas.microsoft.com/office/powerpoint/2010/main" val="1411974968"/>
-      </p:ext>
-    </p:extLst>
-  </p:cSld>
-  <p:clrMapOvr>
-    <a:masterClrMapping/>
-  </p:clrMapOvr>
-</p:sld>
-</file>
-
-<file path=ppt/slides/slide6.xml><?xml version="1.0" encoding="utf-8"?>
-<p:sld xmlns:a="http://schemas.openxmlformats.org/drawingml/2006/main" xmlns:r="http://schemas.openxmlformats.org/officeDocument/2006/relationships" xmlns:p="http://schemas.openxmlformats.org/presentationml/2006/main">
-  <p:cSld>
-    <p:spTree>
-      <p:nvGrpSpPr>
-        <p:cNvPr id="1" name=""/>
-        <p:cNvGrpSpPr/>
-        <p:nvPr/>
-      </p:nvGrpSpPr>
-      <p:grpSpPr>
-        <a:xfrm>
-          <a:off x="0" y="0"/>
-          <a:ext cx="0" cy="0"/>
-          <a:chOff x="0" y="0"/>
-          <a:chExt cx="0" cy="0"/>
-        </a:xfrm>
-      </p:grpSpPr>
-      <p:sp>
-        <p:nvSpPr>
-          <p:cNvPr id="14" name="Textfeld 13"/>
-          <p:cNvSpPr txBox="1"/>
-          <p:nvPr/>
-        </p:nvSpPr>
-        <p:spPr>
-          <a:xfrm>
-            <a:off x="1128889" y="485422"/>
-            <a:ext cx="4323644" cy="461665"/>
-          </a:xfrm>
-          <a:prstGeom prst="rect">
-            <a:avLst/>
-          </a:prstGeom>
-          <a:noFill/>
-        </p:spPr>
-        <p:txBody>
-          <a:bodyPr wrap="square" rtlCol="0">
-            <a:spAutoFit/>
-          </a:bodyPr>
-          <a:lstStyle/>
-          <a:p>
-            <a:r>
-              <a:rPr lang="en-US" sz="2400" b="1" dirty="0" smtClean="0"/>
-              <a:t>LULESH results - cost</a:t>
-            </a:r>
-            <a:endParaRPr lang="en-US" sz="2400" b="1" dirty="0"/>
-          </a:p>
-        </p:txBody>
-      </p:sp>
-      <p:pic>
-        <p:nvPicPr>
-          <p:cNvPr id="2" name="Grafik 1"/>
-          <p:cNvPicPr>
-            <a:picLocks noChangeAspect="1"/>
-          </p:cNvPicPr>
-          <p:nvPr/>
-        </p:nvPicPr>
-        <p:blipFill>
-          <a:blip r:embed="rId2">
-            <a:extLst>
-              <a:ext uri="{28A0092B-C50C-407E-A947-70E740481C1C}">
-                <a14:useLocalDpi xmlns:a14="http://schemas.microsoft.com/office/drawing/2010/main" val="0"/>
-              </a:ext>
-            </a:extLst>
-          </a:blip>
-          <a:stretch>
-            <a:fillRect/>
-          </a:stretch>
-        </p:blipFill>
-        <p:spPr>
-          <a:xfrm>
-            <a:off x="44009" y="0"/>
-            <a:ext cx="5852172" cy="4389129"/>
-          </a:xfrm>
-          <a:prstGeom prst="rect">
-            <a:avLst/>
-          </a:prstGeom>
-        </p:spPr>
-      </p:pic>
-      <p:pic>
-        <p:nvPicPr>
-          <p:cNvPr id="3" name="Grafik 2"/>
-          <p:cNvPicPr>
-            <a:picLocks noChangeAspect="1"/>
-          </p:cNvPicPr>
-          <p:nvPr/>
-        </p:nvPicPr>
-        <p:blipFill>
-          <a:blip r:embed="rId2">
-            <a:extLst>
-              <a:ext uri="{28A0092B-C50C-407E-A947-70E740481C1C}">
-                <a14:useLocalDpi xmlns:a14="http://schemas.microsoft.com/office/drawing/2010/main" val="0"/>
-              </a:ext>
-            </a:extLst>
-          </a:blip>
-          <a:stretch>
-            <a:fillRect/>
-          </a:stretch>
-        </p:blipFill>
-        <p:spPr>
-          <a:xfrm>
-            <a:off x="6173573" y="-216695"/>
-            <a:ext cx="5852172" cy="4389129"/>
-          </a:xfrm>
-          <a:prstGeom prst="rect">
-            <a:avLst/>
-          </a:prstGeom>
-        </p:spPr>
-      </p:pic>
-      <p:pic>
-        <p:nvPicPr>
-          <p:cNvPr id="4" name="Grafik 3"/>
-          <p:cNvPicPr>
-            <a:picLocks noChangeAspect="1"/>
-          </p:cNvPicPr>
-          <p:nvPr/>
-        </p:nvPicPr>
-        <p:blipFill>
-          <a:blip r:embed="rId2">
-            <a:extLst>
-              <a:ext uri="{28A0092B-C50C-407E-A947-70E740481C1C}">
-                <a14:useLocalDpi xmlns:a14="http://schemas.microsoft.com/office/drawing/2010/main" val="0"/>
-              </a:ext>
-            </a:extLst>
-          </a:blip>
-          <a:stretch>
-            <a:fillRect/>
-          </a:stretch>
-        </p:blipFill>
-        <p:spPr>
-          <a:xfrm>
-            <a:off x="493216" y="2679986"/>
-            <a:ext cx="5852172" cy="4389129"/>
-          </a:xfrm>
-          <a:prstGeom prst="rect">
-            <a:avLst/>
-          </a:prstGeom>
-        </p:spPr>
-      </p:pic>
-      <p:pic>
-        <p:nvPicPr>
-          <p:cNvPr id="5" name="Grafik 4"/>
-          <p:cNvPicPr>
-            <a:picLocks noChangeAspect="1"/>
-          </p:cNvPicPr>
-          <p:nvPr/>
-        </p:nvPicPr>
-        <p:blipFill>
-          <a:blip r:embed="rId2">
-            <a:extLst>
-              <a:ext uri="{28A0092B-C50C-407E-A947-70E740481C1C}">
-                <a14:useLocalDpi xmlns:a14="http://schemas.microsoft.com/office/drawing/2010/main" val="0"/>
-              </a:ext>
-            </a:extLst>
-          </a:blip>
-          <a:stretch>
-            <a:fillRect/>
-          </a:stretch>
-        </p:blipFill>
-        <p:spPr>
-          <a:xfrm>
-            <a:off x="5164969" y="3079006"/>
-            <a:ext cx="5852172" cy="4389129"/>
-          </a:xfrm>
-          <a:prstGeom prst="rect">
-            <a:avLst/>
-          </a:prstGeom>
-        </p:spPr>
-      </p:pic>
-    </p:spTree>
-    <p:extLst>
-      <p:ext uri="{BB962C8B-B14F-4D97-AF65-F5344CB8AC3E}">
-        <p14:creationId xmlns:p14="http://schemas.microsoft.com/office/powerpoint/2010/main" val="3148833393"/>
-      </p:ext>
-    </p:extLst>
-  </p:cSld>
-  <p:clrMapOvr>
-    <a:masterClrMapping/>
-  </p:clrMapOvr>
-</p:sld>
-</file>
-
-<file path=ppt/slides/slide7.xml><?xml version="1.0" encoding="utf-8"?>
-<p:sld xmlns:a="http://schemas.openxmlformats.org/drawingml/2006/main" xmlns:r="http://schemas.openxmlformats.org/officeDocument/2006/relationships" xmlns:p="http://schemas.openxmlformats.org/presentationml/2006/main">
-  <p:cSld>
-    <p:spTree>
-      <p:nvGrpSpPr>
-        <p:cNvPr id="1" name=""/>
-        <p:cNvGrpSpPr/>
-        <p:nvPr/>
-      </p:nvGrpSpPr>
-      <p:grpSpPr>
-        <a:xfrm>
-          <a:off x="0" y="0"/>
-          <a:ext cx="0" cy="0"/>
-          <a:chOff x="0" y="0"/>
-          <a:chExt cx="0" cy="0"/>
-        </a:xfrm>
-      </p:grpSpPr>
-      <p:sp>
-        <p:nvSpPr>
-          <p:cNvPr id="14" name="Textfeld 13"/>
-          <p:cNvSpPr txBox="1"/>
-          <p:nvPr/>
-        </p:nvSpPr>
-        <p:spPr>
-          <a:xfrm>
-            <a:off x="1128888" y="485422"/>
-            <a:ext cx="6784827" cy="461665"/>
-          </a:xfrm>
-          <a:prstGeom prst="rect">
-            <a:avLst/>
-          </a:prstGeom>
-          <a:noFill/>
-        </p:spPr>
-        <p:txBody>
-          <a:bodyPr wrap="square" rtlCol="0">
-            <a:spAutoFit/>
-          </a:bodyPr>
-          <a:lstStyle/>
-          <a:p>
-            <a:r>
-              <a:rPr lang="en-US" sz="2400" b="1" dirty="0" smtClean="0"/>
-              <a:t>LULESH results – additional points</a:t>
-            </a:r>
-            <a:endParaRPr lang="en-US" sz="2400" b="1" dirty="0"/>
-          </a:p>
-        </p:txBody>
-      </p:sp>
-      <p:pic>
-        <p:nvPicPr>
-          <p:cNvPr id="2" name="Grafik 1"/>
-          <p:cNvPicPr>
-            <a:picLocks noChangeAspect="1"/>
-          </p:cNvPicPr>
-          <p:nvPr/>
-        </p:nvPicPr>
-        <p:blipFill>
-          <a:blip r:embed="rId2">
-            <a:extLst>
-              <a:ext uri="{28A0092B-C50C-407E-A947-70E740481C1C}">
-                <a14:useLocalDpi xmlns:a14="http://schemas.microsoft.com/office/drawing/2010/main" val="0"/>
-              </a:ext>
-            </a:extLst>
-          </a:blip>
-          <a:stretch>
-            <a:fillRect/>
-          </a:stretch>
-        </p:blipFill>
-        <p:spPr>
-          <a:xfrm>
-            <a:off x="0" y="-477987"/>
-            <a:ext cx="5852172" cy="4389129"/>
-          </a:xfrm>
-          <a:prstGeom prst="rect">
-            <a:avLst/>
-          </a:prstGeom>
-        </p:spPr>
-      </p:pic>
-      <p:pic>
-        <p:nvPicPr>
-          <p:cNvPr id="3" name="Grafik 2"/>
-          <p:cNvPicPr>
-            <a:picLocks noChangeAspect="1"/>
-          </p:cNvPicPr>
-          <p:nvPr/>
-        </p:nvPicPr>
-        <p:blipFill>
-          <a:blip r:embed="rId2">
-            <a:extLst>
-              <a:ext uri="{28A0092B-C50C-407E-A947-70E740481C1C}">
-                <a14:useLocalDpi xmlns:a14="http://schemas.microsoft.com/office/drawing/2010/main" val="0"/>
-              </a:ext>
-            </a:extLst>
-          </a:blip>
-          <a:stretch>
-            <a:fillRect/>
-          </a:stretch>
-        </p:blipFill>
-        <p:spPr>
-          <a:xfrm>
-            <a:off x="5896507" y="-943499"/>
-            <a:ext cx="5852172" cy="4389129"/>
-          </a:xfrm>
-          <a:prstGeom prst="rect">
-            <a:avLst/>
-          </a:prstGeom>
-        </p:spPr>
-      </p:pic>
-      <p:pic>
-        <p:nvPicPr>
-          <p:cNvPr id="4" name="Grafik 3"/>
-          <p:cNvPicPr>
-            <a:picLocks noChangeAspect="1"/>
-          </p:cNvPicPr>
-          <p:nvPr/>
-        </p:nvPicPr>
-        <p:blipFill>
-          <a:blip r:embed="rId2">
-            <a:extLst>
-              <a:ext uri="{28A0092B-C50C-407E-A947-70E740481C1C}">
-                <a14:useLocalDpi xmlns:a14="http://schemas.microsoft.com/office/drawing/2010/main" val="0"/>
-              </a:ext>
-            </a:extLst>
-          </a:blip>
-          <a:stretch>
-            <a:fillRect/>
-          </a:stretch>
-        </p:blipFill>
-        <p:spPr>
-          <a:xfrm>
-            <a:off x="44335" y="3198605"/>
-            <a:ext cx="5852172" cy="4389129"/>
-          </a:xfrm>
-          <a:prstGeom prst="rect">
-            <a:avLst/>
-          </a:prstGeom>
-        </p:spPr>
-      </p:pic>
-      <p:pic>
-        <p:nvPicPr>
-          <p:cNvPr id="5" name="Grafik 4"/>
-          <p:cNvPicPr>
-            <a:picLocks noChangeAspect="1"/>
-          </p:cNvPicPr>
-          <p:nvPr/>
-        </p:nvPicPr>
-        <p:blipFill>
-          <a:blip r:embed="rId2">
-            <a:extLst>
-              <a:ext uri="{28A0092B-C50C-407E-A947-70E740481C1C}">
-                <a14:useLocalDpi xmlns:a14="http://schemas.microsoft.com/office/drawing/2010/main" val="0"/>
-              </a:ext>
-            </a:extLst>
-          </a:blip>
-          <a:stretch>
-            <a:fillRect/>
-          </a:stretch>
-        </p:blipFill>
-        <p:spPr>
-          <a:xfrm>
-            <a:off x="5447601" y="3198605"/>
-            <a:ext cx="5852172" cy="4389129"/>
-          </a:xfrm>
-          <a:prstGeom prst="rect">
-            <a:avLst/>
-          </a:prstGeom>
-        </p:spPr>
-      </p:pic>
-    </p:spTree>
-    <p:extLst>
-      <p:ext uri="{BB962C8B-B14F-4D97-AF65-F5344CB8AC3E}">
-        <p14:creationId xmlns:p14="http://schemas.microsoft.com/office/powerpoint/2010/main" val="813284526"/>
-      </p:ext>
-    </p:extLst>
-  </p:cSld>
-  <p:clrMapOvr>
-    <a:masterClrMapping/>
-  </p:clrMapOvr>
-</p:sld>
-</file>
-
-<file path=ppt/slides/slide8.xml><?xml version="1.0" encoding="utf-8"?>
-<p:sld xmlns:a="http://schemas.openxmlformats.org/drawingml/2006/main" xmlns:r="http://schemas.openxmlformats.org/officeDocument/2006/relationships" xmlns:p="http://schemas.openxmlformats.org/presentationml/2006/main">
-  <p:cSld>
-    <p:spTree>
-      <p:nvGrpSpPr>
-        <p:cNvPr id="1" name=""/>
-        <p:cNvGrpSpPr/>
-        <p:nvPr/>
-      </p:nvGrpSpPr>
-      <p:grpSpPr>
-        <a:xfrm>
-          <a:off x="0" y="0"/>
-          <a:ext cx="0" cy="0"/>
-          <a:chOff x="0" y="0"/>
-          <a:chExt cx="0" cy="0"/>
-        </a:xfrm>
-      </p:grpSpPr>
-      <p:sp>
-        <p:nvSpPr>
-          <p:cNvPr id="14" name="Textfeld 13"/>
-          <p:cNvSpPr txBox="1"/>
-          <p:nvPr/>
-        </p:nvSpPr>
-        <p:spPr>
-          <a:xfrm>
-            <a:off x="1128889" y="485422"/>
-            <a:ext cx="4323644" cy="461665"/>
-          </a:xfrm>
-          <a:prstGeom prst="rect">
-            <a:avLst/>
-          </a:prstGeom>
-          <a:noFill/>
-        </p:spPr>
-        <p:txBody>
-          <a:bodyPr wrap="square" rtlCol="0">
-            <a:spAutoFit/>
-          </a:bodyPr>
-          <a:lstStyle/>
-          <a:p>
-            <a:r>
-              <a:rPr lang="en-US" sz="2400" b="1" dirty="0" err="1" smtClean="0"/>
-              <a:t>MiniFE</a:t>
-            </a:r>
-            <a:r>
-              <a:rPr lang="en-US" sz="2400" b="1" dirty="0" smtClean="0"/>
-              <a:t> results</a:t>
-            </a:r>
-            <a:endParaRPr lang="en-US" sz="2400" b="1" dirty="0"/>
-          </a:p>
-        </p:txBody>
-      </p:sp>
-    </p:spTree>
-    <p:extLst>
-      <p:ext uri="{BB962C8B-B14F-4D97-AF65-F5344CB8AC3E}">
-        <p14:creationId xmlns:p14="http://schemas.microsoft.com/office/powerpoint/2010/main" val="3761832199"/>
       </p:ext>
     </p:extLst>
   </p:cSld>
@@ -5815,21 +5981,137 @@
           <a:lstStyle/>
           <a:p>
             <a:r>
-              <a:rPr lang="en-US" sz="2400" b="1" dirty="0" err="1" smtClean="0"/>
-              <a:t>MiniFE</a:t>
-            </a:r>
-            <a:r>
               <a:rPr lang="en-US" sz="2400" b="1" dirty="0" smtClean="0"/>
-              <a:t> results</a:t>
+              <a:t>LULESH results - cost</a:t>
             </a:r>
             <a:endParaRPr lang="en-US" sz="2400" b="1" dirty="0"/>
           </a:p>
         </p:txBody>
       </p:sp>
+      <p:pic>
+        <p:nvPicPr>
+          <p:cNvPr id="2" name="Grafik 1"/>
+          <p:cNvPicPr>
+            <a:picLocks noChangeAspect="1"/>
+          </p:cNvPicPr>
+          <p:nvPr/>
+        </p:nvPicPr>
+        <p:blipFill>
+          <a:blip r:embed="rId2">
+            <a:extLst>
+              <a:ext uri="{28A0092B-C50C-407E-A947-70E740481C1C}">
+                <a14:useLocalDpi xmlns:a14="http://schemas.microsoft.com/office/drawing/2010/main" val="0"/>
+              </a:ext>
+            </a:extLst>
+          </a:blip>
+          <a:stretch>
+            <a:fillRect/>
+          </a:stretch>
+        </p:blipFill>
+        <p:spPr>
+          <a:xfrm>
+            <a:off x="44009" y="0"/>
+            <a:ext cx="5852172" cy="4389129"/>
+          </a:xfrm>
+          <a:prstGeom prst="rect">
+            <a:avLst/>
+          </a:prstGeom>
+        </p:spPr>
+      </p:pic>
+      <p:pic>
+        <p:nvPicPr>
+          <p:cNvPr id="3" name="Grafik 2"/>
+          <p:cNvPicPr>
+            <a:picLocks noChangeAspect="1"/>
+          </p:cNvPicPr>
+          <p:nvPr/>
+        </p:nvPicPr>
+        <p:blipFill>
+          <a:blip r:embed="rId2">
+            <a:extLst>
+              <a:ext uri="{28A0092B-C50C-407E-A947-70E740481C1C}">
+                <a14:useLocalDpi xmlns:a14="http://schemas.microsoft.com/office/drawing/2010/main" val="0"/>
+              </a:ext>
+            </a:extLst>
+          </a:blip>
+          <a:stretch>
+            <a:fillRect/>
+          </a:stretch>
+        </p:blipFill>
+        <p:spPr>
+          <a:xfrm>
+            <a:off x="6173573" y="-216695"/>
+            <a:ext cx="5852172" cy="4389129"/>
+          </a:xfrm>
+          <a:prstGeom prst="rect">
+            <a:avLst/>
+          </a:prstGeom>
+        </p:spPr>
+      </p:pic>
+      <p:pic>
+        <p:nvPicPr>
+          <p:cNvPr id="4" name="Grafik 3"/>
+          <p:cNvPicPr>
+            <a:picLocks noChangeAspect="1"/>
+          </p:cNvPicPr>
+          <p:nvPr/>
+        </p:nvPicPr>
+        <p:blipFill>
+          <a:blip r:embed="rId2">
+            <a:extLst>
+              <a:ext uri="{28A0092B-C50C-407E-A947-70E740481C1C}">
+                <a14:useLocalDpi xmlns:a14="http://schemas.microsoft.com/office/drawing/2010/main" val="0"/>
+              </a:ext>
+            </a:extLst>
+          </a:blip>
+          <a:stretch>
+            <a:fillRect/>
+          </a:stretch>
+        </p:blipFill>
+        <p:spPr>
+          <a:xfrm>
+            <a:off x="493216" y="2679986"/>
+            <a:ext cx="5852172" cy="4389129"/>
+          </a:xfrm>
+          <a:prstGeom prst="rect">
+            <a:avLst/>
+          </a:prstGeom>
+        </p:spPr>
+      </p:pic>
+      <p:pic>
+        <p:nvPicPr>
+          <p:cNvPr id="5" name="Grafik 4"/>
+          <p:cNvPicPr>
+            <a:picLocks noChangeAspect="1"/>
+          </p:cNvPicPr>
+          <p:nvPr/>
+        </p:nvPicPr>
+        <p:blipFill>
+          <a:blip r:embed="rId2">
+            <a:extLst>
+              <a:ext uri="{28A0092B-C50C-407E-A947-70E740481C1C}">
+                <a14:useLocalDpi xmlns:a14="http://schemas.microsoft.com/office/drawing/2010/main" val="0"/>
+              </a:ext>
+            </a:extLst>
+          </a:blip>
+          <a:stretch>
+            <a:fillRect/>
+          </a:stretch>
+        </p:blipFill>
+        <p:spPr>
+          <a:xfrm>
+            <a:off x="5164969" y="3079006"/>
+            <a:ext cx="5852172" cy="4389129"/>
+          </a:xfrm>
+          <a:prstGeom prst="rect">
+            <a:avLst/>
+          </a:prstGeom>
+        </p:spPr>
+      </p:pic>
     </p:spTree>
     <p:extLst>
       <p:ext uri="{BB962C8B-B14F-4D97-AF65-F5344CB8AC3E}">
-        <p14:creationId xmlns:p14="http://schemas.microsoft.com/office/powerpoint/2010/main" val="4115146552"/>
+        <p14:creationId xmlns:p14="http://schemas.microsoft.com/office/powerpoint/2010/main" val="3148833393"/>
       </p:ext>
     </p:extLst>
   </p:cSld>

--- a/Results.pptx
+++ b/Results.pptx
@@ -10,23 +10,24 @@
     <p:sldId id="278" r:id="rId4"/>
     <p:sldId id="277" r:id="rId5"/>
     <p:sldId id="256" r:id="rId6"/>
-    <p:sldId id="258" r:id="rId7"/>
-    <p:sldId id="257" r:id="rId8"/>
-    <p:sldId id="259" r:id="rId9"/>
-    <p:sldId id="260" r:id="rId10"/>
-    <p:sldId id="261" r:id="rId11"/>
-    <p:sldId id="262" r:id="rId12"/>
-    <p:sldId id="263" r:id="rId13"/>
-    <p:sldId id="264" r:id="rId14"/>
-    <p:sldId id="265" r:id="rId15"/>
-    <p:sldId id="266" r:id="rId16"/>
-    <p:sldId id="267" r:id="rId17"/>
-    <p:sldId id="268" r:id="rId18"/>
-    <p:sldId id="269" r:id="rId19"/>
-    <p:sldId id="270" r:id="rId20"/>
-    <p:sldId id="271" r:id="rId21"/>
-    <p:sldId id="272" r:id="rId22"/>
-    <p:sldId id="273" r:id="rId23"/>
+    <p:sldId id="279" r:id="rId7"/>
+    <p:sldId id="258" r:id="rId8"/>
+    <p:sldId id="257" r:id="rId9"/>
+    <p:sldId id="259" r:id="rId10"/>
+    <p:sldId id="260" r:id="rId11"/>
+    <p:sldId id="261" r:id="rId12"/>
+    <p:sldId id="262" r:id="rId13"/>
+    <p:sldId id="263" r:id="rId14"/>
+    <p:sldId id="264" r:id="rId15"/>
+    <p:sldId id="265" r:id="rId16"/>
+    <p:sldId id="266" r:id="rId17"/>
+    <p:sldId id="267" r:id="rId18"/>
+    <p:sldId id="268" r:id="rId19"/>
+    <p:sldId id="269" r:id="rId20"/>
+    <p:sldId id="270" r:id="rId21"/>
+    <p:sldId id="271" r:id="rId22"/>
+    <p:sldId id="272" r:id="rId23"/>
+    <p:sldId id="273" r:id="rId24"/>
   </p:sldIdLst>
   <p:sldSz cx="12192000" cy="6858000"/>
   <p:notesSz cx="6858000" cy="9144000"/>
@@ -276,7 +277,7 @@
           <a:p>
             <a:fld id="{8C4928E7-25E9-4A35-8DE4-756C3B164F1F}" type="datetimeFigureOut">
               <a:rPr lang="en-US" smtClean="0"/>
-              <a:t>7/6/2023</a:t>
+              <a:t>7/13/2023</a:t>
             </a:fld>
             <a:endParaRPr lang="en-US"/>
           </a:p>
@@ -446,7 +447,7 @@
           <a:p>
             <a:fld id="{8C4928E7-25E9-4A35-8DE4-756C3B164F1F}" type="datetimeFigureOut">
               <a:rPr lang="en-US" smtClean="0"/>
-              <a:t>7/6/2023</a:t>
+              <a:t>7/13/2023</a:t>
             </a:fld>
             <a:endParaRPr lang="en-US"/>
           </a:p>
@@ -626,7 +627,7 @@
           <a:p>
             <a:fld id="{8C4928E7-25E9-4A35-8DE4-756C3B164F1F}" type="datetimeFigureOut">
               <a:rPr lang="en-US" smtClean="0"/>
-              <a:t>7/6/2023</a:t>
+              <a:t>7/13/2023</a:t>
             </a:fld>
             <a:endParaRPr lang="en-US"/>
           </a:p>
@@ -796,7 +797,7 @@
           <a:p>
             <a:fld id="{8C4928E7-25E9-4A35-8DE4-756C3B164F1F}" type="datetimeFigureOut">
               <a:rPr lang="en-US" smtClean="0"/>
-              <a:t>7/6/2023</a:t>
+              <a:t>7/13/2023</a:t>
             </a:fld>
             <a:endParaRPr lang="en-US"/>
           </a:p>
@@ -1042,7 +1043,7 @@
           <a:p>
             <a:fld id="{8C4928E7-25E9-4A35-8DE4-756C3B164F1F}" type="datetimeFigureOut">
               <a:rPr lang="en-US" smtClean="0"/>
-              <a:t>7/6/2023</a:t>
+              <a:t>7/13/2023</a:t>
             </a:fld>
             <a:endParaRPr lang="en-US"/>
           </a:p>
@@ -1274,7 +1275,7 @@
           <a:p>
             <a:fld id="{8C4928E7-25E9-4A35-8DE4-756C3B164F1F}" type="datetimeFigureOut">
               <a:rPr lang="en-US" smtClean="0"/>
-              <a:t>7/6/2023</a:t>
+              <a:t>7/13/2023</a:t>
             </a:fld>
             <a:endParaRPr lang="en-US"/>
           </a:p>
@@ -1641,7 +1642,7 @@
           <a:p>
             <a:fld id="{8C4928E7-25E9-4A35-8DE4-756C3B164F1F}" type="datetimeFigureOut">
               <a:rPr lang="en-US" smtClean="0"/>
-              <a:t>7/6/2023</a:t>
+              <a:t>7/13/2023</a:t>
             </a:fld>
             <a:endParaRPr lang="en-US"/>
           </a:p>
@@ -1759,7 +1760,7 @@
           <a:p>
             <a:fld id="{8C4928E7-25E9-4A35-8DE4-756C3B164F1F}" type="datetimeFigureOut">
               <a:rPr lang="en-US" smtClean="0"/>
-              <a:t>7/6/2023</a:t>
+              <a:t>7/13/2023</a:t>
             </a:fld>
             <a:endParaRPr lang="en-US"/>
           </a:p>
@@ -1854,7 +1855,7 @@
           <a:p>
             <a:fld id="{8C4928E7-25E9-4A35-8DE4-756C3B164F1F}" type="datetimeFigureOut">
               <a:rPr lang="en-US" smtClean="0"/>
-              <a:t>7/6/2023</a:t>
+              <a:t>7/13/2023</a:t>
             </a:fld>
             <a:endParaRPr lang="en-US"/>
           </a:p>
@@ -2131,7 +2132,7 @@
           <a:p>
             <a:fld id="{8C4928E7-25E9-4A35-8DE4-756C3B164F1F}" type="datetimeFigureOut">
               <a:rPr lang="en-US" smtClean="0"/>
-              <a:t>7/6/2023</a:t>
+              <a:t>7/13/2023</a:t>
             </a:fld>
             <a:endParaRPr lang="en-US"/>
           </a:p>
@@ -2384,7 +2385,7 @@
           <a:p>
             <a:fld id="{8C4928E7-25E9-4A35-8DE4-756C3B164F1F}" type="datetimeFigureOut">
               <a:rPr lang="en-US" smtClean="0"/>
-              <a:t>7/6/2023</a:t>
+              <a:t>7/13/2023</a:t>
             </a:fld>
             <a:endParaRPr lang="en-US"/>
           </a:p>
@@ -2597,7 +2598,7 @@
           <a:p>
             <a:fld id="{8C4928E7-25E9-4A35-8DE4-756C3B164F1F}" type="datetimeFigureOut">
               <a:rPr lang="en-US" smtClean="0"/>
-              <a:t>7/6/2023</a:t>
+              <a:t>7/13/2023</a:t>
             </a:fld>
             <a:endParaRPr lang="en-US"/>
           </a:p>
@@ -3065,8 +3066,8 @@
         </p:nvSpPr>
         <p:spPr>
           <a:xfrm>
-            <a:off x="1128888" y="485422"/>
-            <a:ext cx="6784827" cy="461665"/>
+            <a:off x="1128889" y="485422"/>
+            <a:ext cx="4323644" cy="461665"/>
           </a:xfrm>
           <a:prstGeom prst="rect">
             <a:avLst/>
@@ -3081,7 +3082,7 @@
           <a:p>
             <a:r>
               <a:rPr lang="en-US" sz="2400" b="1" dirty="0" smtClean="0"/>
-              <a:t>LULESH results – additional points</a:t>
+              <a:t>LULESH results - cost</a:t>
             </a:r>
             <a:endParaRPr lang="en-US" sz="2400" b="1" dirty="0"/>
           </a:p>
@@ -3109,97 +3110,7 @@
         </p:blipFill>
         <p:spPr>
           <a:xfrm>
-            <a:off x="0" y="-477987"/>
-            <a:ext cx="5852172" cy="4389129"/>
-          </a:xfrm>
-          <a:prstGeom prst="rect">
-            <a:avLst/>
-          </a:prstGeom>
-        </p:spPr>
-      </p:pic>
-      <p:pic>
-        <p:nvPicPr>
-          <p:cNvPr id="3" name="Grafik 2"/>
-          <p:cNvPicPr>
-            <a:picLocks noChangeAspect="1"/>
-          </p:cNvPicPr>
-          <p:nvPr/>
-        </p:nvPicPr>
-        <p:blipFill>
-          <a:blip r:embed="rId2">
-            <a:extLst>
-              <a:ext uri="{28A0092B-C50C-407E-A947-70E740481C1C}">
-                <a14:useLocalDpi xmlns:a14="http://schemas.microsoft.com/office/drawing/2010/main" val="0"/>
-              </a:ext>
-            </a:extLst>
-          </a:blip>
-          <a:stretch>
-            <a:fillRect/>
-          </a:stretch>
-        </p:blipFill>
-        <p:spPr>
-          <a:xfrm>
-            <a:off x="5896507" y="-943499"/>
-            <a:ext cx="5852172" cy="4389129"/>
-          </a:xfrm>
-          <a:prstGeom prst="rect">
-            <a:avLst/>
-          </a:prstGeom>
-        </p:spPr>
-      </p:pic>
-      <p:pic>
-        <p:nvPicPr>
-          <p:cNvPr id="4" name="Grafik 3"/>
-          <p:cNvPicPr>
-            <a:picLocks noChangeAspect="1"/>
-          </p:cNvPicPr>
-          <p:nvPr/>
-        </p:nvPicPr>
-        <p:blipFill>
-          <a:blip r:embed="rId2">
-            <a:extLst>
-              <a:ext uri="{28A0092B-C50C-407E-A947-70E740481C1C}">
-                <a14:useLocalDpi xmlns:a14="http://schemas.microsoft.com/office/drawing/2010/main" val="0"/>
-              </a:ext>
-            </a:extLst>
-          </a:blip>
-          <a:stretch>
-            <a:fillRect/>
-          </a:stretch>
-        </p:blipFill>
-        <p:spPr>
-          <a:xfrm>
-            <a:off x="44335" y="3198605"/>
-            <a:ext cx="5852172" cy="4389129"/>
-          </a:xfrm>
-          <a:prstGeom prst="rect">
-            <a:avLst/>
-          </a:prstGeom>
-        </p:spPr>
-      </p:pic>
-      <p:pic>
-        <p:nvPicPr>
-          <p:cNvPr id="5" name="Grafik 4"/>
-          <p:cNvPicPr>
-            <a:picLocks noChangeAspect="1"/>
-          </p:cNvPicPr>
-          <p:nvPr/>
-        </p:nvPicPr>
-        <p:blipFill>
-          <a:blip r:embed="rId2">
-            <a:extLst>
-              <a:ext uri="{28A0092B-C50C-407E-A947-70E740481C1C}">
-                <a14:useLocalDpi xmlns:a14="http://schemas.microsoft.com/office/drawing/2010/main" val="0"/>
-              </a:ext>
-            </a:extLst>
-          </a:blip>
-          <a:stretch>
-            <a:fillRect/>
-          </a:stretch>
-        </p:blipFill>
-        <p:spPr>
-          <a:xfrm>
-            <a:off x="5447601" y="3198605"/>
+            <a:off x="3104147" y="1459705"/>
             <a:ext cx="5852172" cy="4389129"/>
           </a:xfrm>
           <a:prstGeom prst="rect">
@@ -3210,7 +3121,7 @@
     </p:spTree>
     <p:extLst>
       <p:ext uri="{BB962C8B-B14F-4D97-AF65-F5344CB8AC3E}">
-        <p14:creationId xmlns:p14="http://schemas.microsoft.com/office/powerpoint/2010/main" val="813284526"/>
+        <p14:creationId xmlns:p14="http://schemas.microsoft.com/office/powerpoint/2010/main" val="3148833393"/>
       </p:ext>
     </p:extLst>
   </p:cSld>
@@ -3245,8 +3156,8 @@
         </p:nvSpPr>
         <p:spPr>
           <a:xfrm>
-            <a:off x="1128889" y="485422"/>
-            <a:ext cx="4323644" cy="461665"/>
+            <a:off x="1128888" y="485422"/>
+            <a:ext cx="6784827" cy="461665"/>
           </a:xfrm>
           <a:prstGeom prst="rect">
             <a:avLst/>
@@ -3260,21 +3171,47 @@
           <a:lstStyle/>
           <a:p>
             <a:r>
-              <a:rPr lang="en-US" sz="2400" b="1" dirty="0" err="1" smtClean="0"/>
-              <a:t>MiniFE</a:t>
-            </a:r>
-            <a:r>
               <a:rPr lang="en-US" sz="2400" b="1" dirty="0" smtClean="0"/>
-              <a:t> results</a:t>
+              <a:t>LULESH results – additional points</a:t>
             </a:r>
             <a:endParaRPr lang="en-US" sz="2400" b="1" dirty="0"/>
           </a:p>
         </p:txBody>
       </p:sp>
+      <p:pic>
+        <p:nvPicPr>
+          <p:cNvPr id="2" name="Grafik 1"/>
+          <p:cNvPicPr>
+            <a:picLocks noChangeAspect="1"/>
+          </p:cNvPicPr>
+          <p:nvPr/>
+        </p:nvPicPr>
+        <p:blipFill>
+          <a:blip r:embed="rId2">
+            <a:extLst>
+              <a:ext uri="{28A0092B-C50C-407E-A947-70E740481C1C}">
+                <a14:useLocalDpi xmlns:a14="http://schemas.microsoft.com/office/drawing/2010/main" val="0"/>
+              </a:ext>
+            </a:extLst>
+          </a:blip>
+          <a:stretch>
+            <a:fillRect/>
+          </a:stretch>
+        </p:blipFill>
+        <p:spPr>
+          <a:xfrm>
+            <a:off x="2815390" y="1607486"/>
+            <a:ext cx="5852172" cy="4389129"/>
+          </a:xfrm>
+          <a:prstGeom prst="rect">
+            <a:avLst/>
+          </a:prstGeom>
+        </p:spPr>
+      </p:pic>
     </p:spTree>
     <p:extLst>
       <p:ext uri="{BB962C8B-B14F-4D97-AF65-F5344CB8AC3E}">
-        <p14:creationId xmlns:p14="http://schemas.microsoft.com/office/powerpoint/2010/main" val="3761832199"/>
+        <p14:creationId xmlns:p14="http://schemas.microsoft.com/office/powerpoint/2010/main" val="813284526"/>
       </p:ext>
     </p:extLst>
   </p:cSld>
@@ -3329,16 +3266,140 @@
             </a:r>
             <a:r>
               <a:rPr lang="en-US" sz="2400" b="1" dirty="0" smtClean="0"/>
-              <a:t> results</a:t>
+              <a:t> </a:t>
+            </a:r>
+            <a:r>
+              <a:rPr lang="en-US" sz="2400" b="1" dirty="0" smtClean="0"/>
+              <a:t>results - accuracy</a:t>
             </a:r>
             <a:endParaRPr lang="en-US" sz="2400" b="1" dirty="0"/>
           </a:p>
         </p:txBody>
       </p:sp>
+      <p:pic>
+        <p:nvPicPr>
+          <p:cNvPr id="2" name="Grafik 1"/>
+          <p:cNvPicPr>
+            <a:picLocks noChangeAspect="1"/>
+          </p:cNvPicPr>
+          <p:nvPr/>
+        </p:nvPicPr>
+        <p:blipFill>
+          <a:blip r:embed="rId2">
+            <a:extLst>
+              <a:ext uri="{28A0092B-C50C-407E-A947-70E740481C1C}">
+                <a14:useLocalDpi xmlns:a14="http://schemas.microsoft.com/office/drawing/2010/main" val="0"/>
+              </a:ext>
+            </a:extLst>
+          </a:blip>
+          <a:stretch>
+            <a:fillRect/>
+          </a:stretch>
+        </p:blipFill>
+        <p:spPr>
+          <a:xfrm>
+            <a:off x="487656" y="108432"/>
+            <a:ext cx="5852172" cy="4389129"/>
+          </a:xfrm>
+          <a:prstGeom prst="rect">
+            <a:avLst/>
+          </a:prstGeom>
+        </p:spPr>
+      </p:pic>
+      <p:pic>
+        <p:nvPicPr>
+          <p:cNvPr id="3" name="Grafik 2"/>
+          <p:cNvPicPr>
+            <a:picLocks noChangeAspect="1"/>
+          </p:cNvPicPr>
+          <p:nvPr/>
+        </p:nvPicPr>
+        <p:blipFill>
+          <a:blip r:embed="rId3">
+            <a:extLst>
+              <a:ext uri="{28A0092B-C50C-407E-A947-70E740481C1C}">
+                <a14:useLocalDpi xmlns:a14="http://schemas.microsoft.com/office/drawing/2010/main" val="0"/>
+              </a:ext>
+            </a:extLst>
+          </a:blip>
+          <a:stretch>
+            <a:fillRect/>
+          </a:stretch>
+        </p:blipFill>
+        <p:spPr>
+          <a:xfrm>
+            <a:off x="6339828" y="-72997"/>
+            <a:ext cx="5852172" cy="4389129"/>
+          </a:xfrm>
+          <a:prstGeom prst="rect">
+            <a:avLst/>
+          </a:prstGeom>
+        </p:spPr>
+      </p:pic>
+      <p:pic>
+        <p:nvPicPr>
+          <p:cNvPr id="4" name="Grafik 3"/>
+          <p:cNvPicPr>
+            <a:picLocks noChangeAspect="1"/>
+          </p:cNvPicPr>
+          <p:nvPr/>
+        </p:nvPicPr>
+        <p:blipFill>
+          <a:blip r:embed="rId4">
+            <a:extLst>
+              <a:ext uri="{28A0092B-C50C-407E-A947-70E740481C1C}">
+                <a14:useLocalDpi xmlns:a14="http://schemas.microsoft.com/office/drawing/2010/main" val="0"/>
+              </a:ext>
+            </a:extLst>
+          </a:blip>
+          <a:stretch>
+            <a:fillRect/>
+          </a:stretch>
+        </p:blipFill>
+        <p:spPr>
+          <a:xfrm>
+            <a:off x="218167" y="2484425"/>
+            <a:ext cx="5852172" cy="4389129"/>
+          </a:xfrm>
+          <a:prstGeom prst="rect">
+            <a:avLst/>
+          </a:prstGeom>
+        </p:spPr>
+      </p:pic>
+      <p:pic>
+        <p:nvPicPr>
+          <p:cNvPr id="5" name="Grafik 4"/>
+          <p:cNvPicPr>
+            <a:picLocks noChangeAspect="1"/>
+          </p:cNvPicPr>
+          <p:nvPr/>
+        </p:nvPicPr>
+        <p:blipFill>
+          <a:blip r:embed="rId5">
+            <a:extLst>
+              <a:ext uri="{28A0092B-C50C-407E-A947-70E740481C1C}">
+                <a14:useLocalDpi xmlns:a14="http://schemas.microsoft.com/office/drawing/2010/main" val="0"/>
+              </a:ext>
+            </a:extLst>
+          </a:blip>
+          <a:stretch>
+            <a:fillRect/>
+          </a:stretch>
+        </p:blipFill>
+        <p:spPr>
+          <a:xfrm>
+            <a:off x="5913114" y="2468871"/>
+            <a:ext cx="5852172" cy="4389129"/>
+          </a:xfrm>
+          <a:prstGeom prst="rect">
+            <a:avLst/>
+          </a:prstGeom>
+        </p:spPr>
+      </p:pic>
     </p:spTree>
     <p:extLst>
       <p:ext uri="{BB962C8B-B14F-4D97-AF65-F5344CB8AC3E}">
-        <p14:creationId xmlns:p14="http://schemas.microsoft.com/office/powerpoint/2010/main" val="4115146552"/>
+        <p14:creationId xmlns:p14="http://schemas.microsoft.com/office/powerpoint/2010/main" val="3761832199"/>
       </p:ext>
     </p:extLst>
   </p:cSld>
@@ -3393,16 +3454,50 @@
             </a:r>
             <a:r>
               <a:rPr lang="en-US" sz="2400" b="1" dirty="0" smtClean="0"/>
-              <a:t> results</a:t>
+              <a:t> </a:t>
+            </a:r>
+            <a:r>
+              <a:rPr lang="en-US" sz="2400" b="1" dirty="0" smtClean="0"/>
+              <a:t>results - cost</a:t>
             </a:r>
             <a:endParaRPr lang="en-US" sz="2400" b="1" dirty="0"/>
           </a:p>
         </p:txBody>
       </p:sp>
+      <p:pic>
+        <p:nvPicPr>
+          <p:cNvPr id="2" name="Grafik 1"/>
+          <p:cNvPicPr>
+            <a:picLocks noChangeAspect="1"/>
+          </p:cNvPicPr>
+          <p:nvPr/>
+        </p:nvPicPr>
+        <p:blipFill>
+          <a:blip r:embed="rId2">
+            <a:extLst>
+              <a:ext uri="{28A0092B-C50C-407E-A947-70E740481C1C}">
+                <a14:useLocalDpi xmlns:a14="http://schemas.microsoft.com/office/drawing/2010/main" val="0"/>
+              </a:ext>
+            </a:extLst>
+          </a:blip>
+          <a:stretch>
+            <a:fillRect/>
+          </a:stretch>
+        </p:blipFill>
+        <p:spPr>
+          <a:xfrm>
+            <a:off x="2969387" y="1242455"/>
+            <a:ext cx="5852172" cy="4389129"/>
+          </a:xfrm>
+          <a:prstGeom prst="rect">
+            <a:avLst/>
+          </a:prstGeom>
+        </p:spPr>
+      </p:pic>
     </p:spTree>
     <p:extLst>
       <p:ext uri="{BB962C8B-B14F-4D97-AF65-F5344CB8AC3E}">
-        <p14:creationId xmlns:p14="http://schemas.microsoft.com/office/powerpoint/2010/main" val="1225703755"/>
+        <p14:creationId xmlns:p14="http://schemas.microsoft.com/office/powerpoint/2010/main" val="4115146552"/>
       </p:ext>
     </p:extLst>
   </p:cSld>
@@ -3437,8 +3532,8 @@
         </p:nvSpPr>
         <p:spPr>
           <a:xfrm>
-            <a:off x="1128889" y="485422"/>
-            <a:ext cx="4323644" cy="461665"/>
+            <a:off x="1128888" y="485422"/>
+            <a:ext cx="5087427" cy="461665"/>
           </a:xfrm>
           <a:prstGeom prst="rect">
             <a:avLst/>
@@ -3452,17 +3547,55 @@
           <a:lstStyle/>
           <a:p>
             <a:r>
+              <a:rPr lang="en-US" sz="2400" b="1" dirty="0" err="1" smtClean="0"/>
+              <a:t>MiniFE</a:t>
+            </a:r>
+            <a:r>
               <a:rPr lang="en-US" sz="2400" b="1" dirty="0" smtClean="0"/>
-              <a:t>Kripke results</a:t>
+              <a:t> </a:t>
+            </a:r>
+            <a:r>
+              <a:rPr lang="en-US" sz="2400" b="1" dirty="0" smtClean="0"/>
+              <a:t>results – additional points</a:t>
             </a:r>
             <a:endParaRPr lang="en-US" sz="2400" b="1" dirty="0"/>
           </a:p>
         </p:txBody>
       </p:sp>
+      <p:pic>
+        <p:nvPicPr>
+          <p:cNvPr id="2" name="Grafik 1"/>
+          <p:cNvPicPr>
+            <a:picLocks noChangeAspect="1"/>
+          </p:cNvPicPr>
+          <p:nvPr/>
+        </p:nvPicPr>
+        <p:blipFill>
+          <a:blip r:embed="rId2">
+            <a:extLst>
+              <a:ext uri="{28A0092B-C50C-407E-A947-70E740481C1C}">
+                <a14:useLocalDpi xmlns:a14="http://schemas.microsoft.com/office/drawing/2010/main" val="0"/>
+              </a:ext>
+            </a:extLst>
+          </a:blip>
+          <a:stretch>
+            <a:fillRect/>
+          </a:stretch>
+        </p:blipFill>
+        <p:spPr>
+          <a:xfrm>
+            <a:off x="3057620" y="1090056"/>
+            <a:ext cx="5852172" cy="4389129"/>
+          </a:xfrm>
+          <a:prstGeom prst="rect">
+            <a:avLst/>
+          </a:prstGeom>
+        </p:spPr>
+      </p:pic>
     </p:spTree>
     <p:extLst>
       <p:ext uri="{BB962C8B-B14F-4D97-AF65-F5344CB8AC3E}">
-        <p14:creationId xmlns:p14="http://schemas.microsoft.com/office/powerpoint/2010/main" val="3659605943"/>
+        <p14:creationId xmlns:p14="http://schemas.microsoft.com/office/powerpoint/2010/main" val="1225703755"/>
       </p:ext>
     </p:extLst>
   </p:cSld>
@@ -3522,7 +3655,7 @@
     </p:spTree>
     <p:extLst>
       <p:ext uri="{BB962C8B-B14F-4D97-AF65-F5344CB8AC3E}">
-        <p14:creationId xmlns:p14="http://schemas.microsoft.com/office/powerpoint/2010/main" val="2176036657"/>
+        <p14:creationId xmlns:p14="http://schemas.microsoft.com/office/powerpoint/2010/main" val="3659605943"/>
       </p:ext>
     </p:extLst>
   </p:cSld>
@@ -3582,7 +3715,7 @@
     </p:spTree>
     <p:extLst>
       <p:ext uri="{BB962C8B-B14F-4D97-AF65-F5344CB8AC3E}">
-        <p14:creationId xmlns:p14="http://schemas.microsoft.com/office/powerpoint/2010/main" val="3830810872"/>
+        <p14:creationId xmlns:p14="http://schemas.microsoft.com/office/powerpoint/2010/main" val="2176036657"/>
       </p:ext>
     </p:extLst>
   </p:cSld>
@@ -3633,7 +3766,7 @@
           <a:p>
             <a:r>
               <a:rPr lang="en-US" sz="2400" b="1" dirty="0" smtClean="0"/>
-              <a:t>FASTEST results</a:t>
+              <a:t>Kripke results</a:t>
             </a:r>
             <a:endParaRPr lang="en-US" sz="2400" b="1" dirty="0"/>
           </a:p>
@@ -3642,7 +3775,7 @@
     </p:spTree>
     <p:extLst>
       <p:ext uri="{BB962C8B-B14F-4D97-AF65-F5344CB8AC3E}">
-        <p14:creationId xmlns:p14="http://schemas.microsoft.com/office/powerpoint/2010/main" val="754757463"/>
+        <p14:creationId xmlns:p14="http://schemas.microsoft.com/office/powerpoint/2010/main" val="3830810872"/>
       </p:ext>
     </p:extLst>
   </p:cSld>
@@ -3693,16 +3826,140 @@
           <a:p>
             <a:r>
               <a:rPr lang="en-US" sz="2400" b="1" dirty="0" smtClean="0"/>
-              <a:t>FASTEST results</a:t>
+              <a:t>FASTEST </a:t>
+            </a:r>
+            <a:r>
+              <a:rPr lang="en-US" sz="2400" b="1" dirty="0" smtClean="0"/>
+              <a:t>results - accuracy</a:t>
             </a:r>
             <a:endParaRPr lang="en-US" sz="2400" b="1" dirty="0"/>
           </a:p>
         </p:txBody>
       </p:sp>
+      <p:pic>
+        <p:nvPicPr>
+          <p:cNvPr id="2" name="Grafik 1"/>
+          <p:cNvPicPr>
+            <a:picLocks noChangeAspect="1"/>
+          </p:cNvPicPr>
+          <p:nvPr/>
+        </p:nvPicPr>
+        <p:blipFill>
+          <a:blip r:embed="rId2">
+            <a:extLst>
+              <a:ext uri="{28A0092B-C50C-407E-A947-70E740481C1C}">
+                <a14:useLocalDpi xmlns:a14="http://schemas.microsoft.com/office/drawing/2010/main" val="0"/>
+              </a:ext>
+            </a:extLst>
+          </a:blip>
+          <a:stretch>
+            <a:fillRect/>
+          </a:stretch>
+        </p:blipFill>
+        <p:spPr>
+          <a:xfrm>
+            <a:off x="6097599" y="2468871"/>
+            <a:ext cx="5852172" cy="4389129"/>
+          </a:xfrm>
+          <a:prstGeom prst="rect">
+            <a:avLst/>
+          </a:prstGeom>
+        </p:spPr>
+      </p:pic>
+      <p:pic>
+        <p:nvPicPr>
+          <p:cNvPr id="3" name="Grafik 2"/>
+          <p:cNvPicPr>
+            <a:picLocks noChangeAspect="1"/>
+          </p:cNvPicPr>
+          <p:nvPr/>
+        </p:nvPicPr>
+        <p:blipFill>
+          <a:blip r:embed="rId3">
+            <a:extLst>
+              <a:ext uri="{28A0092B-C50C-407E-A947-70E740481C1C}">
+                <a14:useLocalDpi xmlns:a14="http://schemas.microsoft.com/office/drawing/2010/main" val="0"/>
+              </a:ext>
+            </a:extLst>
+          </a:blip>
+          <a:stretch>
+            <a:fillRect/>
+          </a:stretch>
+        </p:blipFill>
+        <p:spPr>
+          <a:xfrm>
+            <a:off x="599160" y="-381028"/>
+            <a:ext cx="5852172" cy="4389129"/>
+          </a:xfrm>
+          <a:prstGeom prst="rect">
+            <a:avLst/>
+          </a:prstGeom>
+        </p:spPr>
+      </p:pic>
+      <p:pic>
+        <p:nvPicPr>
+          <p:cNvPr id="4" name="Grafik 3"/>
+          <p:cNvPicPr>
+            <a:picLocks noChangeAspect="1"/>
+          </p:cNvPicPr>
+          <p:nvPr/>
+        </p:nvPicPr>
+        <p:blipFill>
+          <a:blip r:embed="rId4">
+            <a:extLst>
+              <a:ext uri="{28A0092B-C50C-407E-A947-70E740481C1C}">
+                <a14:useLocalDpi xmlns:a14="http://schemas.microsoft.com/office/drawing/2010/main" val="0"/>
+              </a:ext>
+            </a:extLst>
+          </a:blip>
+          <a:stretch>
+            <a:fillRect/>
+          </a:stretch>
+        </p:blipFill>
+        <p:spPr>
+          <a:xfrm>
+            <a:off x="6074746" y="-275471"/>
+            <a:ext cx="5852172" cy="4389129"/>
+          </a:xfrm>
+          <a:prstGeom prst="rect">
+            <a:avLst/>
+          </a:prstGeom>
+        </p:spPr>
+      </p:pic>
+      <p:pic>
+        <p:nvPicPr>
+          <p:cNvPr id="5" name="Grafik 4"/>
+          <p:cNvPicPr>
+            <a:picLocks noChangeAspect="1"/>
+          </p:cNvPicPr>
+          <p:nvPr/>
+        </p:nvPicPr>
+        <p:blipFill>
+          <a:blip r:embed="rId5">
+            <a:extLst>
+              <a:ext uri="{28A0092B-C50C-407E-A947-70E740481C1C}">
+                <a14:useLocalDpi xmlns:a14="http://schemas.microsoft.com/office/drawing/2010/main" val="0"/>
+              </a:ext>
+            </a:extLst>
+          </a:blip>
+          <a:stretch>
+            <a:fillRect/>
+          </a:stretch>
+        </p:blipFill>
+        <p:spPr>
+          <a:xfrm>
+            <a:off x="399440" y="2679986"/>
+            <a:ext cx="5852172" cy="4389129"/>
+          </a:xfrm>
+          <a:prstGeom prst="rect">
+            <a:avLst/>
+          </a:prstGeom>
+        </p:spPr>
+      </p:pic>
     </p:spTree>
     <p:extLst>
       <p:ext uri="{BB962C8B-B14F-4D97-AF65-F5344CB8AC3E}">
-        <p14:creationId xmlns:p14="http://schemas.microsoft.com/office/powerpoint/2010/main" val="1981088456"/>
+        <p14:creationId xmlns:p14="http://schemas.microsoft.com/office/powerpoint/2010/main" val="754757463"/>
       </p:ext>
     </p:extLst>
   </p:cSld>
@@ -3753,16 +4010,50 @@
           <a:p>
             <a:r>
               <a:rPr lang="en-US" sz="2400" b="1" dirty="0" smtClean="0"/>
-              <a:t>FASTEST results</a:t>
+              <a:t>FASTEST </a:t>
+            </a:r>
+            <a:r>
+              <a:rPr lang="en-US" sz="2400" b="1" dirty="0" smtClean="0"/>
+              <a:t>results - cost</a:t>
             </a:r>
             <a:endParaRPr lang="en-US" sz="2400" b="1" dirty="0"/>
           </a:p>
         </p:txBody>
       </p:sp>
+      <p:pic>
+        <p:nvPicPr>
+          <p:cNvPr id="2" name="Grafik 1"/>
+          <p:cNvPicPr>
+            <a:picLocks noChangeAspect="1"/>
+          </p:cNvPicPr>
+          <p:nvPr/>
+        </p:nvPicPr>
+        <p:blipFill>
+          <a:blip r:embed="rId2">
+            <a:extLst>
+              <a:ext uri="{28A0092B-C50C-407E-A947-70E740481C1C}">
+                <a14:useLocalDpi xmlns:a14="http://schemas.microsoft.com/office/drawing/2010/main" val="0"/>
+              </a:ext>
+            </a:extLst>
+          </a:blip>
+          <a:stretch>
+            <a:fillRect/>
+          </a:stretch>
+        </p:blipFill>
+        <p:spPr>
+          <a:xfrm>
+            <a:off x="2897198" y="1410898"/>
+            <a:ext cx="5852172" cy="4389129"/>
+          </a:xfrm>
+          <a:prstGeom prst="rect">
+            <a:avLst/>
+          </a:prstGeom>
+        </p:spPr>
+      </p:pic>
     </p:spTree>
     <p:extLst>
       <p:ext uri="{BB962C8B-B14F-4D97-AF65-F5344CB8AC3E}">
-        <p14:creationId xmlns:p14="http://schemas.microsoft.com/office/powerpoint/2010/main" val="2744005304"/>
+        <p14:creationId xmlns:p14="http://schemas.microsoft.com/office/powerpoint/2010/main" val="1981088456"/>
       </p:ext>
     </p:extLst>
   </p:cSld>
@@ -3929,7 +4220,7 @@
         <p:spPr>
           <a:xfrm>
             <a:off x="1128889" y="485422"/>
-            <a:ext cx="4323644" cy="461665"/>
+            <a:ext cx="4975132" cy="461665"/>
           </a:xfrm>
           <a:prstGeom prst="rect">
             <a:avLst/>
@@ -3944,16 +4235,50 @@
           <a:p>
             <a:r>
               <a:rPr lang="en-US" sz="2400" b="1" dirty="0" smtClean="0"/>
-              <a:t>Quicksilver results</a:t>
+              <a:t>FASTEST </a:t>
+            </a:r>
+            <a:r>
+              <a:rPr lang="en-US" sz="2400" b="1" dirty="0" smtClean="0"/>
+              <a:t>results – additional points</a:t>
             </a:r>
             <a:endParaRPr lang="en-US" sz="2400" b="1" dirty="0"/>
           </a:p>
         </p:txBody>
       </p:sp>
+      <p:pic>
+        <p:nvPicPr>
+          <p:cNvPr id="2" name="Grafik 1"/>
+          <p:cNvPicPr>
+            <a:picLocks noChangeAspect="1"/>
+          </p:cNvPicPr>
+          <p:nvPr/>
+        </p:nvPicPr>
+        <p:blipFill>
+          <a:blip r:embed="rId2">
+            <a:extLst>
+              <a:ext uri="{28A0092B-C50C-407E-A947-70E740481C1C}">
+                <a14:useLocalDpi xmlns:a14="http://schemas.microsoft.com/office/drawing/2010/main" val="0"/>
+              </a:ext>
+            </a:extLst>
+          </a:blip>
+          <a:stretch>
+            <a:fillRect/>
+          </a:stretch>
+        </p:blipFill>
+        <p:spPr>
+          <a:xfrm>
+            <a:off x="3169914" y="1234435"/>
+            <a:ext cx="5852172" cy="4389129"/>
+          </a:xfrm>
+          <a:prstGeom prst="rect">
+            <a:avLst/>
+          </a:prstGeom>
+        </p:spPr>
+      </p:pic>
     </p:spTree>
     <p:extLst>
       <p:ext uri="{BB962C8B-B14F-4D97-AF65-F5344CB8AC3E}">
-        <p14:creationId xmlns:p14="http://schemas.microsoft.com/office/powerpoint/2010/main" val="760213402"/>
+        <p14:creationId xmlns:p14="http://schemas.microsoft.com/office/powerpoint/2010/main" val="2744005304"/>
       </p:ext>
     </p:extLst>
   </p:cSld>
@@ -4013,6 +4338,66 @@
     </p:spTree>
     <p:extLst>
       <p:ext uri="{BB962C8B-B14F-4D97-AF65-F5344CB8AC3E}">
+        <p14:creationId xmlns:p14="http://schemas.microsoft.com/office/powerpoint/2010/main" val="760213402"/>
+      </p:ext>
+    </p:extLst>
+  </p:cSld>
+  <p:clrMapOvr>
+    <a:masterClrMapping/>
+  </p:clrMapOvr>
+</p:sld>
+</file>
+
+<file path=ppt/slides/slide22.xml><?xml version="1.0" encoding="utf-8"?>
+<p:sld xmlns:a="http://schemas.openxmlformats.org/drawingml/2006/main" xmlns:r="http://schemas.openxmlformats.org/officeDocument/2006/relationships" xmlns:p="http://schemas.openxmlformats.org/presentationml/2006/main">
+  <p:cSld>
+    <p:spTree>
+      <p:nvGrpSpPr>
+        <p:cNvPr id="1" name=""/>
+        <p:cNvGrpSpPr/>
+        <p:nvPr/>
+      </p:nvGrpSpPr>
+      <p:grpSpPr>
+        <a:xfrm>
+          <a:off x="0" y="0"/>
+          <a:ext cx="0" cy="0"/>
+          <a:chOff x="0" y="0"/>
+          <a:chExt cx="0" cy="0"/>
+        </a:xfrm>
+      </p:grpSpPr>
+      <p:sp>
+        <p:nvSpPr>
+          <p:cNvPr id="14" name="Textfeld 13"/>
+          <p:cNvSpPr txBox="1"/>
+          <p:nvPr/>
+        </p:nvSpPr>
+        <p:spPr>
+          <a:xfrm>
+            <a:off x="1128889" y="485422"/>
+            <a:ext cx="4323644" cy="461665"/>
+          </a:xfrm>
+          <a:prstGeom prst="rect">
+            <a:avLst/>
+          </a:prstGeom>
+          <a:noFill/>
+        </p:spPr>
+        <p:txBody>
+          <a:bodyPr wrap="square" rtlCol="0">
+            <a:spAutoFit/>
+          </a:bodyPr>
+          <a:lstStyle/>
+          <a:p>
+            <a:r>
+              <a:rPr lang="en-US" sz="2400" b="1" dirty="0" smtClean="0"/>
+              <a:t>Quicksilver results</a:t>
+            </a:r>
+            <a:endParaRPr lang="en-US" sz="2400" b="1" dirty="0"/>
+          </a:p>
+        </p:txBody>
+      </p:sp>
+    </p:spTree>
+    <p:extLst>
+      <p:ext uri="{BB962C8B-B14F-4D97-AF65-F5344CB8AC3E}">
         <p14:creationId xmlns:p14="http://schemas.microsoft.com/office/powerpoint/2010/main" val="4067684214"/>
       </p:ext>
     </p:extLst>
@@ -4023,7 +4408,7 @@
 </p:sld>
 </file>
 
-<file path=ppt/slides/slide22.xml><?xml version="1.0" encoding="utf-8"?>
+<file path=ppt/slides/slide23.xml><?xml version="1.0" encoding="utf-8"?>
 <p:sld xmlns:a="http://schemas.openxmlformats.org/drawingml/2006/main" xmlns:r="http://schemas.openxmlformats.org/officeDocument/2006/relationships" xmlns:p="http://schemas.openxmlformats.org/presentationml/2006/main">
   <p:cSld>
     <p:spTree>
@@ -5473,6 +5858,156 @@
         </p:blipFill>
         <p:spPr>
           <a:xfrm>
+            <a:off x="651304" y="716254"/>
+            <a:ext cx="5852172" cy="4389129"/>
+          </a:xfrm>
+          <a:prstGeom prst="rect">
+            <a:avLst/>
+          </a:prstGeom>
+        </p:spPr>
+      </p:pic>
+      <p:pic>
+        <p:nvPicPr>
+          <p:cNvPr id="3" name="Grafik 2"/>
+          <p:cNvPicPr>
+            <a:picLocks noChangeAspect="1"/>
+          </p:cNvPicPr>
+          <p:nvPr/>
+        </p:nvPicPr>
+        <p:blipFill>
+          <a:blip r:embed="rId3">
+            <a:extLst>
+              <a:ext uri="{28A0092B-C50C-407E-A947-70E740481C1C}">
+                <a14:useLocalDpi xmlns:a14="http://schemas.microsoft.com/office/drawing/2010/main" val="0"/>
+              </a:ext>
+            </a:extLst>
+          </a:blip>
+          <a:stretch>
+            <a:fillRect/>
+          </a:stretch>
+        </p:blipFill>
+        <p:spPr>
+          <a:xfrm>
+            <a:off x="6073535" y="468556"/>
+            <a:ext cx="5852172" cy="4389129"/>
+          </a:xfrm>
+          <a:prstGeom prst="rect">
+            <a:avLst/>
+          </a:prstGeom>
+        </p:spPr>
+      </p:pic>
+      <p:pic>
+        <p:nvPicPr>
+          <p:cNvPr id="6" name="Grafik 5"/>
+          <p:cNvPicPr>
+            <a:picLocks noChangeAspect="1"/>
+          </p:cNvPicPr>
+          <p:nvPr/>
+        </p:nvPicPr>
+        <p:blipFill>
+          <a:blip r:embed="rId4">
+            <a:extLst>
+              <a:ext uri="{28A0092B-C50C-407E-A947-70E740481C1C}">
+                <a14:useLocalDpi xmlns:a14="http://schemas.microsoft.com/office/drawing/2010/main" val="0"/>
+              </a:ext>
+            </a:extLst>
+          </a:blip>
+          <a:stretch>
+            <a:fillRect/>
+          </a:stretch>
+        </p:blipFill>
+        <p:spPr>
+          <a:xfrm>
+            <a:off x="2439999" y="2468871"/>
+            <a:ext cx="5852172" cy="4389129"/>
+          </a:xfrm>
+          <a:prstGeom prst="rect">
+            <a:avLst/>
+          </a:prstGeom>
+        </p:spPr>
+      </p:pic>
+    </p:spTree>
+    <p:extLst>
+      <p:ext uri="{BB962C8B-B14F-4D97-AF65-F5344CB8AC3E}">
+        <p14:creationId xmlns:p14="http://schemas.microsoft.com/office/powerpoint/2010/main" val="2623534869"/>
+      </p:ext>
+    </p:extLst>
+  </p:cSld>
+  <p:clrMapOvr>
+    <a:masterClrMapping/>
+  </p:clrMapOvr>
+</p:sld>
+</file>
+
+<file path=ppt/slides/slide7.xml><?xml version="1.0" encoding="utf-8"?>
+<p:sld xmlns:a="http://schemas.openxmlformats.org/drawingml/2006/main" xmlns:r="http://schemas.openxmlformats.org/officeDocument/2006/relationships" xmlns:p="http://schemas.openxmlformats.org/presentationml/2006/main">
+  <p:cSld>
+    <p:spTree>
+      <p:nvGrpSpPr>
+        <p:cNvPr id="1" name=""/>
+        <p:cNvGrpSpPr/>
+        <p:nvPr/>
+      </p:nvGrpSpPr>
+      <p:grpSpPr>
+        <a:xfrm>
+          <a:off x="0" y="0"/>
+          <a:ext cx="0" cy="0"/>
+          <a:chOff x="0" y="0"/>
+          <a:chExt cx="0" cy="0"/>
+        </a:xfrm>
+      </p:grpSpPr>
+      <p:sp>
+        <p:nvSpPr>
+          <p:cNvPr id="14" name="Textfeld 13"/>
+          <p:cNvSpPr txBox="1"/>
+          <p:nvPr/>
+        </p:nvSpPr>
+        <p:spPr>
+          <a:xfrm>
+            <a:off x="1128889" y="485422"/>
+            <a:ext cx="4323644" cy="461665"/>
+          </a:xfrm>
+          <a:prstGeom prst="rect">
+            <a:avLst/>
+          </a:prstGeom>
+          <a:noFill/>
+        </p:spPr>
+        <p:txBody>
+          <a:bodyPr wrap="square" rtlCol="0">
+            <a:spAutoFit/>
+          </a:bodyPr>
+          <a:lstStyle/>
+          <a:p>
+            <a:r>
+              <a:rPr lang="en-US" sz="2400" b="1" dirty="0" smtClean="0"/>
+              <a:t>Relearn results</a:t>
+            </a:r>
+            <a:endParaRPr lang="en-US" sz="2400" b="1" dirty="0"/>
+          </a:p>
+        </p:txBody>
+      </p:sp>
+      <p:pic>
+        <p:nvPicPr>
+          <p:cNvPr id="2" name="Grafik 1"/>
+          <p:cNvPicPr>
+            <a:picLocks noChangeAspect="1"/>
+          </p:cNvPicPr>
+          <p:nvPr/>
+        </p:nvPicPr>
+        <p:blipFill>
+          <a:blip r:embed="rId2">
+            <a:extLst>
+              <a:ext uri="{28A0092B-C50C-407E-A947-70E740481C1C}">
+                <a14:useLocalDpi xmlns:a14="http://schemas.microsoft.com/office/drawing/2010/main" val="0"/>
+              </a:ext>
+            </a:extLst>
+          </a:blip>
+          <a:stretch>
+            <a:fillRect/>
+          </a:stretch>
+        </p:blipFill>
+        <p:spPr>
+          <a:xfrm>
             <a:off x="3169914" y="1234435"/>
             <a:ext cx="5852172" cy="4389129"/>
           </a:xfrm>
@@ -5592,7 +6127,7 @@
 </p:sld>
 </file>
 
-<file path=ppt/slides/slide7.xml><?xml version="1.0" encoding="utf-8"?>
+<file path=ppt/slides/slide8.xml><?xml version="1.0" encoding="utf-8"?>
 <p:sld xmlns:a="http://schemas.openxmlformats.org/drawingml/2006/main" xmlns:r="http://schemas.openxmlformats.org/officeDocument/2006/relationships" xmlns:p="http://schemas.openxmlformats.org/presentationml/2006/main">
   <p:cSld>
     <p:spTree>
@@ -5761,7 +6296,7 @@
 </p:sld>
 </file>
 
-<file path=ppt/slides/slide8.xml><?xml version="1.0" encoding="utf-8"?>
+<file path=ppt/slides/slide9.xml><?xml version="1.0" encoding="utf-8"?>
 <p:sld xmlns:a="http://schemas.openxmlformats.org/drawingml/2006/main" xmlns:r="http://schemas.openxmlformats.org/officeDocument/2006/relationships" xmlns:p="http://schemas.openxmlformats.org/presentationml/2006/main">
   <p:cSld>
     <p:spTree>
@@ -5932,186 +6467,6 @@
     <p:extLst>
       <p:ext uri="{BB962C8B-B14F-4D97-AF65-F5344CB8AC3E}">
         <p14:creationId xmlns:p14="http://schemas.microsoft.com/office/powerpoint/2010/main" val="1411974968"/>
-      </p:ext>
-    </p:extLst>
-  </p:cSld>
-  <p:clrMapOvr>
-    <a:masterClrMapping/>
-  </p:clrMapOvr>
-</p:sld>
-</file>
-
-<file path=ppt/slides/slide9.xml><?xml version="1.0" encoding="utf-8"?>
-<p:sld xmlns:a="http://schemas.openxmlformats.org/drawingml/2006/main" xmlns:r="http://schemas.openxmlformats.org/officeDocument/2006/relationships" xmlns:p="http://schemas.openxmlformats.org/presentationml/2006/main">
-  <p:cSld>
-    <p:spTree>
-      <p:nvGrpSpPr>
-        <p:cNvPr id="1" name=""/>
-        <p:cNvGrpSpPr/>
-        <p:nvPr/>
-      </p:nvGrpSpPr>
-      <p:grpSpPr>
-        <a:xfrm>
-          <a:off x="0" y="0"/>
-          <a:ext cx="0" cy="0"/>
-          <a:chOff x="0" y="0"/>
-          <a:chExt cx="0" cy="0"/>
-        </a:xfrm>
-      </p:grpSpPr>
-      <p:sp>
-        <p:nvSpPr>
-          <p:cNvPr id="14" name="Textfeld 13"/>
-          <p:cNvSpPr txBox="1"/>
-          <p:nvPr/>
-        </p:nvSpPr>
-        <p:spPr>
-          <a:xfrm>
-            <a:off x="1128889" y="485422"/>
-            <a:ext cx="4323644" cy="461665"/>
-          </a:xfrm>
-          <a:prstGeom prst="rect">
-            <a:avLst/>
-          </a:prstGeom>
-          <a:noFill/>
-        </p:spPr>
-        <p:txBody>
-          <a:bodyPr wrap="square" rtlCol="0">
-            <a:spAutoFit/>
-          </a:bodyPr>
-          <a:lstStyle/>
-          <a:p>
-            <a:r>
-              <a:rPr lang="en-US" sz="2400" b="1" dirty="0" smtClean="0"/>
-              <a:t>LULESH results - cost</a:t>
-            </a:r>
-            <a:endParaRPr lang="en-US" sz="2400" b="1" dirty="0"/>
-          </a:p>
-        </p:txBody>
-      </p:sp>
-      <p:pic>
-        <p:nvPicPr>
-          <p:cNvPr id="2" name="Grafik 1"/>
-          <p:cNvPicPr>
-            <a:picLocks noChangeAspect="1"/>
-          </p:cNvPicPr>
-          <p:nvPr/>
-        </p:nvPicPr>
-        <p:blipFill>
-          <a:blip r:embed="rId2">
-            <a:extLst>
-              <a:ext uri="{28A0092B-C50C-407E-A947-70E740481C1C}">
-                <a14:useLocalDpi xmlns:a14="http://schemas.microsoft.com/office/drawing/2010/main" val="0"/>
-              </a:ext>
-            </a:extLst>
-          </a:blip>
-          <a:stretch>
-            <a:fillRect/>
-          </a:stretch>
-        </p:blipFill>
-        <p:spPr>
-          <a:xfrm>
-            <a:off x="44009" y="0"/>
-            <a:ext cx="5852172" cy="4389129"/>
-          </a:xfrm>
-          <a:prstGeom prst="rect">
-            <a:avLst/>
-          </a:prstGeom>
-        </p:spPr>
-      </p:pic>
-      <p:pic>
-        <p:nvPicPr>
-          <p:cNvPr id="3" name="Grafik 2"/>
-          <p:cNvPicPr>
-            <a:picLocks noChangeAspect="1"/>
-          </p:cNvPicPr>
-          <p:nvPr/>
-        </p:nvPicPr>
-        <p:blipFill>
-          <a:blip r:embed="rId2">
-            <a:extLst>
-              <a:ext uri="{28A0092B-C50C-407E-A947-70E740481C1C}">
-                <a14:useLocalDpi xmlns:a14="http://schemas.microsoft.com/office/drawing/2010/main" val="0"/>
-              </a:ext>
-            </a:extLst>
-          </a:blip>
-          <a:stretch>
-            <a:fillRect/>
-          </a:stretch>
-        </p:blipFill>
-        <p:spPr>
-          <a:xfrm>
-            <a:off x="6173573" y="-216695"/>
-            <a:ext cx="5852172" cy="4389129"/>
-          </a:xfrm>
-          <a:prstGeom prst="rect">
-            <a:avLst/>
-          </a:prstGeom>
-        </p:spPr>
-      </p:pic>
-      <p:pic>
-        <p:nvPicPr>
-          <p:cNvPr id="4" name="Grafik 3"/>
-          <p:cNvPicPr>
-            <a:picLocks noChangeAspect="1"/>
-          </p:cNvPicPr>
-          <p:nvPr/>
-        </p:nvPicPr>
-        <p:blipFill>
-          <a:blip r:embed="rId2">
-            <a:extLst>
-              <a:ext uri="{28A0092B-C50C-407E-A947-70E740481C1C}">
-                <a14:useLocalDpi xmlns:a14="http://schemas.microsoft.com/office/drawing/2010/main" val="0"/>
-              </a:ext>
-            </a:extLst>
-          </a:blip>
-          <a:stretch>
-            <a:fillRect/>
-          </a:stretch>
-        </p:blipFill>
-        <p:spPr>
-          <a:xfrm>
-            <a:off x="493216" y="2679986"/>
-            <a:ext cx="5852172" cy="4389129"/>
-          </a:xfrm>
-          <a:prstGeom prst="rect">
-            <a:avLst/>
-          </a:prstGeom>
-        </p:spPr>
-      </p:pic>
-      <p:pic>
-        <p:nvPicPr>
-          <p:cNvPr id="5" name="Grafik 4"/>
-          <p:cNvPicPr>
-            <a:picLocks noChangeAspect="1"/>
-          </p:cNvPicPr>
-          <p:nvPr/>
-        </p:nvPicPr>
-        <p:blipFill>
-          <a:blip r:embed="rId2">
-            <a:extLst>
-              <a:ext uri="{28A0092B-C50C-407E-A947-70E740481C1C}">
-                <a14:useLocalDpi xmlns:a14="http://schemas.microsoft.com/office/drawing/2010/main" val="0"/>
-              </a:ext>
-            </a:extLst>
-          </a:blip>
-          <a:stretch>
-            <a:fillRect/>
-          </a:stretch>
-        </p:blipFill>
-        <p:spPr>
-          <a:xfrm>
-            <a:off x="5164969" y="3079006"/>
-            <a:ext cx="5852172" cy="4389129"/>
-          </a:xfrm>
-          <a:prstGeom prst="rect">
-            <a:avLst/>
-          </a:prstGeom>
-        </p:spPr>
-      </p:pic>
-    </p:spTree>
-    <p:extLst>
-      <p:ext uri="{BB962C8B-B14F-4D97-AF65-F5344CB8AC3E}">
-        <p14:creationId xmlns:p14="http://schemas.microsoft.com/office/powerpoint/2010/main" val="3148833393"/>
       </p:ext>
     </p:extLst>
   </p:cSld>

--- a/Results.pptx
+++ b/Results.pptx
@@ -8,26 +8,29 @@
     <p:sldId id="275" r:id="rId2"/>
     <p:sldId id="276" r:id="rId3"/>
     <p:sldId id="278" r:id="rId4"/>
-    <p:sldId id="277" r:id="rId5"/>
-    <p:sldId id="256" r:id="rId6"/>
-    <p:sldId id="279" r:id="rId7"/>
-    <p:sldId id="258" r:id="rId8"/>
-    <p:sldId id="257" r:id="rId9"/>
-    <p:sldId id="259" r:id="rId10"/>
-    <p:sldId id="260" r:id="rId11"/>
-    <p:sldId id="261" r:id="rId12"/>
-    <p:sldId id="262" r:id="rId13"/>
-    <p:sldId id="263" r:id="rId14"/>
-    <p:sldId id="264" r:id="rId15"/>
-    <p:sldId id="265" r:id="rId16"/>
-    <p:sldId id="266" r:id="rId17"/>
-    <p:sldId id="267" r:id="rId18"/>
-    <p:sldId id="268" r:id="rId19"/>
-    <p:sldId id="269" r:id="rId20"/>
-    <p:sldId id="270" r:id="rId21"/>
-    <p:sldId id="271" r:id="rId22"/>
-    <p:sldId id="272" r:id="rId23"/>
-    <p:sldId id="273" r:id="rId24"/>
+    <p:sldId id="280" r:id="rId5"/>
+    <p:sldId id="281" r:id="rId6"/>
+    <p:sldId id="282" r:id="rId7"/>
+    <p:sldId id="277" r:id="rId8"/>
+    <p:sldId id="256" r:id="rId9"/>
+    <p:sldId id="279" r:id="rId10"/>
+    <p:sldId id="258" r:id="rId11"/>
+    <p:sldId id="257" r:id="rId12"/>
+    <p:sldId id="259" r:id="rId13"/>
+    <p:sldId id="260" r:id="rId14"/>
+    <p:sldId id="261" r:id="rId15"/>
+    <p:sldId id="262" r:id="rId16"/>
+    <p:sldId id="263" r:id="rId17"/>
+    <p:sldId id="264" r:id="rId18"/>
+    <p:sldId id="265" r:id="rId19"/>
+    <p:sldId id="266" r:id="rId20"/>
+    <p:sldId id="267" r:id="rId21"/>
+    <p:sldId id="268" r:id="rId22"/>
+    <p:sldId id="269" r:id="rId23"/>
+    <p:sldId id="270" r:id="rId24"/>
+    <p:sldId id="271" r:id="rId25"/>
+    <p:sldId id="272" r:id="rId26"/>
+    <p:sldId id="273" r:id="rId27"/>
   </p:sldIdLst>
   <p:sldSz cx="12192000" cy="6858000"/>
   <p:notesSz cx="6858000" cy="9144000"/>
@@ -3082,7 +3085,7 @@
           <a:p>
             <a:r>
               <a:rPr lang="en-US" sz="2400" b="1" dirty="0" smtClean="0"/>
-              <a:t>LULESH results - cost</a:t>
+              <a:t>Relearn results</a:t>
             </a:r>
             <a:endParaRPr lang="en-US" sz="2400" b="1" dirty="0"/>
           </a:p>
@@ -3110,7 +3113,7 @@
         </p:blipFill>
         <p:spPr>
           <a:xfrm>
-            <a:off x="3104147" y="1459705"/>
+            <a:off x="3169914" y="1234435"/>
             <a:ext cx="5852172" cy="4389129"/>
           </a:xfrm>
           <a:prstGeom prst="rect">
@@ -3118,10 +3121,108 @@
           </a:prstGeom>
         </p:spPr>
       </p:pic>
+      <p:sp>
+        <p:nvSpPr>
+          <p:cNvPr id="4" name="Abgerundetes Rechteck 3"/>
+          <p:cNvSpPr/>
+          <p:nvPr/>
+        </p:nvSpPr>
+        <p:spPr>
+          <a:xfrm>
+            <a:off x="278360" y="3855452"/>
+            <a:ext cx="2822222" cy="1557867"/>
+          </a:xfrm>
+          <a:prstGeom prst="roundRect">
+            <a:avLst/>
+          </a:prstGeom>
+        </p:spPr>
+        <p:style>
+          <a:lnRef idx="2">
+            <a:schemeClr val="accent1">
+              <a:shade val="50000"/>
+            </a:schemeClr>
+          </a:lnRef>
+          <a:fillRef idx="1">
+            <a:schemeClr val="accent1"/>
+          </a:fillRef>
+          <a:effectRef idx="0">
+            <a:schemeClr val="accent1"/>
+          </a:effectRef>
+          <a:fontRef idx="minor">
+            <a:schemeClr val="lt1"/>
+          </a:fontRef>
+        </p:style>
+        <p:txBody>
+          <a:bodyPr rtlCol="0" anchor="ctr"/>
+          <a:lstStyle/>
+          <a:p>
+            <a:pPr algn="ctr"/>
+            <a:r>
+              <a:rPr lang="en-US" sz="1400" dirty="0" smtClean="0"/>
+              <a:t>This plot basically shows how well the different strategies use the available modeling budget</a:t>
+            </a:r>
+            <a:endParaRPr lang="en-US" sz="1400" dirty="0"/>
+          </a:p>
+        </p:txBody>
+      </p:sp>
+      <p:sp>
+        <p:nvSpPr>
+          <p:cNvPr id="7" name="Abgerundetes Rechteck 6"/>
+          <p:cNvSpPr/>
+          <p:nvPr/>
+        </p:nvSpPr>
+        <p:spPr>
+          <a:xfrm>
+            <a:off x="9091418" y="4376821"/>
+            <a:ext cx="2822222" cy="1557867"/>
+          </a:xfrm>
+          <a:prstGeom prst="roundRect">
+            <a:avLst/>
+          </a:prstGeom>
+          <a:solidFill>
+            <a:srgbClr val="FF0000"/>
+          </a:solidFill>
+        </p:spPr>
+        <p:style>
+          <a:lnRef idx="2">
+            <a:schemeClr val="accent1">
+              <a:shade val="50000"/>
+            </a:schemeClr>
+          </a:lnRef>
+          <a:fillRef idx="1">
+            <a:schemeClr val="accent1"/>
+          </a:fillRef>
+          <a:effectRef idx="0">
+            <a:schemeClr val="accent1"/>
+          </a:effectRef>
+          <a:fontRef idx="minor">
+            <a:schemeClr val="lt1"/>
+          </a:fontRef>
+        </p:style>
+        <p:txBody>
+          <a:bodyPr rtlCol="0" anchor="ctr"/>
+          <a:lstStyle/>
+          <a:p>
+            <a:pPr algn="ctr"/>
+            <a:r>
+              <a:rPr lang="en-US" sz="1400" dirty="0" smtClean="0"/>
+              <a:t>???</a:t>
+            </a:r>
+          </a:p>
+          <a:p>
+            <a:pPr algn="ctr"/>
+            <a:r>
+              <a:rPr lang="en-US" sz="1400" dirty="0" smtClean="0"/>
+              <a:t>Maybe I should change this plot to show the difference better…</a:t>
+            </a:r>
+            <a:endParaRPr lang="en-US" sz="1400" dirty="0"/>
+          </a:p>
+        </p:txBody>
+      </p:sp>
     </p:spTree>
     <p:extLst>
       <p:ext uri="{BB962C8B-B14F-4D97-AF65-F5344CB8AC3E}">
-        <p14:creationId xmlns:p14="http://schemas.microsoft.com/office/powerpoint/2010/main" val="3148833393"/>
+        <p14:creationId xmlns:p14="http://schemas.microsoft.com/office/powerpoint/2010/main" val="3196979004"/>
       </p:ext>
     </p:extLst>
   </p:cSld>
@@ -3156,8 +3257,8 @@
         </p:nvSpPr>
         <p:spPr>
           <a:xfrm>
-            <a:off x="1128888" y="485422"/>
-            <a:ext cx="6784827" cy="461665"/>
+            <a:off x="1128889" y="485422"/>
+            <a:ext cx="4323644" cy="461665"/>
           </a:xfrm>
           <a:prstGeom prst="rect">
             <a:avLst/>
@@ -3172,7 +3273,7 @@
           <a:p>
             <a:r>
               <a:rPr lang="en-US" sz="2400" b="1" dirty="0" smtClean="0"/>
-              <a:t>LULESH results – additional points</a:t>
+              <a:t>Relearn results</a:t>
             </a:r>
             <a:endParaRPr lang="en-US" sz="2400" b="1" dirty="0"/>
           </a:p>
@@ -3200,7 +3301,7 @@
         </p:blipFill>
         <p:spPr>
           <a:xfrm>
-            <a:off x="2815390" y="1607486"/>
+            <a:off x="3145851" y="1583351"/>
             <a:ext cx="5852172" cy="4389129"/>
           </a:xfrm>
           <a:prstGeom prst="rect">
@@ -3208,10 +3309,89 @@
           </a:prstGeom>
         </p:spPr>
       </p:pic>
+      <p:sp>
+        <p:nvSpPr>
+          <p:cNvPr id="4" name="Abgerundetes Rechteck 3"/>
+          <p:cNvSpPr/>
+          <p:nvPr/>
+        </p:nvSpPr>
+        <p:spPr>
+          <a:xfrm>
+            <a:off x="310444" y="3911600"/>
+            <a:ext cx="2822222" cy="1557867"/>
+          </a:xfrm>
+          <a:prstGeom prst="roundRect">
+            <a:avLst/>
+          </a:prstGeom>
+        </p:spPr>
+        <p:style>
+          <a:lnRef idx="2">
+            <a:schemeClr val="accent1">
+              <a:shade val="50000"/>
+            </a:schemeClr>
+          </a:lnRef>
+          <a:fillRef idx="1">
+            <a:schemeClr val="accent1"/>
+          </a:fillRef>
+          <a:effectRef idx="0">
+            <a:schemeClr val="accent1"/>
+          </a:effectRef>
+          <a:fontRef idx="minor">
+            <a:schemeClr val="lt1"/>
+          </a:fontRef>
+        </p:style>
+        <p:txBody>
+          <a:bodyPr rtlCol="0" anchor="ctr"/>
+          <a:lstStyle/>
+          <a:p>
+            <a:pPr algn="ctr"/>
+            <a:r>
+              <a:rPr lang="en-US" sz="1400" dirty="0" smtClean="0"/>
+              <a:t>We can get the same accuracy for our models but need to measure less configurations with the GPR strategy…</a:t>
+            </a:r>
+            <a:endParaRPr lang="en-US" sz="1400" dirty="0"/>
+          </a:p>
+        </p:txBody>
+      </p:sp>
+      <p:cxnSp>
+        <p:nvCxnSpPr>
+          <p:cNvPr id="5" name="Gerade Verbindung mit Pfeil 4"/>
+          <p:cNvCxnSpPr>
+            <a:stCxn id="4" idx="3"/>
+          </p:cNvCxnSpPr>
+          <p:nvPr/>
+        </p:nvCxnSpPr>
+        <p:spPr>
+          <a:xfrm>
+            <a:off x="3132666" y="4690534"/>
+            <a:ext cx="1319018" cy="41887"/>
+          </a:xfrm>
+          <a:prstGeom prst="straightConnector1">
+            <a:avLst/>
+          </a:prstGeom>
+          <a:ln w="76200">
+            <a:tailEnd type="triangle"/>
+          </a:ln>
+        </p:spPr>
+        <p:style>
+          <a:lnRef idx="1">
+            <a:schemeClr val="accent1"/>
+          </a:lnRef>
+          <a:fillRef idx="0">
+            <a:schemeClr val="accent1"/>
+          </a:fillRef>
+          <a:effectRef idx="0">
+            <a:schemeClr val="accent1"/>
+          </a:effectRef>
+          <a:fontRef idx="minor">
+            <a:schemeClr val="tx1"/>
+          </a:fontRef>
+        </p:style>
+      </p:cxnSp>
     </p:spTree>
     <p:extLst>
       <p:ext uri="{BB962C8B-B14F-4D97-AF65-F5344CB8AC3E}">
-        <p14:creationId xmlns:p14="http://schemas.microsoft.com/office/powerpoint/2010/main" val="813284526"/>
+        <p14:creationId xmlns:p14="http://schemas.microsoft.com/office/powerpoint/2010/main" val="1686849208"/>
       </p:ext>
     </p:extLst>
   </p:cSld>
@@ -3246,7 +3426,7 @@
         </p:nvSpPr>
         <p:spPr>
           <a:xfrm>
-            <a:off x="1128889" y="485422"/>
+            <a:off x="140176" y="139450"/>
             <a:ext cx="4323644" cy="461665"/>
           </a:xfrm>
           <a:prstGeom prst="rect">
@@ -3261,16 +3441,8 @@
           <a:lstStyle/>
           <a:p>
             <a:r>
-              <a:rPr lang="en-US" sz="2400" b="1" dirty="0" err="1" smtClean="0"/>
-              <a:t>MiniFE</a:t>
-            </a:r>
-            <a:r>
               <a:rPr lang="en-US" sz="2400" b="1" dirty="0" smtClean="0"/>
-              <a:t> </a:t>
-            </a:r>
-            <a:r>
-              <a:rPr lang="en-US" sz="2400" b="1" dirty="0" smtClean="0"/>
-              <a:t>results - accuracy</a:t>
+              <a:t>LULESH results - accuracy</a:t>
             </a:r>
             <a:endParaRPr lang="en-US" sz="2400" b="1" dirty="0"/>
           </a:p>
@@ -3284,7 +3456,7 @@
           </p:cNvPicPr>
           <p:nvPr/>
         </p:nvPicPr>
-        <p:blipFill>
+        <p:blipFill rotWithShape="1">
           <a:blip r:embed="rId2">
             <a:extLst>
               <a:ext uri="{28A0092B-C50C-407E-A947-70E740481C1C}">
@@ -3292,14 +3464,13 @@
               </a:ext>
             </a:extLst>
           </a:blip>
-          <a:stretch>
-            <a:fillRect/>
-          </a:stretch>
+          <a:srcRect t="8540" r="7292"/>
+          <a:stretch/>
         </p:blipFill>
         <p:spPr>
           <a:xfrm>
-            <a:off x="487656" y="108432"/>
-            <a:ext cx="5852172" cy="4389129"/>
+            <a:off x="432463" y="649704"/>
+            <a:ext cx="3891181" cy="2879097"/>
           </a:xfrm>
           <a:prstGeom prst="rect">
             <a:avLst/>
@@ -3314,7 +3485,7 @@
           </p:cNvPicPr>
           <p:nvPr/>
         </p:nvPicPr>
-        <p:blipFill>
+        <p:blipFill rotWithShape="1">
           <a:blip r:embed="rId3">
             <a:extLst>
               <a:ext uri="{28A0092B-C50C-407E-A947-70E740481C1C}">
@@ -3322,14 +3493,13 @@
               </a:ext>
             </a:extLst>
           </a:blip>
-          <a:stretch>
-            <a:fillRect/>
-          </a:stretch>
+          <a:srcRect t="10762" r="8782"/>
+          <a:stretch/>
         </p:blipFill>
         <p:spPr>
           <a:xfrm>
-            <a:off x="6339828" y="-72997"/>
-            <a:ext cx="5852172" cy="4389129"/>
+            <a:off x="6160127" y="462268"/>
+            <a:ext cx="4299283" cy="3154490"/>
           </a:xfrm>
           <a:prstGeom prst="rect">
             <a:avLst/>
@@ -3338,13 +3508,13 @@
       </p:pic>
       <p:pic>
         <p:nvPicPr>
-          <p:cNvPr id="4" name="Grafik 3"/>
+          <p:cNvPr id="6" name="Grafik 5"/>
           <p:cNvPicPr>
             <a:picLocks noChangeAspect="1"/>
           </p:cNvPicPr>
           <p:nvPr/>
         </p:nvPicPr>
-        <p:blipFill>
+        <p:blipFill rotWithShape="1">
           <a:blip r:embed="rId4">
             <a:extLst>
               <a:ext uri="{28A0092B-C50C-407E-A947-70E740481C1C}">
@@ -3352,14 +3522,13 @@
               </a:ext>
             </a:extLst>
           </a:blip>
-          <a:stretch>
-            <a:fillRect/>
-          </a:stretch>
+          <a:srcRect t="9832" r="8100"/>
+          <a:stretch/>
         </p:blipFill>
         <p:spPr>
           <a:xfrm>
-            <a:off x="218167" y="2484425"/>
-            <a:ext cx="5852172" cy="4389129"/>
+            <a:off x="140176" y="3577390"/>
+            <a:ext cx="4186701" cy="3080890"/>
           </a:xfrm>
           <a:prstGeom prst="rect">
             <a:avLst/>
@@ -3368,13 +3537,13 @@
       </p:pic>
       <p:pic>
         <p:nvPicPr>
-          <p:cNvPr id="5" name="Grafik 4"/>
+          <p:cNvPr id="10" name="Grafik 9"/>
           <p:cNvPicPr>
             <a:picLocks noChangeAspect="1"/>
           </p:cNvPicPr>
           <p:nvPr/>
         </p:nvPicPr>
-        <p:blipFill>
+        <p:blipFill rotWithShape="1">
           <a:blip r:embed="rId5">
             <a:extLst>
               <a:ext uri="{28A0092B-C50C-407E-A947-70E740481C1C}">
@@ -3382,24 +3551,102 @@
               </a:ext>
             </a:extLst>
           </a:blip>
-          <a:stretch>
-            <a:fillRect/>
-          </a:stretch>
+          <a:srcRect t="10574" r="8339"/>
+          <a:stretch/>
         </p:blipFill>
         <p:spPr>
           <a:xfrm>
-            <a:off x="5913114" y="2468871"/>
-            <a:ext cx="5852172" cy="4389129"/>
+            <a:off x="6163360" y="3577390"/>
+            <a:ext cx="4320156" cy="3161100"/>
           </a:xfrm>
           <a:prstGeom prst="rect">
             <a:avLst/>
           </a:prstGeom>
         </p:spPr>
       </p:pic>
+      <p:sp>
+        <p:nvSpPr>
+          <p:cNvPr id="7" name="Abgerundetes Rechteck 6"/>
+          <p:cNvSpPr/>
+          <p:nvPr/>
+        </p:nvSpPr>
+        <p:spPr>
+          <a:xfrm>
+            <a:off x="4323644" y="649704"/>
+            <a:ext cx="1868013" cy="827950"/>
+          </a:xfrm>
+          <a:prstGeom prst="roundRect">
+            <a:avLst/>
+          </a:prstGeom>
+        </p:spPr>
+        <p:style>
+          <a:lnRef idx="2">
+            <a:schemeClr val="accent1">
+              <a:shade val="50000"/>
+            </a:schemeClr>
+          </a:lnRef>
+          <a:fillRef idx="1">
+            <a:schemeClr val="accent1"/>
+          </a:fillRef>
+          <a:effectRef idx="0">
+            <a:schemeClr val="accent1"/>
+          </a:effectRef>
+          <a:fontRef idx="minor">
+            <a:schemeClr val="lt1"/>
+          </a:fontRef>
+        </p:style>
+        <p:txBody>
+          <a:bodyPr rtlCol="0" anchor="ctr"/>
+          <a:lstStyle/>
+          <a:p>
+            <a:pPr algn="ctr"/>
+            <a:r>
+              <a:rPr lang="en-US" sz="1000" b="1" dirty="0" smtClean="0"/>
+              <a:t>Text</a:t>
+            </a:r>
+            <a:endParaRPr lang="en-US" sz="1000" b="1" dirty="0"/>
+          </a:p>
+        </p:txBody>
+      </p:sp>
+      <p:cxnSp>
+        <p:nvCxnSpPr>
+          <p:cNvPr id="8" name="Gerade Verbindung mit Pfeil 7"/>
+          <p:cNvCxnSpPr>
+            <a:stCxn id="7" idx="1"/>
+          </p:cNvCxnSpPr>
+          <p:nvPr/>
+        </p:nvCxnSpPr>
+        <p:spPr>
+          <a:xfrm flipH="1">
+            <a:off x="3906253" y="1063679"/>
+            <a:ext cx="417391" cy="524489"/>
+          </a:xfrm>
+          <a:prstGeom prst="straightConnector1">
+            <a:avLst/>
+          </a:prstGeom>
+          <a:ln w="28575">
+            <a:tailEnd type="triangle"/>
+          </a:ln>
+        </p:spPr>
+        <p:style>
+          <a:lnRef idx="1">
+            <a:schemeClr val="accent1"/>
+          </a:lnRef>
+          <a:fillRef idx="0">
+            <a:schemeClr val="accent1"/>
+          </a:fillRef>
+          <a:effectRef idx="0">
+            <a:schemeClr val="accent1"/>
+          </a:effectRef>
+          <a:fontRef idx="minor">
+            <a:schemeClr val="tx1"/>
+          </a:fontRef>
+        </p:style>
+      </p:cxnSp>
     </p:spTree>
     <p:extLst>
       <p:ext uri="{BB962C8B-B14F-4D97-AF65-F5344CB8AC3E}">
-        <p14:creationId xmlns:p14="http://schemas.microsoft.com/office/powerpoint/2010/main" val="3761832199"/>
+        <p14:creationId xmlns:p14="http://schemas.microsoft.com/office/powerpoint/2010/main" val="1411974968"/>
       </p:ext>
     </p:extLst>
   </p:cSld>
@@ -3449,16 +3696,8 @@
           <a:lstStyle/>
           <a:p>
             <a:r>
-              <a:rPr lang="en-US" sz="2400" b="1" dirty="0" err="1" smtClean="0"/>
-              <a:t>MiniFE</a:t>
-            </a:r>
-            <a:r>
               <a:rPr lang="en-US" sz="2400" b="1" dirty="0" smtClean="0"/>
-              <a:t> </a:t>
-            </a:r>
-            <a:r>
-              <a:rPr lang="en-US" sz="2400" b="1" dirty="0" smtClean="0"/>
-              <a:t>results - cost</a:t>
+              <a:t>LULESH results - cost</a:t>
             </a:r>
             <a:endParaRPr lang="en-US" sz="2400" b="1" dirty="0"/>
           </a:p>
@@ -3486,7 +3725,7 @@
         </p:blipFill>
         <p:spPr>
           <a:xfrm>
-            <a:off x="2969387" y="1242455"/>
+            <a:off x="3104147" y="1459705"/>
             <a:ext cx="5852172" cy="4389129"/>
           </a:xfrm>
           <a:prstGeom prst="rect">
@@ -3497,7 +3736,7 @@
     </p:spTree>
     <p:extLst>
       <p:ext uri="{BB962C8B-B14F-4D97-AF65-F5344CB8AC3E}">
-        <p14:creationId xmlns:p14="http://schemas.microsoft.com/office/powerpoint/2010/main" val="4115146552"/>
+        <p14:creationId xmlns:p14="http://schemas.microsoft.com/office/powerpoint/2010/main" val="3148833393"/>
       </p:ext>
     </p:extLst>
   </p:cSld>
@@ -3533,7 +3772,7 @@
         <p:spPr>
           <a:xfrm>
             <a:off x="1128888" y="485422"/>
-            <a:ext cx="5087427" cy="461665"/>
+            <a:ext cx="6784827" cy="461665"/>
           </a:xfrm>
           <a:prstGeom prst="rect">
             <a:avLst/>
@@ -3547,16 +3786,8 @@
           <a:lstStyle/>
           <a:p>
             <a:r>
-              <a:rPr lang="en-US" sz="2400" b="1" dirty="0" err="1" smtClean="0"/>
-              <a:t>MiniFE</a:t>
-            </a:r>
-            <a:r>
               <a:rPr lang="en-US" sz="2400" b="1" dirty="0" smtClean="0"/>
-              <a:t> </a:t>
-            </a:r>
-            <a:r>
-              <a:rPr lang="en-US" sz="2400" b="1" dirty="0" smtClean="0"/>
-              <a:t>results – additional points</a:t>
+              <a:t>LULESH results – additional points</a:t>
             </a:r>
             <a:endParaRPr lang="en-US" sz="2400" b="1" dirty="0"/>
           </a:p>
@@ -3584,7 +3815,7 @@
         </p:blipFill>
         <p:spPr>
           <a:xfrm>
-            <a:off x="3057620" y="1090056"/>
+            <a:off x="2815390" y="1607486"/>
             <a:ext cx="5852172" cy="4389129"/>
           </a:xfrm>
           <a:prstGeom prst="rect">
@@ -3595,7 +3826,7 @@
     </p:spTree>
     <p:extLst>
       <p:ext uri="{BB962C8B-B14F-4D97-AF65-F5344CB8AC3E}">
-        <p14:creationId xmlns:p14="http://schemas.microsoft.com/office/powerpoint/2010/main" val="1225703755"/>
+        <p14:creationId xmlns:p14="http://schemas.microsoft.com/office/powerpoint/2010/main" val="813284526"/>
       </p:ext>
     </p:extLst>
   </p:cSld>
@@ -3645,17 +3876,141 @@
           <a:lstStyle/>
           <a:p>
             <a:r>
+              <a:rPr lang="en-US" sz="2400" b="1" dirty="0" err="1" smtClean="0"/>
+              <a:t>MiniFE</a:t>
+            </a:r>
+            <a:r>
               <a:rPr lang="en-US" sz="2400" b="1" dirty="0" smtClean="0"/>
-              <a:t>Kripke results</a:t>
+              <a:t> results - accuracy</a:t>
             </a:r>
             <a:endParaRPr lang="en-US" sz="2400" b="1" dirty="0"/>
           </a:p>
         </p:txBody>
       </p:sp>
+      <p:pic>
+        <p:nvPicPr>
+          <p:cNvPr id="2" name="Grafik 1"/>
+          <p:cNvPicPr>
+            <a:picLocks noChangeAspect="1"/>
+          </p:cNvPicPr>
+          <p:nvPr/>
+        </p:nvPicPr>
+        <p:blipFill>
+          <a:blip r:embed="rId2">
+            <a:extLst>
+              <a:ext uri="{28A0092B-C50C-407E-A947-70E740481C1C}">
+                <a14:useLocalDpi xmlns:a14="http://schemas.microsoft.com/office/drawing/2010/main" val="0"/>
+              </a:ext>
+            </a:extLst>
+          </a:blip>
+          <a:stretch>
+            <a:fillRect/>
+          </a:stretch>
+        </p:blipFill>
+        <p:spPr>
+          <a:xfrm>
+            <a:off x="487656" y="108432"/>
+            <a:ext cx="5852172" cy="4389129"/>
+          </a:xfrm>
+          <a:prstGeom prst="rect">
+            <a:avLst/>
+          </a:prstGeom>
+        </p:spPr>
+      </p:pic>
+      <p:pic>
+        <p:nvPicPr>
+          <p:cNvPr id="3" name="Grafik 2"/>
+          <p:cNvPicPr>
+            <a:picLocks noChangeAspect="1"/>
+          </p:cNvPicPr>
+          <p:nvPr/>
+        </p:nvPicPr>
+        <p:blipFill>
+          <a:blip r:embed="rId3">
+            <a:extLst>
+              <a:ext uri="{28A0092B-C50C-407E-A947-70E740481C1C}">
+                <a14:useLocalDpi xmlns:a14="http://schemas.microsoft.com/office/drawing/2010/main" val="0"/>
+              </a:ext>
+            </a:extLst>
+          </a:blip>
+          <a:stretch>
+            <a:fillRect/>
+          </a:stretch>
+        </p:blipFill>
+        <p:spPr>
+          <a:xfrm>
+            <a:off x="6339828" y="-72997"/>
+            <a:ext cx="5852172" cy="4389129"/>
+          </a:xfrm>
+          <a:prstGeom prst="rect">
+            <a:avLst/>
+          </a:prstGeom>
+        </p:spPr>
+      </p:pic>
+      <p:pic>
+        <p:nvPicPr>
+          <p:cNvPr id="4" name="Grafik 3"/>
+          <p:cNvPicPr>
+            <a:picLocks noChangeAspect="1"/>
+          </p:cNvPicPr>
+          <p:nvPr/>
+        </p:nvPicPr>
+        <p:blipFill>
+          <a:blip r:embed="rId4">
+            <a:extLst>
+              <a:ext uri="{28A0092B-C50C-407E-A947-70E740481C1C}">
+                <a14:useLocalDpi xmlns:a14="http://schemas.microsoft.com/office/drawing/2010/main" val="0"/>
+              </a:ext>
+            </a:extLst>
+          </a:blip>
+          <a:stretch>
+            <a:fillRect/>
+          </a:stretch>
+        </p:blipFill>
+        <p:spPr>
+          <a:xfrm>
+            <a:off x="218167" y="2484425"/>
+            <a:ext cx="5852172" cy="4389129"/>
+          </a:xfrm>
+          <a:prstGeom prst="rect">
+            <a:avLst/>
+          </a:prstGeom>
+        </p:spPr>
+      </p:pic>
+      <p:pic>
+        <p:nvPicPr>
+          <p:cNvPr id="5" name="Grafik 4"/>
+          <p:cNvPicPr>
+            <a:picLocks noChangeAspect="1"/>
+          </p:cNvPicPr>
+          <p:nvPr/>
+        </p:nvPicPr>
+        <p:blipFill>
+          <a:blip r:embed="rId5">
+            <a:extLst>
+              <a:ext uri="{28A0092B-C50C-407E-A947-70E740481C1C}">
+                <a14:useLocalDpi xmlns:a14="http://schemas.microsoft.com/office/drawing/2010/main" val="0"/>
+              </a:ext>
+            </a:extLst>
+          </a:blip>
+          <a:stretch>
+            <a:fillRect/>
+          </a:stretch>
+        </p:blipFill>
+        <p:spPr>
+          <a:xfrm>
+            <a:off x="5913114" y="2468871"/>
+            <a:ext cx="5852172" cy="4389129"/>
+          </a:xfrm>
+          <a:prstGeom prst="rect">
+            <a:avLst/>
+          </a:prstGeom>
+        </p:spPr>
+      </p:pic>
     </p:spTree>
     <p:extLst>
       <p:ext uri="{BB962C8B-B14F-4D97-AF65-F5344CB8AC3E}">
-        <p14:creationId xmlns:p14="http://schemas.microsoft.com/office/powerpoint/2010/main" val="3659605943"/>
+        <p14:creationId xmlns:p14="http://schemas.microsoft.com/office/powerpoint/2010/main" val="3761832199"/>
       </p:ext>
     </p:extLst>
   </p:cSld>
@@ -3705,17 +4060,51 @@
           <a:lstStyle/>
           <a:p>
             <a:r>
+              <a:rPr lang="en-US" sz="2400" b="1" dirty="0" err="1" smtClean="0"/>
+              <a:t>MiniFE</a:t>
+            </a:r>
+            <a:r>
               <a:rPr lang="en-US" sz="2400" b="1" dirty="0" smtClean="0"/>
-              <a:t>Kripke results</a:t>
+              <a:t> results - cost</a:t>
             </a:r>
             <a:endParaRPr lang="en-US" sz="2400" b="1" dirty="0"/>
           </a:p>
         </p:txBody>
       </p:sp>
+      <p:pic>
+        <p:nvPicPr>
+          <p:cNvPr id="2" name="Grafik 1"/>
+          <p:cNvPicPr>
+            <a:picLocks noChangeAspect="1"/>
+          </p:cNvPicPr>
+          <p:nvPr/>
+        </p:nvPicPr>
+        <p:blipFill>
+          <a:blip r:embed="rId2">
+            <a:extLst>
+              <a:ext uri="{28A0092B-C50C-407E-A947-70E740481C1C}">
+                <a14:useLocalDpi xmlns:a14="http://schemas.microsoft.com/office/drawing/2010/main" val="0"/>
+              </a:ext>
+            </a:extLst>
+          </a:blip>
+          <a:stretch>
+            <a:fillRect/>
+          </a:stretch>
+        </p:blipFill>
+        <p:spPr>
+          <a:xfrm>
+            <a:off x="2969387" y="1242455"/>
+            <a:ext cx="5852172" cy="4389129"/>
+          </a:xfrm>
+          <a:prstGeom prst="rect">
+            <a:avLst/>
+          </a:prstGeom>
+        </p:spPr>
+      </p:pic>
     </p:spTree>
     <p:extLst>
       <p:ext uri="{BB962C8B-B14F-4D97-AF65-F5344CB8AC3E}">
-        <p14:creationId xmlns:p14="http://schemas.microsoft.com/office/powerpoint/2010/main" val="2176036657"/>
+        <p14:creationId xmlns:p14="http://schemas.microsoft.com/office/powerpoint/2010/main" val="4115146552"/>
       </p:ext>
     </p:extLst>
   </p:cSld>
@@ -3750,8 +4139,8 @@
         </p:nvSpPr>
         <p:spPr>
           <a:xfrm>
-            <a:off x="1128889" y="485422"/>
-            <a:ext cx="4323644" cy="461665"/>
+            <a:off x="1128888" y="485422"/>
+            <a:ext cx="5087427" cy="461665"/>
           </a:xfrm>
           <a:prstGeom prst="rect">
             <a:avLst/>
@@ -3765,17 +4154,51 @@
           <a:lstStyle/>
           <a:p>
             <a:r>
+              <a:rPr lang="en-US" sz="2400" b="1" dirty="0" err="1" smtClean="0"/>
+              <a:t>MiniFE</a:t>
+            </a:r>
+            <a:r>
               <a:rPr lang="en-US" sz="2400" b="1" dirty="0" smtClean="0"/>
-              <a:t>Kripke results</a:t>
+              <a:t> results – additional points</a:t>
             </a:r>
             <a:endParaRPr lang="en-US" sz="2400" b="1" dirty="0"/>
           </a:p>
         </p:txBody>
       </p:sp>
+      <p:pic>
+        <p:nvPicPr>
+          <p:cNvPr id="2" name="Grafik 1"/>
+          <p:cNvPicPr>
+            <a:picLocks noChangeAspect="1"/>
+          </p:cNvPicPr>
+          <p:nvPr/>
+        </p:nvPicPr>
+        <p:blipFill>
+          <a:blip r:embed="rId2">
+            <a:extLst>
+              <a:ext uri="{28A0092B-C50C-407E-A947-70E740481C1C}">
+                <a14:useLocalDpi xmlns:a14="http://schemas.microsoft.com/office/drawing/2010/main" val="0"/>
+              </a:ext>
+            </a:extLst>
+          </a:blip>
+          <a:stretch>
+            <a:fillRect/>
+          </a:stretch>
+        </p:blipFill>
+        <p:spPr>
+          <a:xfrm>
+            <a:off x="3057620" y="1090056"/>
+            <a:ext cx="5852172" cy="4389129"/>
+          </a:xfrm>
+          <a:prstGeom prst="rect">
+            <a:avLst/>
+          </a:prstGeom>
+        </p:spPr>
+      </p:pic>
     </p:spTree>
     <p:extLst>
       <p:ext uri="{BB962C8B-B14F-4D97-AF65-F5344CB8AC3E}">
-        <p14:creationId xmlns:p14="http://schemas.microsoft.com/office/powerpoint/2010/main" val="3830810872"/>
+        <p14:creationId xmlns:p14="http://schemas.microsoft.com/office/powerpoint/2010/main" val="1225703755"/>
       </p:ext>
     </p:extLst>
   </p:cSld>
@@ -3826,140 +4249,16 @@
           <a:p>
             <a:r>
               <a:rPr lang="en-US" sz="2400" b="1" dirty="0" smtClean="0"/>
-              <a:t>FASTEST </a:t>
-            </a:r>
-            <a:r>
-              <a:rPr lang="en-US" sz="2400" b="1" dirty="0" smtClean="0"/>
-              <a:t>results - accuracy</a:t>
+              <a:t>Kripke results</a:t>
             </a:r>
             <a:endParaRPr lang="en-US" sz="2400" b="1" dirty="0"/>
           </a:p>
         </p:txBody>
       </p:sp>
-      <p:pic>
-        <p:nvPicPr>
-          <p:cNvPr id="2" name="Grafik 1"/>
-          <p:cNvPicPr>
-            <a:picLocks noChangeAspect="1"/>
-          </p:cNvPicPr>
-          <p:nvPr/>
-        </p:nvPicPr>
-        <p:blipFill>
-          <a:blip r:embed="rId2">
-            <a:extLst>
-              <a:ext uri="{28A0092B-C50C-407E-A947-70E740481C1C}">
-                <a14:useLocalDpi xmlns:a14="http://schemas.microsoft.com/office/drawing/2010/main" val="0"/>
-              </a:ext>
-            </a:extLst>
-          </a:blip>
-          <a:stretch>
-            <a:fillRect/>
-          </a:stretch>
-        </p:blipFill>
-        <p:spPr>
-          <a:xfrm>
-            <a:off x="6097599" y="2468871"/>
-            <a:ext cx="5852172" cy="4389129"/>
-          </a:xfrm>
-          <a:prstGeom prst="rect">
-            <a:avLst/>
-          </a:prstGeom>
-        </p:spPr>
-      </p:pic>
-      <p:pic>
-        <p:nvPicPr>
-          <p:cNvPr id="3" name="Grafik 2"/>
-          <p:cNvPicPr>
-            <a:picLocks noChangeAspect="1"/>
-          </p:cNvPicPr>
-          <p:nvPr/>
-        </p:nvPicPr>
-        <p:blipFill>
-          <a:blip r:embed="rId3">
-            <a:extLst>
-              <a:ext uri="{28A0092B-C50C-407E-A947-70E740481C1C}">
-                <a14:useLocalDpi xmlns:a14="http://schemas.microsoft.com/office/drawing/2010/main" val="0"/>
-              </a:ext>
-            </a:extLst>
-          </a:blip>
-          <a:stretch>
-            <a:fillRect/>
-          </a:stretch>
-        </p:blipFill>
-        <p:spPr>
-          <a:xfrm>
-            <a:off x="599160" y="-381028"/>
-            <a:ext cx="5852172" cy="4389129"/>
-          </a:xfrm>
-          <a:prstGeom prst="rect">
-            <a:avLst/>
-          </a:prstGeom>
-        </p:spPr>
-      </p:pic>
-      <p:pic>
-        <p:nvPicPr>
-          <p:cNvPr id="4" name="Grafik 3"/>
-          <p:cNvPicPr>
-            <a:picLocks noChangeAspect="1"/>
-          </p:cNvPicPr>
-          <p:nvPr/>
-        </p:nvPicPr>
-        <p:blipFill>
-          <a:blip r:embed="rId4">
-            <a:extLst>
-              <a:ext uri="{28A0092B-C50C-407E-A947-70E740481C1C}">
-                <a14:useLocalDpi xmlns:a14="http://schemas.microsoft.com/office/drawing/2010/main" val="0"/>
-              </a:ext>
-            </a:extLst>
-          </a:blip>
-          <a:stretch>
-            <a:fillRect/>
-          </a:stretch>
-        </p:blipFill>
-        <p:spPr>
-          <a:xfrm>
-            <a:off x="6074746" y="-275471"/>
-            <a:ext cx="5852172" cy="4389129"/>
-          </a:xfrm>
-          <a:prstGeom prst="rect">
-            <a:avLst/>
-          </a:prstGeom>
-        </p:spPr>
-      </p:pic>
-      <p:pic>
-        <p:nvPicPr>
-          <p:cNvPr id="5" name="Grafik 4"/>
-          <p:cNvPicPr>
-            <a:picLocks noChangeAspect="1"/>
-          </p:cNvPicPr>
-          <p:nvPr/>
-        </p:nvPicPr>
-        <p:blipFill>
-          <a:blip r:embed="rId5">
-            <a:extLst>
-              <a:ext uri="{28A0092B-C50C-407E-A947-70E740481C1C}">
-                <a14:useLocalDpi xmlns:a14="http://schemas.microsoft.com/office/drawing/2010/main" val="0"/>
-              </a:ext>
-            </a:extLst>
-          </a:blip>
-          <a:stretch>
-            <a:fillRect/>
-          </a:stretch>
-        </p:blipFill>
-        <p:spPr>
-          <a:xfrm>
-            <a:off x="399440" y="2679986"/>
-            <a:ext cx="5852172" cy="4389129"/>
-          </a:xfrm>
-          <a:prstGeom prst="rect">
-            <a:avLst/>
-          </a:prstGeom>
-        </p:spPr>
-      </p:pic>
     </p:spTree>
     <p:extLst>
       <p:ext uri="{BB962C8B-B14F-4D97-AF65-F5344CB8AC3E}">
-        <p14:creationId xmlns:p14="http://schemas.microsoft.com/office/powerpoint/2010/main" val="754757463"/>
+        <p14:creationId xmlns:p14="http://schemas.microsoft.com/office/powerpoint/2010/main" val="3659605943"/>
       </p:ext>
     </p:extLst>
   </p:cSld>
@@ -4010,50 +4309,16 @@
           <a:p>
             <a:r>
               <a:rPr lang="en-US" sz="2400" b="1" dirty="0" smtClean="0"/>
-              <a:t>FASTEST </a:t>
-            </a:r>
-            <a:r>
-              <a:rPr lang="en-US" sz="2400" b="1" dirty="0" smtClean="0"/>
-              <a:t>results - cost</a:t>
+              <a:t>Kripke results</a:t>
             </a:r>
             <a:endParaRPr lang="en-US" sz="2400" b="1" dirty="0"/>
           </a:p>
         </p:txBody>
       </p:sp>
-      <p:pic>
-        <p:nvPicPr>
-          <p:cNvPr id="2" name="Grafik 1"/>
-          <p:cNvPicPr>
-            <a:picLocks noChangeAspect="1"/>
-          </p:cNvPicPr>
-          <p:nvPr/>
-        </p:nvPicPr>
-        <p:blipFill>
-          <a:blip r:embed="rId2">
-            <a:extLst>
-              <a:ext uri="{28A0092B-C50C-407E-A947-70E740481C1C}">
-                <a14:useLocalDpi xmlns:a14="http://schemas.microsoft.com/office/drawing/2010/main" val="0"/>
-              </a:ext>
-            </a:extLst>
-          </a:blip>
-          <a:stretch>
-            <a:fillRect/>
-          </a:stretch>
-        </p:blipFill>
-        <p:spPr>
-          <a:xfrm>
-            <a:off x="2897198" y="1410898"/>
-            <a:ext cx="5852172" cy="4389129"/>
-          </a:xfrm>
-          <a:prstGeom prst="rect">
-            <a:avLst/>
-          </a:prstGeom>
-        </p:spPr>
-      </p:pic>
     </p:spTree>
     <p:extLst>
       <p:ext uri="{BB962C8B-B14F-4D97-AF65-F5344CB8AC3E}">
-        <p14:creationId xmlns:p14="http://schemas.microsoft.com/office/powerpoint/2010/main" val="1981088456"/>
+        <p14:creationId xmlns:p14="http://schemas.microsoft.com/office/powerpoint/2010/main" val="2176036657"/>
       </p:ext>
     </p:extLst>
   </p:cSld>
@@ -4064,7 +4329,7 @@
 </file>
 
 <file path=ppt/slides/slide2.xml><?xml version="1.0" encoding="utf-8"?>
-<p:sld xmlns:a="http://schemas.openxmlformats.org/drawingml/2006/main" xmlns:r="http://schemas.openxmlformats.org/officeDocument/2006/relationships" xmlns:p="http://schemas.openxmlformats.org/presentationml/2006/main">
+<p:sld xmlns:a="http://schemas.openxmlformats.org/drawingml/2006/main" xmlns:r="http://schemas.openxmlformats.org/officeDocument/2006/relationships" xmlns:p="http://schemas.openxmlformats.org/presentationml/2006/main" show="0">
   <p:cSld>
     <p:spTree>
       <p:nvGrpSpPr>
@@ -4191,6 +4456,14 @@
   <p:clrMapOvr>
     <a:masterClrMapping/>
   </p:clrMapOvr>
+  <mc:AlternateContent xmlns:mc="http://schemas.openxmlformats.org/markup-compatibility/2006">
+    <mc:Choice xmlns:p14="http://schemas.microsoft.com/office/powerpoint/2010/main" Requires="p14">
+      <p:transition spd="slow" p14:dur="2000"/>
+    </mc:Choice>
+    <mc:Fallback>
+      <p:transition spd="slow"/>
+    </mc:Fallback>
+  </mc:AlternateContent>
 </p:sld>
 </file>
 
@@ -4220,7 +4493,7 @@
         <p:spPr>
           <a:xfrm>
             <a:off x="1128889" y="485422"/>
-            <a:ext cx="4975132" cy="461665"/>
+            <a:ext cx="4323644" cy="461665"/>
           </a:xfrm>
           <a:prstGeom prst="rect">
             <a:avLst/>
@@ -4235,50 +4508,16 @@
           <a:p>
             <a:r>
               <a:rPr lang="en-US" sz="2400" b="1" dirty="0" smtClean="0"/>
-              <a:t>FASTEST </a:t>
-            </a:r>
-            <a:r>
-              <a:rPr lang="en-US" sz="2400" b="1" dirty="0" smtClean="0"/>
-              <a:t>results – additional points</a:t>
+              <a:t>Kripke results</a:t>
             </a:r>
             <a:endParaRPr lang="en-US" sz="2400" b="1" dirty="0"/>
           </a:p>
         </p:txBody>
       </p:sp>
-      <p:pic>
-        <p:nvPicPr>
-          <p:cNvPr id="2" name="Grafik 1"/>
-          <p:cNvPicPr>
-            <a:picLocks noChangeAspect="1"/>
-          </p:cNvPicPr>
-          <p:nvPr/>
-        </p:nvPicPr>
-        <p:blipFill>
-          <a:blip r:embed="rId2">
-            <a:extLst>
-              <a:ext uri="{28A0092B-C50C-407E-A947-70E740481C1C}">
-                <a14:useLocalDpi xmlns:a14="http://schemas.microsoft.com/office/drawing/2010/main" val="0"/>
-              </a:ext>
-            </a:extLst>
-          </a:blip>
-          <a:stretch>
-            <a:fillRect/>
-          </a:stretch>
-        </p:blipFill>
-        <p:spPr>
-          <a:xfrm>
-            <a:off x="3169914" y="1234435"/>
-            <a:ext cx="5852172" cy="4389129"/>
-          </a:xfrm>
-          <a:prstGeom prst="rect">
-            <a:avLst/>
-          </a:prstGeom>
-        </p:spPr>
-      </p:pic>
     </p:spTree>
     <p:extLst>
       <p:ext uri="{BB962C8B-B14F-4D97-AF65-F5344CB8AC3E}">
-        <p14:creationId xmlns:p14="http://schemas.microsoft.com/office/powerpoint/2010/main" val="2744005304"/>
+        <p14:creationId xmlns:p14="http://schemas.microsoft.com/office/powerpoint/2010/main" val="3830810872"/>
       </p:ext>
     </p:extLst>
   </p:cSld>
@@ -4329,16 +4568,136 @@
           <a:p>
             <a:r>
               <a:rPr lang="en-US" sz="2400" b="1" dirty="0" smtClean="0"/>
-              <a:t>Quicksilver results</a:t>
+              <a:t>FASTEST results - accuracy</a:t>
             </a:r>
             <a:endParaRPr lang="en-US" sz="2400" b="1" dirty="0"/>
           </a:p>
         </p:txBody>
       </p:sp>
+      <p:pic>
+        <p:nvPicPr>
+          <p:cNvPr id="2" name="Grafik 1"/>
+          <p:cNvPicPr>
+            <a:picLocks noChangeAspect="1"/>
+          </p:cNvPicPr>
+          <p:nvPr/>
+        </p:nvPicPr>
+        <p:blipFill>
+          <a:blip r:embed="rId2">
+            <a:extLst>
+              <a:ext uri="{28A0092B-C50C-407E-A947-70E740481C1C}">
+                <a14:useLocalDpi xmlns:a14="http://schemas.microsoft.com/office/drawing/2010/main" val="0"/>
+              </a:ext>
+            </a:extLst>
+          </a:blip>
+          <a:stretch>
+            <a:fillRect/>
+          </a:stretch>
+        </p:blipFill>
+        <p:spPr>
+          <a:xfrm>
+            <a:off x="6097599" y="2468871"/>
+            <a:ext cx="5852172" cy="4389129"/>
+          </a:xfrm>
+          <a:prstGeom prst="rect">
+            <a:avLst/>
+          </a:prstGeom>
+        </p:spPr>
+      </p:pic>
+      <p:pic>
+        <p:nvPicPr>
+          <p:cNvPr id="3" name="Grafik 2"/>
+          <p:cNvPicPr>
+            <a:picLocks noChangeAspect="1"/>
+          </p:cNvPicPr>
+          <p:nvPr/>
+        </p:nvPicPr>
+        <p:blipFill>
+          <a:blip r:embed="rId3">
+            <a:extLst>
+              <a:ext uri="{28A0092B-C50C-407E-A947-70E740481C1C}">
+                <a14:useLocalDpi xmlns:a14="http://schemas.microsoft.com/office/drawing/2010/main" val="0"/>
+              </a:ext>
+            </a:extLst>
+          </a:blip>
+          <a:stretch>
+            <a:fillRect/>
+          </a:stretch>
+        </p:blipFill>
+        <p:spPr>
+          <a:xfrm>
+            <a:off x="599160" y="-381028"/>
+            <a:ext cx="5852172" cy="4389129"/>
+          </a:xfrm>
+          <a:prstGeom prst="rect">
+            <a:avLst/>
+          </a:prstGeom>
+        </p:spPr>
+      </p:pic>
+      <p:pic>
+        <p:nvPicPr>
+          <p:cNvPr id="4" name="Grafik 3"/>
+          <p:cNvPicPr>
+            <a:picLocks noChangeAspect="1"/>
+          </p:cNvPicPr>
+          <p:nvPr/>
+        </p:nvPicPr>
+        <p:blipFill>
+          <a:blip r:embed="rId4">
+            <a:extLst>
+              <a:ext uri="{28A0092B-C50C-407E-A947-70E740481C1C}">
+                <a14:useLocalDpi xmlns:a14="http://schemas.microsoft.com/office/drawing/2010/main" val="0"/>
+              </a:ext>
+            </a:extLst>
+          </a:blip>
+          <a:stretch>
+            <a:fillRect/>
+          </a:stretch>
+        </p:blipFill>
+        <p:spPr>
+          <a:xfrm>
+            <a:off x="6074746" y="-275471"/>
+            <a:ext cx="5852172" cy="4389129"/>
+          </a:xfrm>
+          <a:prstGeom prst="rect">
+            <a:avLst/>
+          </a:prstGeom>
+        </p:spPr>
+      </p:pic>
+      <p:pic>
+        <p:nvPicPr>
+          <p:cNvPr id="5" name="Grafik 4"/>
+          <p:cNvPicPr>
+            <a:picLocks noChangeAspect="1"/>
+          </p:cNvPicPr>
+          <p:nvPr/>
+        </p:nvPicPr>
+        <p:blipFill>
+          <a:blip r:embed="rId5">
+            <a:extLst>
+              <a:ext uri="{28A0092B-C50C-407E-A947-70E740481C1C}">
+                <a14:useLocalDpi xmlns:a14="http://schemas.microsoft.com/office/drawing/2010/main" val="0"/>
+              </a:ext>
+            </a:extLst>
+          </a:blip>
+          <a:stretch>
+            <a:fillRect/>
+          </a:stretch>
+        </p:blipFill>
+        <p:spPr>
+          <a:xfrm>
+            <a:off x="399440" y="2679986"/>
+            <a:ext cx="5852172" cy="4389129"/>
+          </a:xfrm>
+          <a:prstGeom prst="rect">
+            <a:avLst/>
+          </a:prstGeom>
+        </p:spPr>
+      </p:pic>
     </p:spTree>
     <p:extLst>
       <p:ext uri="{BB962C8B-B14F-4D97-AF65-F5344CB8AC3E}">
-        <p14:creationId xmlns:p14="http://schemas.microsoft.com/office/powerpoint/2010/main" val="760213402"/>
+        <p14:creationId xmlns:p14="http://schemas.microsoft.com/office/powerpoint/2010/main" val="754757463"/>
       </p:ext>
     </p:extLst>
   </p:cSld>
@@ -4389,6 +4748,246 @@
           <a:p>
             <a:r>
               <a:rPr lang="en-US" sz="2400" b="1" dirty="0" smtClean="0"/>
+              <a:t>FASTEST results - cost</a:t>
+            </a:r>
+            <a:endParaRPr lang="en-US" sz="2400" b="1" dirty="0"/>
+          </a:p>
+        </p:txBody>
+      </p:sp>
+      <p:pic>
+        <p:nvPicPr>
+          <p:cNvPr id="2" name="Grafik 1"/>
+          <p:cNvPicPr>
+            <a:picLocks noChangeAspect="1"/>
+          </p:cNvPicPr>
+          <p:nvPr/>
+        </p:nvPicPr>
+        <p:blipFill>
+          <a:blip r:embed="rId2">
+            <a:extLst>
+              <a:ext uri="{28A0092B-C50C-407E-A947-70E740481C1C}">
+                <a14:useLocalDpi xmlns:a14="http://schemas.microsoft.com/office/drawing/2010/main" val="0"/>
+              </a:ext>
+            </a:extLst>
+          </a:blip>
+          <a:stretch>
+            <a:fillRect/>
+          </a:stretch>
+        </p:blipFill>
+        <p:spPr>
+          <a:xfrm>
+            <a:off x="2897198" y="1410898"/>
+            <a:ext cx="5852172" cy="4389129"/>
+          </a:xfrm>
+          <a:prstGeom prst="rect">
+            <a:avLst/>
+          </a:prstGeom>
+        </p:spPr>
+      </p:pic>
+    </p:spTree>
+    <p:extLst>
+      <p:ext uri="{BB962C8B-B14F-4D97-AF65-F5344CB8AC3E}">
+        <p14:creationId xmlns:p14="http://schemas.microsoft.com/office/powerpoint/2010/main" val="1981088456"/>
+      </p:ext>
+    </p:extLst>
+  </p:cSld>
+  <p:clrMapOvr>
+    <a:masterClrMapping/>
+  </p:clrMapOvr>
+</p:sld>
+</file>
+
+<file path=ppt/slides/slide23.xml><?xml version="1.0" encoding="utf-8"?>
+<p:sld xmlns:a="http://schemas.openxmlformats.org/drawingml/2006/main" xmlns:r="http://schemas.openxmlformats.org/officeDocument/2006/relationships" xmlns:p="http://schemas.openxmlformats.org/presentationml/2006/main">
+  <p:cSld>
+    <p:spTree>
+      <p:nvGrpSpPr>
+        <p:cNvPr id="1" name=""/>
+        <p:cNvGrpSpPr/>
+        <p:nvPr/>
+      </p:nvGrpSpPr>
+      <p:grpSpPr>
+        <a:xfrm>
+          <a:off x="0" y="0"/>
+          <a:ext cx="0" cy="0"/>
+          <a:chOff x="0" y="0"/>
+          <a:chExt cx="0" cy="0"/>
+        </a:xfrm>
+      </p:grpSpPr>
+      <p:sp>
+        <p:nvSpPr>
+          <p:cNvPr id="14" name="Textfeld 13"/>
+          <p:cNvSpPr txBox="1"/>
+          <p:nvPr/>
+        </p:nvSpPr>
+        <p:spPr>
+          <a:xfrm>
+            <a:off x="1128889" y="485422"/>
+            <a:ext cx="4975132" cy="461665"/>
+          </a:xfrm>
+          <a:prstGeom prst="rect">
+            <a:avLst/>
+          </a:prstGeom>
+          <a:noFill/>
+        </p:spPr>
+        <p:txBody>
+          <a:bodyPr wrap="square" rtlCol="0">
+            <a:spAutoFit/>
+          </a:bodyPr>
+          <a:lstStyle/>
+          <a:p>
+            <a:r>
+              <a:rPr lang="en-US" sz="2400" b="1" dirty="0" smtClean="0"/>
+              <a:t>FASTEST results – additional points</a:t>
+            </a:r>
+            <a:endParaRPr lang="en-US" sz="2400" b="1" dirty="0"/>
+          </a:p>
+        </p:txBody>
+      </p:sp>
+      <p:pic>
+        <p:nvPicPr>
+          <p:cNvPr id="2" name="Grafik 1"/>
+          <p:cNvPicPr>
+            <a:picLocks noChangeAspect="1"/>
+          </p:cNvPicPr>
+          <p:nvPr/>
+        </p:nvPicPr>
+        <p:blipFill>
+          <a:blip r:embed="rId2">
+            <a:extLst>
+              <a:ext uri="{28A0092B-C50C-407E-A947-70E740481C1C}">
+                <a14:useLocalDpi xmlns:a14="http://schemas.microsoft.com/office/drawing/2010/main" val="0"/>
+              </a:ext>
+            </a:extLst>
+          </a:blip>
+          <a:stretch>
+            <a:fillRect/>
+          </a:stretch>
+        </p:blipFill>
+        <p:spPr>
+          <a:xfrm>
+            <a:off x="3169914" y="1234435"/>
+            <a:ext cx="5852172" cy="4389129"/>
+          </a:xfrm>
+          <a:prstGeom prst="rect">
+            <a:avLst/>
+          </a:prstGeom>
+        </p:spPr>
+      </p:pic>
+    </p:spTree>
+    <p:extLst>
+      <p:ext uri="{BB962C8B-B14F-4D97-AF65-F5344CB8AC3E}">
+        <p14:creationId xmlns:p14="http://schemas.microsoft.com/office/powerpoint/2010/main" val="2744005304"/>
+      </p:ext>
+    </p:extLst>
+  </p:cSld>
+  <p:clrMapOvr>
+    <a:masterClrMapping/>
+  </p:clrMapOvr>
+</p:sld>
+</file>
+
+<file path=ppt/slides/slide24.xml><?xml version="1.0" encoding="utf-8"?>
+<p:sld xmlns:a="http://schemas.openxmlformats.org/drawingml/2006/main" xmlns:r="http://schemas.openxmlformats.org/officeDocument/2006/relationships" xmlns:p="http://schemas.openxmlformats.org/presentationml/2006/main">
+  <p:cSld>
+    <p:spTree>
+      <p:nvGrpSpPr>
+        <p:cNvPr id="1" name=""/>
+        <p:cNvGrpSpPr/>
+        <p:nvPr/>
+      </p:nvGrpSpPr>
+      <p:grpSpPr>
+        <a:xfrm>
+          <a:off x="0" y="0"/>
+          <a:ext cx="0" cy="0"/>
+          <a:chOff x="0" y="0"/>
+          <a:chExt cx="0" cy="0"/>
+        </a:xfrm>
+      </p:grpSpPr>
+      <p:sp>
+        <p:nvSpPr>
+          <p:cNvPr id="14" name="Textfeld 13"/>
+          <p:cNvSpPr txBox="1"/>
+          <p:nvPr/>
+        </p:nvSpPr>
+        <p:spPr>
+          <a:xfrm>
+            <a:off x="1128889" y="485422"/>
+            <a:ext cx="4323644" cy="461665"/>
+          </a:xfrm>
+          <a:prstGeom prst="rect">
+            <a:avLst/>
+          </a:prstGeom>
+          <a:noFill/>
+        </p:spPr>
+        <p:txBody>
+          <a:bodyPr wrap="square" rtlCol="0">
+            <a:spAutoFit/>
+          </a:bodyPr>
+          <a:lstStyle/>
+          <a:p>
+            <a:r>
+              <a:rPr lang="en-US" sz="2400" b="1" dirty="0" smtClean="0"/>
+              <a:t>Quicksilver results</a:t>
+            </a:r>
+            <a:endParaRPr lang="en-US" sz="2400" b="1" dirty="0"/>
+          </a:p>
+        </p:txBody>
+      </p:sp>
+    </p:spTree>
+    <p:extLst>
+      <p:ext uri="{BB962C8B-B14F-4D97-AF65-F5344CB8AC3E}">
+        <p14:creationId xmlns:p14="http://schemas.microsoft.com/office/powerpoint/2010/main" val="760213402"/>
+      </p:ext>
+    </p:extLst>
+  </p:cSld>
+  <p:clrMapOvr>
+    <a:masterClrMapping/>
+  </p:clrMapOvr>
+</p:sld>
+</file>
+
+<file path=ppt/slides/slide25.xml><?xml version="1.0" encoding="utf-8"?>
+<p:sld xmlns:a="http://schemas.openxmlformats.org/drawingml/2006/main" xmlns:r="http://schemas.openxmlformats.org/officeDocument/2006/relationships" xmlns:p="http://schemas.openxmlformats.org/presentationml/2006/main">
+  <p:cSld>
+    <p:spTree>
+      <p:nvGrpSpPr>
+        <p:cNvPr id="1" name=""/>
+        <p:cNvGrpSpPr/>
+        <p:nvPr/>
+      </p:nvGrpSpPr>
+      <p:grpSpPr>
+        <a:xfrm>
+          <a:off x="0" y="0"/>
+          <a:ext cx="0" cy="0"/>
+          <a:chOff x="0" y="0"/>
+          <a:chExt cx="0" cy="0"/>
+        </a:xfrm>
+      </p:grpSpPr>
+      <p:sp>
+        <p:nvSpPr>
+          <p:cNvPr id="14" name="Textfeld 13"/>
+          <p:cNvSpPr txBox="1"/>
+          <p:nvPr/>
+        </p:nvSpPr>
+        <p:spPr>
+          <a:xfrm>
+            <a:off x="1128889" y="485422"/>
+            <a:ext cx="4323644" cy="461665"/>
+          </a:xfrm>
+          <a:prstGeom prst="rect">
+            <a:avLst/>
+          </a:prstGeom>
+          <a:noFill/>
+        </p:spPr>
+        <p:txBody>
+          <a:bodyPr wrap="square" rtlCol="0">
+            <a:spAutoFit/>
+          </a:bodyPr>
+          <a:lstStyle/>
+          <a:p>
+            <a:r>
+              <a:rPr lang="en-US" sz="2400" b="1" dirty="0" smtClean="0"/>
               <a:t>Quicksilver results</a:t>
             </a:r>
             <a:endParaRPr lang="en-US" sz="2400" b="1" dirty="0"/>
@@ -4408,7 +5007,7 @@
 </p:sld>
 </file>
 
-<file path=ppt/slides/slide23.xml><?xml version="1.0" encoding="utf-8"?>
+<file path=ppt/slides/slide26.xml><?xml version="1.0" encoding="utf-8"?>
 <p:sld xmlns:a="http://schemas.openxmlformats.org/drawingml/2006/main" xmlns:r="http://schemas.openxmlformats.org/officeDocument/2006/relationships" xmlns:p="http://schemas.openxmlformats.org/presentationml/2006/main">
   <p:cSld>
     <p:spTree>
@@ -4502,7 +5101,11 @@
           <a:p>
             <a:r>
               <a:rPr lang="en-US" dirty="0" smtClean="0"/>
-              <a:t>Synthetic Evaluation</a:t>
+              <a:t>Synthetic </a:t>
+            </a:r>
+            <a:r>
+              <a:rPr lang="en-US" dirty="0" smtClean="0"/>
+              <a:t>Evaluation – 1% noise</a:t>
             </a:r>
             <a:endParaRPr lang="en-US" dirty="0"/>
           </a:p>
@@ -4578,6 +5181,246 @@
           <a:p>
             <a:r>
               <a:rPr lang="en-US" dirty="0" smtClean="0"/>
+              <a:t>Synthetic </a:t>
+            </a:r>
+            <a:r>
+              <a:rPr lang="en-US" dirty="0" smtClean="0"/>
+              <a:t>Evaluation – 2% noise</a:t>
+            </a:r>
+            <a:endParaRPr lang="en-US" dirty="0"/>
+          </a:p>
+        </p:txBody>
+      </p:sp>
+      <p:sp>
+        <p:nvSpPr>
+          <p:cNvPr id="3" name="Inhaltsplatzhalter 2"/>
+          <p:cNvSpPr>
+            <a:spLocks noGrp="1"/>
+          </p:cNvSpPr>
+          <p:nvPr>
+            <p:ph idx="1"/>
+          </p:nvPr>
+        </p:nvSpPr>
+        <p:spPr/>
+        <p:txBody>
+          <a:bodyPr/>
+          <a:lstStyle/>
+          <a:p>
+            <a:r>
+              <a:rPr lang="en-US" dirty="0" smtClean="0"/>
+              <a:t>Text</a:t>
+            </a:r>
+            <a:endParaRPr lang="en-US" dirty="0"/>
+          </a:p>
+        </p:txBody>
+      </p:sp>
+    </p:spTree>
+    <p:extLst>
+      <p:ext uri="{BB962C8B-B14F-4D97-AF65-F5344CB8AC3E}">
+        <p14:creationId xmlns:p14="http://schemas.microsoft.com/office/powerpoint/2010/main" val="54584804"/>
+      </p:ext>
+    </p:extLst>
+  </p:cSld>
+  <p:clrMapOvr>
+    <a:masterClrMapping/>
+  </p:clrMapOvr>
+</p:sld>
+</file>
+
+<file path=ppt/slides/slide5.xml><?xml version="1.0" encoding="utf-8"?>
+<p:sld xmlns:a="http://schemas.openxmlformats.org/drawingml/2006/main" xmlns:r="http://schemas.openxmlformats.org/officeDocument/2006/relationships" xmlns:p="http://schemas.openxmlformats.org/presentationml/2006/main">
+  <p:cSld>
+    <p:spTree>
+      <p:nvGrpSpPr>
+        <p:cNvPr id="1" name=""/>
+        <p:cNvGrpSpPr/>
+        <p:nvPr/>
+      </p:nvGrpSpPr>
+      <p:grpSpPr>
+        <a:xfrm>
+          <a:off x="0" y="0"/>
+          <a:ext cx="0" cy="0"/>
+          <a:chOff x="0" y="0"/>
+          <a:chExt cx="0" cy="0"/>
+        </a:xfrm>
+      </p:grpSpPr>
+      <p:sp>
+        <p:nvSpPr>
+          <p:cNvPr id="2" name="Titel 1"/>
+          <p:cNvSpPr>
+            <a:spLocks noGrp="1"/>
+          </p:cNvSpPr>
+          <p:nvPr>
+            <p:ph type="title"/>
+          </p:nvPr>
+        </p:nvSpPr>
+        <p:spPr/>
+        <p:txBody>
+          <a:bodyPr/>
+          <a:lstStyle/>
+          <a:p>
+            <a:r>
+              <a:rPr lang="en-US" dirty="0" smtClean="0"/>
+              <a:t>Synthetic </a:t>
+            </a:r>
+            <a:r>
+              <a:rPr lang="en-US" dirty="0" smtClean="0"/>
+              <a:t>Evaluation – 5% noise</a:t>
+            </a:r>
+            <a:endParaRPr lang="en-US" dirty="0"/>
+          </a:p>
+        </p:txBody>
+      </p:sp>
+      <p:sp>
+        <p:nvSpPr>
+          <p:cNvPr id="3" name="Inhaltsplatzhalter 2"/>
+          <p:cNvSpPr>
+            <a:spLocks noGrp="1"/>
+          </p:cNvSpPr>
+          <p:nvPr>
+            <p:ph idx="1"/>
+          </p:nvPr>
+        </p:nvSpPr>
+        <p:spPr/>
+        <p:txBody>
+          <a:bodyPr/>
+          <a:lstStyle/>
+          <a:p>
+            <a:r>
+              <a:rPr lang="en-US" dirty="0" smtClean="0"/>
+              <a:t>Text</a:t>
+            </a:r>
+            <a:endParaRPr lang="en-US" dirty="0"/>
+          </a:p>
+        </p:txBody>
+      </p:sp>
+    </p:spTree>
+    <p:extLst>
+      <p:ext uri="{BB962C8B-B14F-4D97-AF65-F5344CB8AC3E}">
+        <p14:creationId xmlns:p14="http://schemas.microsoft.com/office/powerpoint/2010/main" val="3170734075"/>
+      </p:ext>
+    </p:extLst>
+  </p:cSld>
+  <p:clrMapOvr>
+    <a:masterClrMapping/>
+  </p:clrMapOvr>
+</p:sld>
+</file>
+
+<file path=ppt/slides/slide6.xml><?xml version="1.0" encoding="utf-8"?>
+<p:sld xmlns:a="http://schemas.openxmlformats.org/drawingml/2006/main" xmlns:r="http://schemas.openxmlformats.org/officeDocument/2006/relationships" xmlns:p="http://schemas.openxmlformats.org/presentationml/2006/main">
+  <p:cSld>
+    <p:spTree>
+      <p:nvGrpSpPr>
+        <p:cNvPr id="1" name=""/>
+        <p:cNvGrpSpPr/>
+        <p:nvPr/>
+      </p:nvGrpSpPr>
+      <p:grpSpPr>
+        <a:xfrm>
+          <a:off x="0" y="0"/>
+          <a:ext cx="0" cy="0"/>
+          <a:chOff x="0" y="0"/>
+          <a:chExt cx="0" cy="0"/>
+        </a:xfrm>
+      </p:grpSpPr>
+      <p:sp>
+        <p:nvSpPr>
+          <p:cNvPr id="2" name="Titel 1"/>
+          <p:cNvSpPr>
+            <a:spLocks noGrp="1"/>
+          </p:cNvSpPr>
+          <p:nvPr>
+            <p:ph type="title"/>
+          </p:nvPr>
+        </p:nvSpPr>
+        <p:spPr/>
+        <p:txBody>
+          <a:bodyPr/>
+          <a:lstStyle/>
+          <a:p>
+            <a:r>
+              <a:rPr lang="en-US" dirty="0" smtClean="0"/>
+              <a:t>Synthetic </a:t>
+            </a:r>
+            <a:r>
+              <a:rPr lang="en-US" dirty="0" smtClean="0"/>
+              <a:t>Evaluation – 10% noise</a:t>
+            </a:r>
+            <a:endParaRPr lang="en-US" dirty="0"/>
+          </a:p>
+        </p:txBody>
+      </p:sp>
+      <p:sp>
+        <p:nvSpPr>
+          <p:cNvPr id="3" name="Inhaltsplatzhalter 2"/>
+          <p:cNvSpPr>
+            <a:spLocks noGrp="1"/>
+          </p:cNvSpPr>
+          <p:nvPr>
+            <p:ph idx="1"/>
+          </p:nvPr>
+        </p:nvSpPr>
+        <p:spPr/>
+        <p:txBody>
+          <a:bodyPr/>
+          <a:lstStyle/>
+          <a:p>
+            <a:r>
+              <a:rPr lang="en-US" dirty="0" smtClean="0"/>
+              <a:t>Text</a:t>
+            </a:r>
+            <a:endParaRPr lang="en-US" dirty="0"/>
+          </a:p>
+        </p:txBody>
+      </p:sp>
+    </p:spTree>
+    <p:extLst>
+      <p:ext uri="{BB962C8B-B14F-4D97-AF65-F5344CB8AC3E}">
+        <p14:creationId xmlns:p14="http://schemas.microsoft.com/office/powerpoint/2010/main" val="1715743220"/>
+      </p:ext>
+    </p:extLst>
+  </p:cSld>
+  <p:clrMapOvr>
+    <a:masterClrMapping/>
+  </p:clrMapOvr>
+</p:sld>
+</file>
+
+<file path=ppt/slides/slide7.xml><?xml version="1.0" encoding="utf-8"?>
+<p:sld xmlns:a="http://schemas.openxmlformats.org/drawingml/2006/main" xmlns:r="http://schemas.openxmlformats.org/officeDocument/2006/relationships" xmlns:p="http://schemas.openxmlformats.org/presentationml/2006/main">
+  <p:cSld>
+    <p:spTree>
+      <p:nvGrpSpPr>
+        <p:cNvPr id="1" name=""/>
+        <p:cNvGrpSpPr/>
+        <p:nvPr/>
+      </p:nvGrpSpPr>
+      <p:grpSpPr>
+        <a:xfrm>
+          <a:off x="0" y="0"/>
+          <a:ext cx="0" cy="0"/>
+          <a:chOff x="0" y="0"/>
+          <a:chExt cx="0" cy="0"/>
+        </a:xfrm>
+      </p:grpSpPr>
+      <p:sp>
+        <p:nvSpPr>
+          <p:cNvPr id="2" name="Titel 1"/>
+          <p:cNvSpPr>
+            <a:spLocks noGrp="1"/>
+          </p:cNvSpPr>
+          <p:nvPr>
+            <p:ph type="title"/>
+          </p:nvPr>
+        </p:nvSpPr>
+        <p:spPr/>
+        <p:txBody>
+          <a:bodyPr/>
+          <a:lstStyle/>
+          <a:p>
+            <a:r>
+              <a:rPr lang="en-US" dirty="0" smtClean="0"/>
               <a:t>Case Studies</a:t>
             </a:r>
             <a:endParaRPr lang="en-US" dirty="0"/>
@@ -4655,7 +5498,7 @@
 </p:sld>
 </file>
 
-<file path=ppt/slides/slide5.xml><?xml version="1.0" encoding="utf-8"?>
+<file path=ppt/slides/slide8.xml><?xml version="1.0" encoding="utf-8"?>
 <p:sld xmlns:a="http://schemas.openxmlformats.org/drawingml/2006/main" xmlns:r="http://schemas.openxmlformats.org/officeDocument/2006/relationships" xmlns:p="http://schemas.openxmlformats.org/presentationml/2006/main">
   <p:cSld>
     <p:spTree>
@@ -5789,7 +6632,7 @@
 </p:sld>
 </file>
 
-<file path=ppt/slides/slide6.xml><?xml version="1.0" encoding="utf-8"?>
+<file path=ppt/slides/slide9.xml><?xml version="1.0" encoding="utf-8"?>
 <p:sld xmlns:a="http://schemas.openxmlformats.org/drawingml/2006/main" xmlns:r="http://schemas.openxmlformats.org/officeDocument/2006/relationships" xmlns:p="http://schemas.openxmlformats.org/presentationml/2006/main">
   <p:cSld>
     <p:spTree>
@@ -5930,543 +6773,6 @@
     <p:extLst>
       <p:ext uri="{BB962C8B-B14F-4D97-AF65-F5344CB8AC3E}">
         <p14:creationId xmlns:p14="http://schemas.microsoft.com/office/powerpoint/2010/main" val="2623534869"/>
-      </p:ext>
-    </p:extLst>
-  </p:cSld>
-  <p:clrMapOvr>
-    <a:masterClrMapping/>
-  </p:clrMapOvr>
-</p:sld>
-</file>
-
-<file path=ppt/slides/slide7.xml><?xml version="1.0" encoding="utf-8"?>
-<p:sld xmlns:a="http://schemas.openxmlformats.org/drawingml/2006/main" xmlns:r="http://schemas.openxmlformats.org/officeDocument/2006/relationships" xmlns:p="http://schemas.openxmlformats.org/presentationml/2006/main">
-  <p:cSld>
-    <p:spTree>
-      <p:nvGrpSpPr>
-        <p:cNvPr id="1" name=""/>
-        <p:cNvGrpSpPr/>
-        <p:nvPr/>
-      </p:nvGrpSpPr>
-      <p:grpSpPr>
-        <a:xfrm>
-          <a:off x="0" y="0"/>
-          <a:ext cx="0" cy="0"/>
-          <a:chOff x="0" y="0"/>
-          <a:chExt cx="0" cy="0"/>
-        </a:xfrm>
-      </p:grpSpPr>
-      <p:sp>
-        <p:nvSpPr>
-          <p:cNvPr id="14" name="Textfeld 13"/>
-          <p:cNvSpPr txBox="1"/>
-          <p:nvPr/>
-        </p:nvSpPr>
-        <p:spPr>
-          <a:xfrm>
-            <a:off x="1128889" y="485422"/>
-            <a:ext cx="4323644" cy="461665"/>
-          </a:xfrm>
-          <a:prstGeom prst="rect">
-            <a:avLst/>
-          </a:prstGeom>
-          <a:noFill/>
-        </p:spPr>
-        <p:txBody>
-          <a:bodyPr wrap="square" rtlCol="0">
-            <a:spAutoFit/>
-          </a:bodyPr>
-          <a:lstStyle/>
-          <a:p>
-            <a:r>
-              <a:rPr lang="en-US" sz="2400" b="1" dirty="0" smtClean="0"/>
-              <a:t>Relearn results</a:t>
-            </a:r>
-            <a:endParaRPr lang="en-US" sz="2400" b="1" dirty="0"/>
-          </a:p>
-        </p:txBody>
-      </p:sp>
-      <p:pic>
-        <p:nvPicPr>
-          <p:cNvPr id="2" name="Grafik 1"/>
-          <p:cNvPicPr>
-            <a:picLocks noChangeAspect="1"/>
-          </p:cNvPicPr>
-          <p:nvPr/>
-        </p:nvPicPr>
-        <p:blipFill>
-          <a:blip r:embed="rId2">
-            <a:extLst>
-              <a:ext uri="{28A0092B-C50C-407E-A947-70E740481C1C}">
-                <a14:useLocalDpi xmlns:a14="http://schemas.microsoft.com/office/drawing/2010/main" val="0"/>
-              </a:ext>
-            </a:extLst>
-          </a:blip>
-          <a:stretch>
-            <a:fillRect/>
-          </a:stretch>
-        </p:blipFill>
-        <p:spPr>
-          <a:xfrm>
-            <a:off x="3169914" y="1234435"/>
-            <a:ext cx="5852172" cy="4389129"/>
-          </a:xfrm>
-          <a:prstGeom prst="rect">
-            <a:avLst/>
-          </a:prstGeom>
-        </p:spPr>
-      </p:pic>
-      <p:sp>
-        <p:nvSpPr>
-          <p:cNvPr id="4" name="Abgerundetes Rechteck 3"/>
-          <p:cNvSpPr/>
-          <p:nvPr/>
-        </p:nvSpPr>
-        <p:spPr>
-          <a:xfrm>
-            <a:off x="278360" y="3855452"/>
-            <a:ext cx="2822222" cy="1557867"/>
-          </a:xfrm>
-          <a:prstGeom prst="roundRect">
-            <a:avLst/>
-          </a:prstGeom>
-        </p:spPr>
-        <p:style>
-          <a:lnRef idx="2">
-            <a:schemeClr val="accent1">
-              <a:shade val="50000"/>
-            </a:schemeClr>
-          </a:lnRef>
-          <a:fillRef idx="1">
-            <a:schemeClr val="accent1"/>
-          </a:fillRef>
-          <a:effectRef idx="0">
-            <a:schemeClr val="accent1"/>
-          </a:effectRef>
-          <a:fontRef idx="minor">
-            <a:schemeClr val="lt1"/>
-          </a:fontRef>
-        </p:style>
-        <p:txBody>
-          <a:bodyPr rtlCol="0" anchor="ctr"/>
-          <a:lstStyle/>
-          <a:p>
-            <a:pPr algn="ctr"/>
-            <a:r>
-              <a:rPr lang="en-US" sz="1400" dirty="0" smtClean="0"/>
-              <a:t>This plot basically shows how well the different strategies use the available modeling budget</a:t>
-            </a:r>
-            <a:endParaRPr lang="en-US" sz="1400" dirty="0"/>
-          </a:p>
-        </p:txBody>
-      </p:sp>
-      <p:sp>
-        <p:nvSpPr>
-          <p:cNvPr id="7" name="Abgerundetes Rechteck 6"/>
-          <p:cNvSpPr/>
-          <p:nvPr/>
-        </p:nvSpPr>
-        <p:spPr>
-          <a:xfrm>
-            <a:off x="9091418" y="4376821"/>
-            <a:ext cx="2822222" cy="1557867"/>
-          </a:xfrm>
-          <a:prstGeom prst="roundRect">
-            <a:avLst/>
-          </a:prstGeom>
-          <a:solidFill>
-            <a:srgbClr val="FF0000"/>
-          </a:solidFill>
-        </p:spPr>
-        <p:style>
-          <a:lnRef idx="2">
-            <a:schemeClr val="accent1">
-              <a:shade val="50000"/>
-            </a:schemeClr>
-          </a:lnRef>
-          <a:fillRef idx="1">
-            <a:schemeClr val="accent1"/>
-          </a:fillRef>
-          <a:effectRef idx="0">
-            <a:schemeClr val="accent1"/>
-          </a:effectRef>
-          <a:fontRef idx="minor">
-            <a:schemeClr val="lt1"/>
-          </a:fontRef>
-        </p:style>
-        <p:txBody>
-          <a:bodyPr rtlCol="0" anchor="ctr"/>
-          <a:lstStyle/>
-          <a:p>
-            <a:pPr algn="ctr"/>
-            <a:r>
-              <a:rPr lang="en-US" sz="1400" dirty="0" smtClean="0"/>
-              <a:t>???</a:t>
-            </a:r>
-          </a:p>
-          <a:p>
-            <a:pPr algn="ctr"/>
-            <a:r>
-              <a:rPr lang="en-US" sz="1400" dirty="0" smtClean="0"/>
-              <a:t>Maybe I should change this plot to show the difference better…</a:t>
-            </a:r>
-            <a:endParaRPr lang="en-US" sz="1400" dirty="0"/>
-          </a:p>
-        </p:txBody>
-      </p:sp>
-    </p:spTree>
-    <p:extLst>
-      <p:ext uri="{BB962C8B-B14F-4D97-AF65-F5344CB8AC3E}">
-        <p14:creationId xmlns:p14="http://schemas.microsoft.com/office/powerpoint/2010/main" val="3196979004"/>
-      </p:ext>
-    </p:extLst>
-  </p:cSld>
-  <p:clrMapOvr>
-    <a:masterClrMapping/>
-  </p:clrMapOvr>
-</p:sld>
-</file>
-
-<file path=ppt/slides/slide8.xml><?xml version="1.0" encoding="utf-8"?>
-<p:sld xmlns:a="http://schemas.openxmlformats.org/drawingml/2006/main" xmlns:r="http://schemas.openxmlformats.org/officeDocument/2006/relationships" xmlns:p="http://schemas.openxmlformats.org/presentationml/2006/main">
-  <p:cSld>
-    <p:spTree>
-      <p:nvGrpSpPr>
-        <p:cNvPr id="1" name=""/>
-        <p:cNvGrpSpPr/>
-        <p:nvPr/>
-      </p:nvGrpSpPr>
-      <p:grpSpPr>
-        <a:xfrm>
-          <a:off x="0" y="0"/>
-          <a:ext cx="0" cy="0"/>
-          <a:chOff x="0" y="0"/>
-          <a:chExt cx="0" cy="0"/>
-        </a:xfrm>
-      </p:grpSpPr>
-      <p:sp>
-        <p:nvSpPr>
-          <p:cNvPr id="14" name="Textfeld 13"/>
-          <p:cNvSpPr txBox="1"/>
-          <p:nvPr/>
-        </p:nvSpPr>
-        <p:spPr>
-          <a:xfrm>
-            <a:off x="1128889" y="485422"/>
-            <a:ext cx="4323644" cy="461665"/>
-          </a:xfrm>
-          <a:prstGeom prst="rect">
-            <a:avLst/>
-          </a:prstGeom>
-          <a:noFill/>
-        </p:spPr>
-        <p:txBody>
-          <a:bodyPr wrap="square" rtlCol="0">
-            <a:spAutoFit/>
-          </a:bodyPr>
-          <a:lstStyle/>
-          <a:p>
-            <a:r>
-              <a:rPr lang="en-US" sz="2400" b="1" dirty="0" smtClean="0"/>
-              <a:t>Relearn results</a:t>
-            </a:r>
-            <a:endParaRPr lang="en-US" sz="2400" b="1" dirty="0"/>
-          </a:p>
-        </p:txBody>
-      </p:sp>
-      <p:pic>
-        <p:nvPicPr>
-          <p:cNvPr id="2" name="Grafik 1"/>
-          <p:cNvPicPr>
-            <a:picLocks noChangeAspect="1"/>
-          </p:cNvPicPr>
-          <p:nvPr/>
-        </p:nvPicPr>
-        <p:blipFill>
-          <a:blip r:embed="rId2">
-            <a:extLst>
-              <a:ext uri="{28A0092B-C50C-407E-A947-70E740481C1C}">
-                <a14:useLocalDpi xmlns:a14="http://schemas.microsoft.com/office/drawing/2010/main" val="0"/>
-              </a:ext>
-            </a:extLst>
-          </a:blip>
-          <a:stretch>
-            <a:fillRect/>
-          </a:stretch>
-        </p:blipFill>
-        <p:spPr>
-          <a:xfrm>
-            <a:off x="3145851" y="1583351"/>
-            <a:ext cx="5852172" cy="4389129"/>
-          </a:xfrm>
-          <a:prstGeom prst="rect">
-            <a:avLst/>
-          </a:prstGeom>
-        </p:spPr>
-      </p:pic>
-      <p:sp>
-        <p:nvSpPr>
-          <p:cNvPr id="4" name="Abgerundetes Rechteck 3"/>
-          <p:cNvSpPr/>
-          <p:nvPr/>
-        </p:nvSpPr>
-        <p:spPr>
-          <a:xfrm>
-            <a:off x="310444" y="3911600"/>
-            <a:ext cx="2822222" cy="1557867"/>
-          </a:xfrm>
-          <a:prstGeom prst="roundRect">
-            <a:avLst/>
-          </a:prstGeom>
-        </p:spPr>
-        <p:style>
-          <a:lnRef idx="2">
-            <a:schemeClr val="accent1">
-              <a:shade val="50000"/>
-            </a:schemeClr>
-          </a:lnRef>
-          <a:fillRef idx="1">
-            <a:schemeClr val="accent1"/>
-          </a:fillRef>
-          <a:effectRef idx="0">
-            <a:schemeClr val="accent1"/>
-          </a:effectRef>
-          <a:fontRef idx="minor">
-            <a:schemeClr val="lt1"/>
-          </a:fontRef>
-        </p:style>
-        <p:txBody>
-          <a:bodyPr rtlCol="0" anchor="ctr"/>
-          <a:lstStyle/>
-          <a:p>
-            <a:pPr algn="ctr"/>
-            <a:r>
-              <a:rPr lang="en-US" sz="1400" dirty="0" smtClean="0"/>
-              <a:t>We can get the same accuracy for our models but need to measure less configurations with the GPR strategy…</a:t>
-            </a:r>
-            <a:endParaRPr lang="en-US" sz="1400" dirty="0"/>
-          </a:p>
-        </p:txBody>
-      </p:sp>
-      <p:cxnSp>
-        <p:nvCxnSpPr>
-          <p:cNvPr id="5" name="Gerade Verbindung mit Pfeil 4"/>
-          <p:cNvCxnSpPr>
-            <a:stCxn id="4" idx="3"/>
-          </p:cNvCxnSpPr>
-          <p:nvPr/>
-        </p:nvCxnSpPr>
-        <p:spPr>
-          <a:xfrm>
-            <a:off x="3132666" y="4690534"/>
-            <a:ext cx="1319018" cy="41887"/>
-          </a:xfrm>
-          <a:prstGeom prst="straightConnector1">
-            <a:avLst/>
-          </a:prstGeom>
-          <a:ln w="76200">
-            <a:tailEnd type="triangle"/>
-          </a:ln>
-        </p:spPr>
-        <p:style>
-          <a:lnRef idx="1">
-            <a:schemeClr val="accent1"/>
-          </a:lnRef>
-          <a:fillRef idx="0">
-            <a:schemeClr val="accent1"/>
-          </a:fillRef>
-          <a:effectRef idx="0">
-            <a:schemeClr val="accent1"/>
-          </a:effectRef>
-          <a:fontRef idx="minor">
-            <a:schemeClr val="tx1"/>
-          </a:fontRef>
-        </p:style>
-      </p:cxnSp>
-    </p:spTree>
-    <p:extLst>
-      <p:ext uri="{BB962C8B-B14F-4D97-AF65-F5344CB8AC3E}">
-        <p14:creationId xmlns:p14="http://schemas.microsoft.com/office/powerpoint/2010/main" val="1686849208"/>
-      </p:ext>
-    </p:extLst>
-  </p:cSld>
-  <p:clrMapOvr>
-    <a:masterClrMapping/>
-  </p:clrMapOvr>
-</p:sld>
-</file>
-
-<file path=ppt/slides/slide9.xml><?xml version="1.0" encoding="utf-8"?>
-<p:sld xmlns:a="http://schemas.openxmlformats.org/drawingml/2006/main" xmlns:r="http://schemas.openxmlformats.org/officeDocument/2006/relationships" xmlns:p="http://schemas.openxmlformats.org/presentationml/2006/main">
-  <p:cSld>
-    <p:spTree>
-      <p:nvGrpSpPr>
-        <p:cNvPr id="1" name=""/>
-        <p:cNvGrpSpPr/>
-        <p:nvPr/>
-      </p:nvGrpSpPr>
-      <p:grpSpPr>
-        <a:xfrm>
-          <a:off x="0" y="0"/>
-          <a:ext cx="0" cy="0"/>
-          <a:chOff x="0" y="0"/>
-          <a:chExt cx="0" cy="0"/>
-        </a:xfrm>
-      </p:grpSpPr>
-      <p:sp>
-        <p:nvSpPr>
-          <p:cNvPr id="14" name="Textfeld 13"/>
-          <p:cNvSpPr txBox="1"/>
-          <p:nvPr/>
-        </p:nvSpPr>
-        <p:spPr>
-          <a:xfrm>
-            <a:off x="1128889" y="485422"/>
-            <a:ext cx="4323644" cy="461665"/>
-          </a:xfrm>
-          <a:prstGeom prst="rect">
-            <a:avLst/>
-          </a:prstGeom>
-          <a:noFill/>
-        </p:spPr>
-        <p:txBody>
-          <a:bodyPr wrap="square" rtlCol="0">
-            <a:spAutoFit/>
-          </a:bodyPr>
-          <a:lstStyle/>
-          <a:p>
-            <a:r>
-              <a:rPr lang="en-US" sz="2400" b="1" dirty="0" smtClean="0"/>
-              <a:t>LULESH results - accuracy</a:t>
-            </a:r>
-            <a:endParaRPr lang="en-US" sz="2400" b="1" dirty="0"/>
-          </a:p>
-        </p:txBody>
-      </p:sp>
-      <p:pic>
-        <p:nvPicPr>
-          <p:cNvPr id="2" name="Grafik 1"/>
-          <p:cNvPicPr>
-            <a:picLocks noChangeAspect="1"/>
-          </p:cNvPicPr>
-          <p:nvPr/>
-        </p:nvPicPr>
-        <p:blipFill>
-          <a:blip r:embed="rId2">
-            <a:extLst>
-              <a:ext uri="{28A0092B-C50C-407E-A947-70E740481C1C}">
-                <a14:useLocalDpi xmlns:a14="http://schemas.microsoft.com/office/drawing/2010/main" val="0"/>
-              </a:ext>
-            </a:extLst>
-          </a:blip>
-          <a:stretch>
-            <a:fillRect/>
-          </a:stretch>
-        </p:blipFill>
-        <p:spPr>
-          <a:xfrm>
-            <a:off x="243834" y="716254"/>
-            <a:ext cx="5852172" cy="4389129"/>
-          </a:xfrm>
-          <a:prstGeom prst="rect">
-            <a:avLst/>
-          </a:prstGeom>
-        </p:spPr>
-      </p:pic>
-      <p:pic>
-        <p:nvPicPr>
-          <p:cNvPr id="3" name="Grafik 2"/>
-          <p:cNvPicPr>
-            <a:picLocks noChangeAspect="1"/>
-          </p:cNvPicPr>
-          <p:nvPr/>
-        </p:nvPicPr>
-        <p:blipFill>
-          <a:blip r:embed="rId3">
-            <a:extLst>
-              <a:ext uri="{28A0092B-C50C-407E-A947-70E740481C1C}">
-                <a14:useLocalDpi xmlns:a14="http://schemas.microsoft.com/office/drawing/2010/main" val="0"/>
-              </a:ext>
-            </a:extLst>
-          </a:blip>
-          <a:stretch>
-            <a:fillRect/>
-          </a:stretch>
-        </p:blipFill>
-        <p:spPr>
-          <a:xfrm>
-            <a:off x="6096006" y="0"/>
-            <a:ext cx="5852172" cy="4389129"/>
-          </a:xfrm>
-          <a:prstGeom prst="rect">
-            <a:avLst/>
-          </a:prstGeom>
-        </p:spPr>
-      </p:pic>
-      <p:pic>
-        <p:nvPicPr>
-          <p:cNvPr id="6" name="Grafik 5"/>
-          <p:cNvPicPr>
-            <a:picLocks noChangeAspect="1"/>
-          </p:cNvPicPr>
-          <p:nvPr/>
-        </p:nvPicPr>
-        <p:blipFill>
-          <a:blip r:embed="rId4">
-            <a:extLst>
-              <a:ext uri="{28A0092B-C50C-407E-A947-70E740481C1C}">
-                <a14:useLocalDpi xmlns:a14="http://schemas.microsoft.com/office/drawing/2010/main" val="0"/>
-              </a:ext>
-            </a:extLst>
-          </a:blip>
-          <a:stretch>
-            <a:fillRect/>
-          </a:stretch>
-        </p:blipFill>
-        <p:spPr>
-          <a:xfrm>
-            <a:off x="493216" y="3977635"/>
-            <a:ext cx="5852172" cy="4389129"/>
-          </a:xfrm>
-          <a:prstGeom prst="rect">
-            <a:avLst/>
-          </a:prstGeom>
-        </p:spPr>
-      </p:pic>
-      <p:pic>
-        <p:nvPicPr>
-          <p:cNvPr id="10" name="Grafik 9"/>
-          <p:cNvPicPr>
-            <a:picLocks noChangeAspect="1"/>
-          </p:cNvPicPr>
-          <p:nvPr/>
-        </p:nvPicPr>
-        <p:blipFill>
-          <a:blip r:embed="rId5">
-            <a:extLst>
-              <a:ext uri="{28A0092B-C50C-407E-A947-70E740481C1C}">
-                <a14:useLocalDpi xmlns:a14="http://schemas.microsoft.com/office/drawing/2010/main" val="0"/>
-              </a:ext>
-            </a:extLst>
-          </a:blip>
-          <a:stretch>
-            <a:fillRect/>
-          </a:stretch>
-        </p:blipFill>
-        <p:spPr>
-          <a:xfrm>
-            <a:off x="6339828" y="3977634"/>
-            <a:ext cx="5852172" cy="4389129"/>
-          </a:xfrm>
-          <a:prstGeom prst="rect">
-            <a:avLst/>
-          </a:prstGeom>
-        </p:spPr>
-      </p:pic>
-    </p:spTree>
-    <p:extLst>
-      <p:ext uri="{BB962C8B-B14F-4D97-AF65-F5344CB8AC3E}">
-        <p14:creationId xmlns:p14="http://schemas.microsoft.com/office/powerpoint/2010/main" val="1411974968"/>
       </p:ext>
     </p:extLst>
   </p:cSld>

--- a/Results.pptx
+++ b/Results.pptx
@@ -2,7 +2,7 @@
 <file path=ppt/presentation.xml><?xml version="1.0" encoding="utf-8"?>
 <p:presentation xmlns:a="http://schemas.openxmlformats.org/drawingml/2006/main" xmlns:r="http://schemas.openxmlformats.org/officeDocument/2006/relationships" xmlns:p="http://schemas.openxmlformats.org/presentationml/2006/main" saveSubsetFonts="1">
   <p:sldMasterIdLst>
-    <p:sldMasterId id="2147483648" r:id="rId1"/>
+    <p:sldMasterId id="2147483730" r:id="rId1"/>
   </p:sldMasterIdLst>
   <p:sldIdLst>
     <p:sldId id="275" r:id="rId2"/>
@@ -280,7 +280,7 @@
           <a:p>
             <a:fld id="{8C4928E7-25E9-4A35-8DE4-756C3B164F1F}" type="datetimeFigureOut">
               <a:rPr lang="en-US" smtClean="0"/>
-              <a:t>7/13/2023</a:t>
+              <a:t>7/14/2023</a:t>
             </a:fld>
             <a:endParaRPr lang="en-US"/>
           </a:p>
@@ -331,7 +331,7 @@
     </p:spTree>
     <p:extLst>
       <p:ext uri="{BB962C8B-B14F-4D97-AF65-F5344CB8AC3E}">
-        <p14:creationId xmlns:p14="http://schemas.microsoft.com/office/powerpoint/2010/main" val="2765325775"/>
+        <p14:creationId xmlns:p14="http://schemas.microsoft.com/office/powerpoint/2010/main" val="2093285315"/>
       </p:ext>
     </p:extLst>
   </p:cSld>
@@ -450,7 +450,7 @@
           <a:p>
             <a:fld id="{8C4928E7-25E9-4A35-8DE4-756C3B164F1F}" type="datetimeFigureOut">
               <a:rPr lang="en-US" smtClean="0"/>
-              <a:t>7/13/2023</a:t>
+              <a:t>7/14/2023</a:t>
             </a:fld>
             <a:endParaRPr lang="en-US"/>
           </a:p>
@@ -501,7 +501,7 @@
     </p:spTree>
     <p:extLst>
       <p:ext uri="{BB962C8B-B14F-4D97-AF65-F5344CB8AC3E}">
-        <p14:creationId xmlns:p14="http://schemas.microsoft.com/office/powerpoint/2010/main" val="1944079142"/>
+        <p14:creationId xmlns:p14="http://schemas.microsoft.com/office/powerpoint/2010/main" val="1801577885"/>
       </p:ext>
     </p:extLst>
   </p:cSld>
@@ -630,7 +630,7 @@
           <a:p>
             <a:fld id="{8C4928E7-25E9-4A35-8DE4-756C3B164F1F}" type="datetimeFigureOut">
               <a:rPr lang="en-US" smtClean="0"/>
-              <a:t>7/13/2023</a:t>
+              <a:t>7/14/2023</a:t>
             </a:fld>
             <a:endParaRPr lang="en-US"/>
           </a:p>
@@ -681,7 +681,7 @@
     </p:spTree>
     <p:extLst>
       <p:ext uri="{BB962C8B-B14F-4D97-AF65-F5344CB8AC3E}">
-        <p14:creationId xmlns:p14="http://schemas.microsoft.com/office/powerpoint/2010/main" val="3786510345"/>
+        <p14:creationId xmlns:p14="http://schemas.microsoft.com/office/powerpoint/2010/main" val="2222633088"/>
       </p:ext>
     </p:extLst>
   </p:cSld>
@@ -800,7 +800,7 @@
           <a:p>
             <a:fld id="{8C4928E7-25E9-4A35-8DE4-756C3B164F1F}" type="datetimeFigureOut">
               <a:rPr lang="en-US" smtClean="0"/>
-              <a:t>7/13/2023</a:t>
+              <a:t>7/14/2023</a:t>
             </a:fld>
             <a:endParaRPr lang="en-US"/>
           </a:p>
@@ -851,7 +851,7 @@
     </p:spTree>
     <p:extLst>
       <p:ext uri="{BB962C8B-B14F-4D97-AF65-F5344CB8AC3E}">
-        <p14:creationId xmlns:p14="http://schemas.microsoft.com/office/powerpoint/2010/main" val="969602343"/>
+        <p14:creationId xmlns:p14="http://schemas.microsoft.com/office/powerpoint/2010/main" val="585163641"/>
       </p:ext>
     </p:extLst>
   </p:cSld>
@@ -1046,7 +1046,7 @@
           <a:p>
             <a:fld id="{8C4928E7-25E9-4A35-8DE4-756C3B164F1F}" type="datetimeFigureOut">
               <a:rPr lang="en-US" smtClean="0"/>
-              <a:t>7/13/2023</a:t>
+              <a:t>7/14/2023</a:t>
             </a:fld>
             <a:endParaRPr lang="en-US"/>
           </a:p>
@@ -1097,7 +1097,7 @@
     </p:spTree>
     <p:extLst>
       <p:ext uri="{BB962C8B-B14F-4D97-AF65-F5344CB8AC3E}">
-        <p14:creationId xmlns:p14="http://schemas.microsoft.com/office/powerpoint/2010/main" val="529367878"/>
+        <p14:creationId xmlns:p14="http://schemas.microsoft.com/office/powerpoint/2010/main" val="1703254449"/>
       </p:ext>
     </p:extLst>
   </p:cSld>
@@ -1278,7 +1278,7 @@
           <a:p>
             <a:fld id="{8C4928E7-25E9-4A35-8DE4-756C3B164F1F}" type="datetimeFigureOut">
               <a:rPr lang="en-US" smtClean="0"/>
-              <a:t>7/13/2023</a:t>
+              <a:t>7/14/2023</a:t>
             </a:fld>
             <a:endParaRPr lang="en-US"/>
           </a:p>
@@ -1329,7 +1329,7 @@
     </p:spTree>
     <p:extLst>
       <p:ext uri="{BB962C8B-B14F-4D97-AF65-F5344CB8AC3E}">
-        <p14:creationId xmlns:p14="http://schemas.microsoft.com/office/powerpoint/2010/main" val="3199064643"/>
+        <p14:creationId xmlns:p14="http://schemas.microsoft.com/office/powerpoint/2010/main" val="2750555191"/>
       </p:ext>
     </p:extLst>
   </p:cSld>
@@ -1645,7 +1645,7 @@
           <a:p>
             <a:fld id="{8C4928E7-25E9-4A35-8DE4-756C3B164F1F}" type="datetimeFigureOut">
               <a:rPr lang="en-US" smtClean="0"/>
-              <a:t>7/13/2023</a:t>
+              <a:t>7/14/2023</a:t>
             </a:fld>
             <a:endParaRPr lang="en-US"/>
           </a:p>
@@ -1696,7 +1696,7 @@
     </p:spTree>
     <p:extLst>
       <p:ext uri="{BB962C8B-B14F-4D97-AF65-F5344CB8AC3E}">
-        <p14:creationId xmlns:p14="http://schemas.microsoft.com/office/powerpoint/2010/main" val="3444878194"/>
+        <p14:creationId xmlns:p14="http://schemas.microsoft.com/office/powerpoint/2010/main" val="3110161759"/>
       </p:ext>
     </p:extLst>
   </p:cSld>
@@ -1763,7 +1763,7 @@
           <a:p>
             <a:fld id="{8C4928E7-25E9-4A35-8DE4-756C3B164F1F}" type="datetimeFigureOut">
               <a:rPr lang="en-US" smtClean="0"/>
-              <a:t>7/13/2023</a:t>
+              <a:t>7/14/2023</a:t>
             </a:fld>
             <a:endParaRPr lang="en-US"/>
           </a:p>
@@ -1814,7 +1814,7 @@
     </p:spTree>
     <p:extLst>
       <p:ext uri="{BB962C8B-B14F-4D97-AF65-F5344CB8AC3E}">
-        <p14:creationId xmlns:p14="http://schemas.microsoft.com/office/powerpoint/2010/main" val="3110604098"/>
+        <p14:creationId xmlns:p14="http://schemas.microsoft.com/office/powerpoint/2010/main" val="3553218518"/>
       </p:ext>
     </p:extLst>
   </p:cSld>
@@ -1858,7 +1858,7 @@
           <a:p>
             <a:fld id="{8C4928E7-25E9-4A35-8DE4-756C3B164F1F}" type="datetimeFigureOut">
               <a:rPr lang="en-US" smtClean="0"/>
-              <a:t>7/13/2023</a:t>
+              <a:t>7/14/2023</a:t>
             </a:fld>
             <a:endParaRPr lang="en-US"/>
           </a:p>
@@ -1909,7 +1909,7 @@
     </p:spTree>
     <p:extLst>
       <p:ext uri="{BB962C8B-B14F-4D97-AF65-F5344CB8AC3E}">
-        <p14:creationId xmlns:p14="http://schemas.microsoft.com/office/powerpoint/2010/main" val="3732331102"/>
+        <p14:creationId xmlns:p14="http://schemas.microsoft.com/office/powerpoint/2010/main" val="1466355374"/>
       </p:ext>
     </p:extLst>
   </p:cSld>
@@ -2135,7 +2135,7 @@
           <a:p>
             <a:fld id="{8C4928E7-25E9-4A35-8DE4-756C3B164F1F}" type="datetimeFigureOut">
               <a:rPr lang="en-US" smtClean="0"/>
-              <a:t>7/13/2023</a:t>
+              <a:t>7/14/2023</a:t>
             </a:fld>
             <a:endParaRPr lang="en-US"/>
           </a:p>
@@ -2186,7 +2186,7 @@
     </p:spTree>
     <p:extLst>
       <p:ext uri="{BB962C8B-B14F-4D97-AF65-F5344CB8AC3E}">
-        <p14:creationId xmlns:p14="http://schemas.microsoft.com/office/powerpoint/2010/main" val="2790751312"/>
+        <p14:creationId xmlns:p14="http://schemas.microsoft.com/office/powerpoint/2010/main" val="537920174"/>
       </p:ext>
     </p:extLst>
   </p:cSld>
@@ -2388,7 +2388,7 @@
           <a:p>
             <a:fld id="{8C4928E7-25E9-4A35-8DE4-756C3B164F1F}" type="datetimeFigureOut">
               <a:rPr lang="en-US" smtClean="0"/>
-              <a:t>7/13/2023</a:t>
+              <a:t>7/14/2023</a:t>
             </a:fld>
             <a:endParaRPr lang="en-US"/>
           </a:p>
@@ -2439,7 +2439,7 @@
     </p:spTree>
     <p:extLst>
       <p:ext uri="{BB962C8B-B14F-4D97-AF65-F5344CB8AC3E}">
-        <p14:creationId xmlns:p14="http://schemas.microsoft.com/office/powerpoint/2010/main" val="1818477776"/>
+        <p14:creationId xmlns:p14="http://schemas.microsoft.com/office/powerpoint/2010/main" val="4037642222"/>
       </p:ext>
     </p:extLst>
   </p:cSld>
@@ -2601,7 +2601,7 @@
           <a:p>
             <a:fld id="{8C4928E7-25E9-4A35-8DE4-756C3B164F1F}" type="datetimeFigureOut">
               <a:rPr lang="en-US" smtClean="0"/>
-              <a:t>7/13/2023</a:t>
+              <a:t>7/14/2023</a:t>
             </a:fld>
             <a:endParaRPr lang="en-US"/>
           </a:p>
@@ -2688,23 +2688,23 @@
     </p:spTree>
     <p:extLst>
       <p:ext uri="{BB962C8B-B14F-4D97-AF65-F5344CB8AC3E}">
-        <p14:creationId xmlns:p14="http://schemas.microsoft.com/office/powerpoint/2010/main" val="154223070"/>
+        <p14:creationId xmlns:p14="http://schemas.microsoft.com/office/powerpoint/2010/main" val="2940405471"/>
       </p:ext>
     </p:extLst>
   </p:cSld>
   <p:clrMap bg1="lt1" tx1="dk1" bg2="lt2" tx2="dk2" accent1="accent1" accent2="accent2" accent3="accent3" accent4="accent4" accent5="accent5" accent6="accent6" hlink="hlink" folHlink="folHlink"/>
   <p:sldLayoutIdLst>
-    <p:sldLayoutId id="2147483649" r:id="rId1"/>
-    <p:sldLayoutId id="2147483650" r:id="rId2"/>
-    <p:sldLayoutId id="2147483651" r:id="rId3"/>
-    <p:sldLayoutId id="2147483652" r:id="rId4"/>
-    <p:sldLayoutId id="2147483653" r:id="rId5"/>
-    <p:sldLayoutId id="2147483654" r:id="rId6"/>
-    <p:sldLayoutId id="2147483655" r:id="rId7"/>
-    <p:sldLayoutId id="2147483656" r:id="rId8"/>
-    <p:sldLayoutId id="2147483657" r:id="rId9"/>
-    <p:sldLayoutId id="2147483658" r:id="rId10"/>
-    <p:sldLayoutId id="2147483659" r:id="rId11"/>
+    <p:sldLayoutId id="2147483731" r:id="rId1"/>
+    <p:sldLayoutId id="2147483732" r:id="rId2"/>
+    <p:sldLayoutId id="2147483733" r:id="rId3"/>
+    <p:sldLayoutId id="2147483734" r:id="rId4"/>
+    <p:sldLayoutId id="2147483735" r:id="rId5"/>
+    <p:sldLayoutId id="2147483736" r:id="rId6"/>
+    <p:sldLayoutId id="2147483737" r:id="rId7"/>
+    <p:sldLayoutId id="2147483738" r:id="rId8"/>
+    <p:sldLayoutId id="2147483739" r:id="rId9"/>
+    <p:sldLayoutId id="2147483740" r:id="rId10"/>
+    <p:sldLayoutId id="2147483741" r:id="rId11"/>
   </p:sldLayoutIdLst>
   <p:txStyles>
     <p:titleStyle>
@@ -4456,11 +4456,11 @@
   <p:clrMapOvr>
     <a:masterClrMapping/>
   </p:clrMapOvr>
-  <mc:AlternateContent xmlns:mc="http://schemas.openxmlformats.org/markup-compatibility/2006">
-    <mc:Choice xmlns:p14="http://schemas.microsoft.com/office/powerpoint/2010/main" Requires="p14">
+  <mc:AlternateContent xmlns:mc="http://schemas.openxmlformats.org/markup-compatibility/2006" xmlns:p14="http://schemas.microsoft.com/office/powerpoint/2010/main">
+    <mc:Choice Requires="p14">
       <p:transition spd="slow" p14:dur="2000"/>
     </mc:Choice>
-    <mc:Fallback>
+    <mc:Fallback xmlns="">
       <p:transition spd="slow"/>
     </mc:Fallback>
   </mc:AlternateContent>
@@ -5101,39 +5101,132 @@
           <a:p>
             <a:r>
               <a:rPr lang="en-US" dirty="0" smtClean="0"/>
-              <a:t>Synthetic </a:t>
-            </a:r>
-            <a:r>
-              <a:rPr lang="en-US" dirty="0" smtClean="0"/>
-              <a:t>Evaluation – 1% noise</a:t>
+              <a:t>Synthetic Evaluation – 1% noise</a:t>
             </a:r>
             <a:endParaRPr lang="en-US" dirty="0"/>
           </a:p>
         </p:txBody>
       </p:sp>
-      <p:sp>
-        <p:nvSpPr>
-          <p:cNvPr id="3" name="Inhaltsplatzhalter 2"/>
-          <p:cNvSpPr>
-            <a:spLocks noGrp="1"/>
-          </p:cNvSpPr>
-          <p:nvPr>
-            <p:ph idx="1"/>
-          </p:nvPr>
-        </p:nvSpPr>
-        <p:spPr/>
-        <p:txBody>
-          <a:bodyPr/>
-          <a:lstStyle/>
-          <a:p>
-            <a:r>
-              <a:rPr lang="en-US" dirty="0" smtClean="0"/>
-              <a:t>Text</a:t>
-            </a:r>
-            <a:endParaRPr lang="en-US" dirty="0"/>
-          </a:p>
-        </p:txBody>
-      </p:sp>
+      <p:pic>
+        <p:nvPicPr>
+          <p:cNvPr id="4" name="Grafik 3"/>
+          <p:cNvPicPr>
+            <a:picLocks noChangeAspect="1"/>
+          </p:cNvPicPr>
+          <p:nvPr/>
+        </p:nvPicPr>
+        <p:blipFill>
+          <a:blip r:embed="rId2">
+            <a:extLst>
+              <a:ext uri="{28A0092B-C50C-407E-A947-70E740481C1C}">
+                <a14:useLocalDpi xmlns:a14="http://schemas.microsoft.com/office/drawing/2010/main" val="0"/>
+              </a:ext>
+            </a:extLst>
+          </a:blip>
+          <a:stretch>
+            <a:fillRect/>
+          </a:stretch>
+        </p:blipFill>
+        <p:spPr>
+          <a:xfrm>
+            <a:off x="1425335" y="2996133"/>
+            <a:ext cx="3513772" cy="2635329"/>
+          </a:xfrm>
+          <a:prstGeom prst="rect">
+            <a:avLst/>
+          </a:prstGeom>
+        </p:spPr>
+      </p:pic>
+      <p:pic>
+        <p:nvPicPr>
+          <p:cNvPr id="6" name="Grafik 5"/>
+          <p:cNvPicPr>
+            <a:picLocks noChangeAspect="1"/>
+          </p:cNvPicPr>
+          <p:nvPr/>
+        </p:nvPicPr>
+        <p:blipFill>
+          <a:blip r:embed="rId3">
+            <a:extLst>
+              <a:ext uri="{28A0092B-C50C-407E-A947-70E740481C1C}">
+                <a14:useLocalDpi xmlns:a14="http://schemas.microsoft.com/office/drawing/2010/main" val="0"/>
+              </a:ext>
+            </a:extLst>
+          </a:blip>
+          <a:stretch>
+            <a:fillRect/>
+          </a:stretch>
+        </p:blipFill>
+        <p:spPr>
+          <a:xfrm>
+            <a:off x="5508314" y="2988235"/>
+            <a:ext cx="3513772" cy="2635329"/>
+          </a:xfrm>
+          <a:prstGeom prst="rect">
+            <a:avLst/>
+          </a:prstGeom>
+        </p:spPr>
+      </p:pic>
+      <p:pic>
+        <p:nvPicPr>
+          <p:cNvPr id="7" name="Grafik 6"/>
+          <p:cNvPicPr>
+            <a:picLocks noChangeAspect="1"/>
+          </p:cNvPicPr>
+          <p:nvPr/>
+        </p:nvPicPr>
+        <p:blipFill>
+          <a:blip r:embed="rId4">
+            <a:extLst>
+              <a:ext uri="{28A0092B-C50C-407E-A947-70E740481C1C}">
+                <a14:useLocalDpi xmlns:a14="http://schemas.microsoft.com/office/drawing/2010/main" val="0"/>
+              </a:ext>
+            </a:extLst>
+          </a:blip>
+          <a:stretch>
+            <a:fillRect/>
+          </a:stretch>
+        </p:blipFill>
+        <p:spPr>
+          <a:xfrm>
+            <a:off x="7695703" y="2239683"/>
+            <a:ext cx="3513772" cy="2635329"/>
+          </a:xfrm>
+          <a:prstGeom prst="rect">
+            <a:avLst/>
+          </a:prstGeom>
+        </p:spPr>
+      </p:pic>
+      <p:pic>
+        <p:nvPicPr>
+          <p:cNvPr id="8" name="Grafik 7"/>
+          <p:cNvPicPr>
+            <a:picLocks noChangeAspect="1"/>
+          </p:cNvPicPr>
+          <p:nvPr/>
+        </p:nvPicPr>
+        <p:blipFill>
+          <a:blip r:embed="rId5">
+            <a:extLst>
+              <a:ext uri="{28A0092B-C50C-407E-A947-70E740481C1C}">
+                <a14:useLocalDpi xmlns:a14="http://schemas.microsoft.com/office/drawing/2010/main" val="0"/>
+              </a:ext>
+            </a:extLst>
+          </a:blip>
+          <a:stretch>
+            <a:fillRect/>
+          </a:stretch>
+        </p:blipFill>
+        <p:spPr>
+          <a:xfrm>
+            <a:off x="8586196" y="4313798"/>
+            <a:ext cx="3513772" cy="2635329"/>
+          </a:xfrm>
+          <a:prstGeom prst="rect">
+            <a:avLst/>
+          </a:prstGeom>
+        </p:spPr>
+      </p:pic>
     </p:spTree>
     <p:extLst>
       <p:ext uri="{BB962C8B-B14F-4D97-AF65-F5344CB8AC3E}">
@@ -5181,11 +5274,7 @@
           <a:p>
             <a:r>
               <a:rPr lang="en-US" dirty="0" smtClean="0"/>
-              <a:t>Synthetic </a:t>
-            </a:r>
-            <a:r>
-              <a:rPr lang="en-US" dirty="0" smtClean="0"/>
-              <a:t>Evaluation – 2% noise</a:t>
+              <a:t>Synthetic Evaluation – 2% noise</a:t>
             </a:r>
             <a:endParaRPr lang="en-US" dirty="0"/>
           </a:p>
@@ -5261,11 +5350,7 @@
           <a:p>
             <a:r>
               <a:rPr lang="en-US" dirty="0" smtClean="0"/>
-              <a:t>Synthetic </a:t>
-            </a:r>
-            <a:r>
-              <a:rPr lang="en-US" dirty="0" smtClean="0"/>
-              <a:t>Evaluation – 5% noise</a:t>
+              <a:t>Synthetic Evaluation – 5% noise</a:t>
             </a:r>
             <a:endParaRPr lang="en-US" dirty="0"/>
           </a:p>
@@ -5341,11 +5426,7 @@
           <a:p>
             <a:r>
               <a:rPr lang="en-US" dirty="0" smtClean="0"/>
-              <a:t>Synthetic </a:t>
-            </a:r>
-            <a:r>
-              <a:rPr lang="en-US" dirty="0" smtClean="0"/>
-              <a:t>Evaluation – 10% noise</a:t>
+              <a:t>Synthetic Evaluation – 10% noise</a:t>
             </a:r>
             <a:endParaRPr lang="en-US" dirty="0"/>
           </a:p>
